--- a/Proyecto IA Digital House v4.pptx
+++ b/Proyecto IA Digital House v4.pptx
@@ -4,6 +4,9 @@
   <p:sldMasterIdLst>
     <p:sldMasterId id="2147483742" r:id="rId1"/>
   </p:sldMasterIdLst>
+  <p:notesMasterIdLst>
+    <p:notesMasterId r:id="rId55"/>
+  </p:notesMasterIdLst>
   <p:sldIdLst>
     <p:sldId id="256" r:id="rId2"/>
     <p:sldId id="280" r:id="rId3"/>
@@ -227,6 +230,459 @@
     </p:ext>
   </p:extLst>
 </p:presentation>
+</file>
+
+<file path=ppt/notesMasters/notesMaster1.xml><?xml version="1.0" encoding="utf-8"?>
+<p:notesMaster xmlns:a="http://schemas.openxmlformats.org/drawingml/2006/main" xmlns:r="http://schemas.openxmlformats.org/officeDocument/2006/relationships" xmlns:p="http://schemas.openxmlformats.org/presentationml/2006/main">
+  <p:cSld>
+    <p:bg>
+      <p:bgRef idx="1001">
+        <a:schemeClr val="bg1"/>
+      </p:bgRef>
+    </p:bg>
+    <p:spTree>
+      <p:nvGrpSpPr>
+        <p:cNvPr id="1" name=""/>
+        <p:cNvGrpSpPr/>
+        <p:nvPr/>
+      </p:nvGrpSpPr>
+      <p:grpSpPr>
+        <a:xfrm>
+          <a:off x="0" y="0"/>
+          <a:ext cx="0" cy="0"/>
+          <a:chOff x="0" y="0"/>
+          <a:chExt cx="0" cy="0"/>
+        </a:xfrm>
+      </p:grpSpPr>
+      <p:sp>
+        <p:nvSpPr>
+          <p:cNvPr id="2" name="Marcador de encabezado 1"/>
+          <p:cNvSpPr>
+            <a:spLocks noGrp="1"/>
+          </p:cNvSpPr>
+          <p:nvPr>
+            <p:ph type="hdr" sz="quarter"/>
+          </p:nvPr>
+        </p:nvSpPr>
+        <p:spPr>
+          <a:xfrm>
+            <a:off x="0" y="0"/>
+            <a:ext cx="2971800" cy="458788"/>
+          </a:xfrm>
+          <a:prstGeom prst="rect">
+            <a:avLst/>
+          </a:prstGeom>
+        </p:spPr>
+        <p:txBody>
+          <a:bodyPr vert="horz" lIns="91440" tIns="45720" rIns="91440" bIns="45720" rtlCol="0"/>
+          <a:lstStyle>
+            <a:lvl1pPr algn="l">
+              <a:defRPr sz="1200"/>
+            </a:lvl1pPr>
+          </a:lstStyle>
+          <a:p>
+            <a:endParaRPr lang="es-AR"/>
+          </a:p>
+        </p:txBody>
+      </p:sp>
+      <p:sp>
+        <p:nvSpPr>
+          <p:cNvPr id="3" name="Marcador de fecha 2"/>
+          <p:cNvSpPr>
+            <a:spLocks noGrp="1"/>
+          </p:cNvSpPr>
+          <p:nvPr>
+            <p:ph type="dt" idx="1"/>
+          </p:nvPr>
+        </p:nvSpPr>
+        <p:spPr>
+          <a:xfrm>
+            <a:off x="3884613" y="0"/>
+            <a:ext cx="2971800" cy="458788"/>
+          </a:xfrm>
+          <a:prstGeom prst="rect">
+            <a:avLst/>
+          </a:prstGeom>
+        </p:spPr>
+        <p:txBody>
+          <a:bodyPr vert="horz" lIns="91440" tIns="45720" rIns="91440" bIns="45720" rtlCol="0"/>
+          <a:lstStyle>
+            <a:lvl1pPr algn="r">
+              <a:defRPr sz="1200"/>
+            </a:lvl1pPr>
+          </a:lstStyle>
+          <a:p>
+            <a:fld id="{A4CED558-7131-4C74-8D30-606A14BD1C04}" type="datetimeFigureOut">
+              <a:rPr lang="es-AR" smtClean="0"/>
+              <a:t>7/8/2019</a:t>
+            </a:fld>
+            <a:endParaRPr lang="es-AR"/>
+          </a:p>
+        </p:txBody>
+      </p:sp>
+      <p:sp>
+        <p:nvSpPr>
+          <p:cNvPr id="4" name="Marcador de imagen de diapositiva 3"/>
+          <p:cNvSpPr>
+            <a:spLocks noGrp="1" noRot="1" noChangeAspect="1"/>
+          </p:cNvSpPr>
+          <p:nvPr>
+            <p:ph type="sldImg" idx="2"/>
+          </p:nvPr>
+        </p:nvSpPr>
+        <p:spPr>
+          <a:xfrm>
+            <a:off x="1371600" y="1143000"/>
+            <a:ext cx="4114800" cy="3086100"/>
+          </a:xfrm>
+          <a:prstGeom prst="rect">
+            <a:avLst/>
+          </a:prstGeom>
+          <a:noFill/>
+          <a:ln w="12700">
+            <a:solidFill>
+              <a:prstClr val="black"/>
+            </a:solidFill>
+          </a:ln>
+        </p:spPr>
+        <p:txBody>
+          <a:bodyPr vert="horz" lIns="91440" tIns="45720" rIns="91440" bIns="45720" rtlCol="0" anchor="ctr"/>
+          <a:lstStyle/>
+          <a:p>
+            <a:endParaRPr lang="es-AR"/>
+          </a:p>
+        </p:txBody>
+      </p:sp>
+      <p:sp>
+        <p:nvSpPr>
+          <p:cNvPr id="5" name="Marcador de notas 4"/>
+          <p:cNvSpPr>
+            <a:spLocks noGrp="1"/>
+          </p:cNvSpPr>
+          <p:nvPr>
+            <p:ph type="body" sz="quarter" idx="3"/>
+          </p:nvPr>
+        </p:nvSpPr>
+        <p:spPr>
+          <a:xfrm>
+            <a:off x="685800" y="4400550"/>
+            <a:ext cx="5486400" cy="3600450"/>
+          </a:xfrm>
+          <a:prstGeom prst="rect">
+            <a:avLst/>
+          </a:prstGeom>
+        </p:spPr>
+        <p:txBody>
+          <a:bodyPr vert="horz" lIns="91440" tIns="45720" rIns="91440" bIns="45720" rtlCol="0"/>
+          <a:lstStyle/>
+          <a:p>
+            <a:pPr lvl="0"/>
+            <a:r>
+              <a:rPr lang="es-ES"/>
+              <a:t>Haga clic para modificar los estilos de texto del patrón</a:t>
+            </a:r>
+          </a:p>
+          <a:p>
+            <a:pPr lvl="1"/>
+            <a:r>
+              <a:rPr lang="es-ES"/>
+              <a:t>Segundo nivel</a:t>
+            </a:r>
+          </a:p>
+          <a:p>
+            <a:pPr lvl="2"/>
+            <a:r>
+              <a:rPr lang="es-ES"/>
+              <a:t>Tercer nivel</a:t>
+            </a:r>
+          </a:p>
+          <a:p>
+            <a:pPr lvl="3"/>
+            <a:r>
+              <a:rPr lang="es-ES"/>
+              <a:t>Cuarto nivel</a:t>
+            </a:r>
+          </a:p>
+          <a:p>
+            <a:pPr lvl="4"/>
+            <a:r>
+              <a:rPr lang="es-ES"/>
+              <a:t>Quinto nivel</a:t>
+            </a:r>
+            <a:endParaRPr lang="es-AR"/>
+          </a:p>
+        </p:txBody>
+      </p:sp>
+      <p:sp>
+        <p:nvSpPr>
+          <p:cNvPr id="6" name="Marcador de pie de página 5"/>
+          <p:cNvSpPr>
+            <a:spLocks noGrp="1"/>
+          </p:cNvSpPr>
+          <p:nvPr>
+            <p:ph type="ftr" sz="quarter" idx="4"/>
+          </p:nvPr>
+        </p:nvSpPr>
+        <p:spPr>
+          <a:xfrm>
+            <a:off x="0" y="8685213"/>
+            <a:ext cx="2971800" cy="458787"/>
+          </a:xfrm>
+          <a:prstGeom prst="rect">
+            <a:avLst/>
+          </a:prstGeom>
+        </p:spPr>
+        <p:txBody>
+          <a:bodyPr vert="horz" lIns="91440" tIns="45720" rIns="91440" bIns="45720" rtlCol="0" anchor="b"/>
+          <a:lstStyle>
+            <a:lvl1pPr algn="l">
+              <a:defRPr sz="1200"/>
+            </a:lvl1pPr>
+          </a:lstStyle>
+          <a:p>
+            <a:endParaRPr lang="es-AR"/>
+          </a:p>
+        </p:txBody>
+      </p:sp>
+      <p:sp>
+        <p:nvSpPr>
+          <p:cNvPr id="7" name="Marcador de número de diapositiva 6"/>
+          <p:cNvSpPr>
+            <a:spLocks noGrp="1"/>
+          </p:cNvSpPr>
+          <p:nvPr>
+            <p:ph type="sldNum" sz="quarter" idx="5"/>
+          </p:nvPr>
+        </p:nvSpPr>
+        <p:spPr>
+          <a:xfrm>
+            <a:off x="3884613" y="8685213"/>
+            <a:ext cx="2971800" cy="458787"/>
+          </a:xfrm>
+          <a:prstGeom prst="rect">
+            <a:avLst/>
+          </a:prstGeom>
+        </p:spPr>
+        <p:txBody>
+          <a:bodyPr vert="horz" lIns="91440" tIns="45720" rIns="91440" bIns="45720" rtlCol="0" anchor="b"/>
+          <a:lstStyle>
+            <a:lvl1pPr algn="r">
+              <a:defRPr sz="1200"/>
+            </a:lvl1pPr>
+          </a:lstStyle>
+          <a:p>
+            <a:fld id="{42062483-10E7-4F5A-AC2C-788CA6595BB7}" type="slidenum">
+              <a:rPr lang="es-AR" smtClean="0"/>
+              <a:t>‹Nº›</a:t>
+            </a:fld>
+            <a:endParaRPr lang="es-AR"/>
+          </a:p>
+        </p:txBody>
+      </p:sp>
+    </p:spTree>
+    <p:extLst>
+      <p:ext uri="{BB962C8B-B14F-4D97-AF65-F5344CB8AC3E}">
+        <p14:creationId xmlns:p14="http://schemas.microsoft.com/office/powerpoint/2010/main" val="2314697149"/>
+      </p:ext>
+    </p:extLst>
+  </p:cSld>
+  <p:clrMap bg1="lt1" tx1="dk1" bg2="lt2" tx2="dk2" accent1="accent1" accent2="accent2" accent3="accent3" accent4="accent4" accent5="accent5" accent6="accent6" hlink="hlink" folHlink="folHlink"/>
+  <p:notesStyle>
+    <a:lvl1pPr marL="0" algn="l" defTabSz="914400" rtl="0" eaLnBrk="1" latinLnBrk="0" hangingPunct="1">
+      <a:defRPr sz="1200" kern="1200">
+        <a:solidFill>
+          <a:schemeClr val="tx1"/>
+        </a:solidFill>
+        <a:latin typeface="+mn-lt"/>
+        <a:ea typeface="+mn-ea"/>
+        <a:cs typeface="+mn-cs"/>
+      </a:defRPr>
+    </a:lvl1pPr>
+    <a:lvl2pPr marL="457200" algn="l" defTabSz="914400" rtl="0" eaLnBrk="1" latinLnBrk="0" hangingPunct="1">
+      <a:defRPr sz="1200" kern="1200">
+        <a:solidFill>
+          <a:schemeClr val="tx1"/>
+        </a:solidFill>
+        <a:latin typeface="+mn-lt"/>
+        <a:ea typeface="+mn-ea"/>
+        <a:cs typeface="+mn-cs"/>
+      </a:defRPr>
+    </a:lvl2pPr>
+    <a:lvl3pPr marL="914400" algn="l" defTabSz="914400" rtl="0" eaLnBrk="1" latinLnBrk="0" hangingPunct="1">
+      <a:defRPr sz="1200" kern="1200">
+        <a:solidFill>
+          <a:schemeClr val="tx1"/>
+        </a:solidFill>
+        <a:latin typeface="+mn-lt"/>
+        <a:ea typeface="+mn-ea"/>
+        <a:cs typeface="+mn-cs"/>
+      </a:defRPr>
+    </a:lvl3pPr>
+    <a:lvl4pPr marL="1371600" algn="l" defTabSz="914400" rtl="0" eaLnBrk="1" latinLnBrk="0" hangingPunct="1">
+      <a:defRPr sz="1200" kern="1200">
+        <a:solidFill>
+          <a:schemeClr val="tx1"/>
+        </a:solidFill>
+        <a:latin typeface="+mn-lt"/>
+        <a:ea typeface="+mn-ea"/>
+        <a:cs typeface="+mn-cs"/>
+      </a:defRPr>
+    </a:lvl4pPr>
+    <a:lvl5pPr marL="1828800" algn="l" defTabSz="914400" rtl="0" eaLnBrk="1" latinLnBrk="0" hangingPunct="1">
+      <a:defRPr sz="1200" kern="1200">
+        <a:solidFill>
+          <a:schemeClr val="tx1"/>
+        </a:solidFill>
+        <a:latin typeface="+mn-lt"/>
+        <a:ea typeface="+mn-ea"/>
+        <a:cs typeface="+mn-cs"/>
+      </a:defRPr>
+    </a:lvl5pPr>
+    <a:lvl6pPr marL="2286000" algn="l" defTabSz="914400" rtl="0" eaLnBrk="1" latinLnBrk="0" hangingPunct="1">
+      <a:defRPr sz="1200" kern="1200">
+        <a:solidFill>
+          <a:schemeClr val="tx1"/>
+        </a:solidFill>
+        <a:latin typeface="+mn-lt"/>
+        <a:ea typeface="+mn-ea"/>
+        <a:cs typeface="+mn-cs"/>
+      </a:defRPr>
+    </a:lvl6pPr>
+    <a:lvl7pPr marL="2743200" algn="l" defTabSz="914400" rtl="0" eaLnBrk="1" latinLnBrk="0" hangingPunct="1">
+      <a:defRPr sz="1200" kern="1200">
+        <a:solidFill>
+          <a:schemeClr val="tx1"/>
+        </a:solidFill>
+        <a:latin typeface="+mn-lt"/>
+        <a:ea typeface="+mn-ea"/>
+        <a:cs typeface="+mn-cs"/>
+      </a:defRPr>
+    </a:lvl7pPr>
+    <a:lvl8pPr marL="3200400" algn="l" defTabSz="914400" rtl="0" eaLnBrk="1" latinLnBrk="0" hangingPunct="1">
+      <a:defRPr sz="1200" kern="1200">
+        <a:solidFill>
+          <a:schemeClr val="tx1"/>
+        </a:solidFill>
+        <a:latin typeface="+mn-lt"/>
+        <a:ea typeface="+mn-ea"/>
+        <a:cs typeface="+mn-cs"/>
+      </a:defRPr>
+    </a:lvl8pPr>
+    <a:lvl9pPr marL="3657600" algn="l" defTabSz="914400" rtl="0" eaLnBrk="1" latinLnBrk="0" hangingPunct="1">
+      <a:defRPr sz="1200" kern="1200">
+        <a:solidFill>
+          <a:schemeClr val="tx1"/>
+        </a:solidFill>
+        <a:latin typeface="+mn-lt"/>
+        <a:ea typeface="+mn-ea"/>
+        <a:cs typeface="+mn-cs"/>
+      </a:defRPr>
+    </a:lvl9pPr>
+  </p:notesStyle>
+</p:notesMaster>
+</file>
+
+<file path=ppt/notesSlides/notesSlide1.xml><?xml version="1.0" encoding="utf-8"?>
+<p:notes xmlns:a="http://schemas.openxmlformats.org/drawingml/2006/main" xmlns:r="http://schemas.openxmlformats.org/officeDocument/2006/relationships" xmlns:p="http://schemas.openxmlformats.org/presentationml/2006/main">
+  <p:cSld>
+    <p:spTree>
+      <p:nvGrpSpPr>
+        <p:cNvPr id="1" name=""/>
+        <p:cNvGrpSpPr/>
+        <p:nvPr/>
+      </p:nvGrpSpPr>
+      <p:grpSpPr>
+        <a:xfrm>
+          <a:off x="0" y="0"/>
+          <a:ext cx="0" cy="0"/>
+          <a:chOff x="0" y="0"/>
+          <a:chExt cx="0" cy="0"/>
+        </a:xfrm>
+      </p:grpSpPr>
+      <p:sp>
+        <p:nvSpPr>
+          <p:cNvPr id="2" name="Marcador de imagen de diapositiva 1"/>
+          <p:cNvSpPr>
+            <a:spLocks noGrp="1" noRot="1" noChangeAspect="1"/>
+          </p:cNvSpPr>
+          <p:nvPr>
+            <p:ph type="sldImg"/>
+          </p:nvPr>
+        </p:nvSpPr>
+        <p:spPr/>
+      </p:sp>
+      <p:sp>
+        <p:nvSpPr>
+          <p:cNvPr id="3" name="Marcador de notas 2"/>
+          <p:cNvSpPr>
+            <a:spLocks noGrp="1"/>
+          </p:cNvSpPr>
+          <p:nvPr>
+            <p:ph type="body" idx="1"/>
+          </p:nvPr>
+        </p:nvSpPr>
+        <p:spPr/>
+        <p:txBody>
+          <a:bodyPr/>
+          <a:lstStyle/>
+          <a:p>
+            <a:r>
+              <a:rPr lang="es-AR" dirty="0"/>
+              <a:t>Alpha beta es una técnica que mejora el </a:t>
+            </a:r>
+            <a:r>
+              <a:rPr lang="es-AR" dirty="0" err="1"/>
+              <a:t>naive</a:t>
+            </a:r>
+            <a:r>
+              <a:rPr lang="es-AR" dirty="0"/>
+              <a:t> </a:t>
+            </a:r>
+            <a:r>
+              <a:rPr lang="es-AR" dirty="0" err="1"/>
+              <a:t>minmax</a:t>
+            </a:r>
+            <a:r>
+              <a:rPr lang="es-AR" dirty="0"/>
+              <a:t>, básicamente recortando el árbol del MDP. Por ejemplo, si las decisiones solo empeoran la situación puedo ya no recorrer mas el nodo.</a:t>
+            </a:r>
+          </a:p>
+        </p:txBody>
+      </p:sp>
+      <p:sp>
+        <p:nvSpPr>
+          <p:cNvPr id="4" name="Marcador de número de diapositiva 3"/>
+          <p:cNvSpPr>
+            <a:spLocks noGrp="1"/>
+          </p:cNvSpPr>
+          <p:nvPr>
+            <p:ph type="sldNum" sz="quarter" idx="5"/>
+          </p:nvPr>
+        </p:nvSpPr>
+        <p:spPr/>
+        <p:txBody>
+          <a:bodyPr/>
+          <a:lstStyle/>
+          <a:p>
+            <a:fld id="{42062483-10E7-4F5A-AC2C-788CA6595BB7}" type="slidenum">
+              <a:rPr lang="es-AR" smtClean="0"/>
+              <a:t>6</a:t>
+            </a:fld>
+            <a:endParaRPr lang="es-AR"/>
+          </a:p>
+        </p:txBody>
+      </p:sp>
+    </p:spTree>
+    <p:extLst>
+      <p:ext uri="{BB962C8B-B14F-4D97-AF65-F5344CB8AC3E}">
+        <p14:creationId xmlns:p14="http://schemas.microsoft.com/office/powerpoint/2010/main" val="3537751539"/>
+      </p:ext>
+    </p:extLst>
+  </p:cSld>
+  <p:clrMapOvr>
+    <a:masterClrMapping/>
+  </p:clrMapOvr>
+</p:notes>
 </file>
 
 <file path=ppt/slideLayouts/slideLayout1.xml><?xml version="1.0" encoding="utf-8"?>
@@ -12570,7 +13026,7 @@
         <p:spPr>
           <a:xfrm>
             <a:off x="374073" y="1828801"/>
-            <a:ext cx="8146472" cy="4351337"/>
+            <a:ext cx="8146472" cy="4663439"/>
           </a:xfrm>
         </p:spPr>
         <p:txBody>
@@ -13056,7 +13512,7 @@
           <a:bodyPr/>
           <a:lstStyle/>
           <a:p>
-            <a:endParaRPr lang="es-AR"/>
+            <a:endParaRPr lang="es-AR" dirty="0"/>
           </a:p>
         </p:txBody>
       </p:sp>
@@ -17702,43 +18158,6 @@
               <a:latin typeface="Calibri" panose="020F0502020204030204" pitchFamily="34" charset="0"/>
               <a:cs typeface="Calibri" panose="020F0502020204030204" pitchFamily="34" charset="0"/>
             </a:endParaRPr>
-          </a:p>
-          <a:p>
-            <a:r>
-              <a:rPr lang="es-AR" sz="1800" dirty="0">
-                <a:latin typeface="Calibri" panose="020F0502020204030204" pitchFamily="34" charset="0"/>
-                <a:cs typeface="Calibri" panose="020F0502020204030204" pitchFamily="34" charset="0"/>
-              </a:rPr>
-              <a:t>La idea es que la </a:t>
-            </a:r>
-            <a:r>
-              <a:rPr lang="es-AR" sz="1800" dirty="0" err="1">
-                <a:latin typeface="Calibri" panose="020F0502020204030204" pitchFamily="34" charset="0"/>
-                <a:cs typeface="Calibri" panose="020F0502020204030204" pitchFamily="34" charset="0"/>
-              </a:rPr>
-              <a:t>policy</a:t>
-            </a:r>
-            <a:r>
-              <a:rPr lang="es-AR" sz="1800" dirty="0">
-                <a:latin typeface="Calibri" panose="020F0502020204030204" pitchFamily="34" charset="0"/>
-                <a:cs typeface="Calibri" panose="020F0502020204030204" pitchFamily="34" charset="0"/>
-              </a:rPr>
-              <a:t> de cada jugador es su </a:t>
-            </a:r>
-            <a:r>
-              <a:rPr lang="es-AR" sz="1800" dirty="0" err="1">
-                <a:latin typeface="Calibri" panose="020F0502020204030204" pitchFamily="34" charset="0"/>
-                <a:cs typeface="Calibri" panose="020F0502020204030204" pitchFamily="34" charset="0"/>
-              </a:rPr>
-              <a:t>best</a:t>
-            </a:r>
-            <a:r>
-              <a:rPr lang="es-AR" sz="1800" dirty="0">
-                <a:latin typeface="Calibri" panose="020F0502020204030204" pitchFamily="34" charset="0"/>
-                <a:cs typeface="Calibri" panose="020F0502020204030204" pitchFamily="34" charset="0"/>
-              </a:rPr>
-              <a:t> response. </a:t>
-            </a:r>
           </a:p>
           <a:p>
             <a:r>
@@ -21302,84 +21721,243 @@
         </p:nvSpPr>
         <p:spPr/>
         <p:txBody>
-          <a:bodyPr/>
+          <a:bodyPr>
+            <a:normAutofit fontScale="85000" lnSpcReduction="20000"/>
+          </a:bodyPr>
           <a:lstStyle/>
           <a:p>
             <a:r>
-              <a:rPr lang="es-AR" dirty="0"/>
+              <a:rPr lang="es-AR" b="1" dirty="0"/>
               <a:t>Ajedrez</a:t>
             </a:r>
           </a:p>
           <a:p>
+            <a:pPr lvl="1"/>
+            <a:r>
+              <a:rPr lang="en-US" i="1" dirty="0"/>
+              <a:t>El </a:t>
+            </a:r>
+            <a:r>
+              <a:rPr lang="es-UY" i="1" dirty="0"/>
+              <a:t>problema</a:t>
+            </a:r>
+            <a:r>
+              <a:rPr lang="en-US" i="1" dirty="0"/>
+              <a:t> </a:t>
+            </a:r>
+            <a:r>
+              <a:rPr lang="es-UY" i="1" dirty="0"/>
+              <a:t>mas estudiado del campo de IA</a:t>
+            </a:r>
+          </a:p>
+          <a:p>
+            <a:pPr lvl="1"/>
+            <a:r>
+              <a:rPr lang="es-UY" i="1" dirty="0"/>
+              <a:t>Los mejores programas suelen ser combinaciones de técnicas sofisticadas de búsqueda (</a:t>
+            </a:r>
+            <a:r>
+              <a:rPr lang="es-UY" i="1" dirty="0" err="1"/>
+              <a:t>ie</a:t>
+            </a:r>
+            <a:r>
+              <a:rPr lang="es-UY" i="1" dirty="0"/>
+              <a:t>: </a:t>
+            </a:r>
+            <a:r>
+              <a:rPr lang="es-UY" i="1" dirty="0" err="1"/>
+              <a:t>alpha</a:t>
+            </a:r>
+            <a:r>
+              <a:rPr lang="es-UY" i="1" dirty="0"/>
+              <a:t>-beta), adaptaciones especificas de dominio y funciones de evaluaciones construidas a mano. Todo con años de refinamiento.</a:t>
+            </a:r>
+          </a:p>
+          <a:p>
             <a:endParaRPr lang="es-AR" dirty="0"/>
           </a:p>
           <a:p>
+            <a:r>
+              <a:rPr lang="es-AR" b="1" dirty="0" err="1"/>
+              <a:t>AlphaGo</a:t>
+            </a:r>
+            <a:r>
+              <a:rPr lang="es-AR" b="1" dirty="0"/>
+              <a:t> / </a:t>
+            </a:r>
+            <a:r>
+              <a:rPr lang="es-AR" b="1" dirty="0" err="1"/>
+              <a:t>AlphaZero</a:t>
+            </a:r>
+            <a:r>
+              <a:rPr lang="es-AR" b="1" dirty="0"/>
+              <a:t> / </a:t>
+            </a:r>
+            <a:r>
+              <a:rPr lang="es-AR" b="1" dirty="0" err="1"/>
+              <a:t>AlphaChess</a:t>
+            </a:r>
+            <a:r>
+              <a:rPr lang="es-AR" b="1" dirty="0"/>
+              <a:t> / </a:t>
+            </a:r>
+            <a:r>
+              <a:rPr lang="es-AR" b="1" dirty="0" err="1"/>
+              <a:t>AlphaShogi</a:t>
+            </a:r>
+            <a:endParaRPr lang="es-AR" b="1" dirty="0"/>
+          </a:p>
+          <a:p>
+            <a:pPr lvl="1"/>
+            <a:r>
+              <a:rPr lang="es-UY" b="1" dirty="0" err="1"/>
+              <a:t>Go</a:t>
+            </a:r>
+            <a:r>
+              <a:rPr lang="es-UY" dirty="0"/>
+              <a:t> como juego aplica bien a redes neuronales por varias razones: </a:t>
+            </a:r>
+            <a:r>
+              <a:rPr lang="es-UY" dirty="0" err="1"/>
+              <a:t>matchea</a:t>
+            </a:r>
+            <a:r>
+              <a:rPr lang="es-UY" dirty="0"/>
+              <a:t> convolucionales, invariante a traslación, puedo rotar y reflejar para data </a:t>
+            </a:r>
+            <a:r>
+              <a:rPr lang="es-UY" dirty="0" err="1"/>
+              <a:t>augmentation</a:t>
+            </a:r>
+            <a:r>
+              <a:rPr lang="es-UY" dirty="0"/>
+              <a:t>, etc. </a:t>
+            </a:r>
+          </a:p>
+          <a:p>
+            <a:pPr lvl="1"/>
+            <a:r>
+              <a:rPr lang="es-UY" b="1" dirty="0" err="1"/>
+              <a:t>AlphaGo</a:t>
+            </a:r>
+            <a:r>
+              <a:rPr lang="es-UY" dirty="0"/>
+              <a:t> uso dos redes </a:t>
+            </a:r>
+            <a:r>
+              <a:rPr lang="es-UY" dirty="0" err="1"/>
+              <a:t>Policy</a:t>
+            </a:r>
+            <a:r>
+              <a:rPr lang="es-UY" dirty="0"/>
+              <a:t> y </a:t>
+            </a:r>
+            <a:r>
+              <a:rPr lang="es-UY" dirty="0" err="1"/>
+              <a:t>Value</a:t>
+            </a:r>
+            <a:r>
+              <a:rPr lang="es-UY" dirty="0"/>
+              <a:t> y entreno con partidas de experto</a:t>
+            </a:r>
+          </a:p>
+          <a:p>
+            <a:pPr lvl="1"/>
+            <a:r>
+              <a:rPr lang="es-UY" b="1" dirty="0" err="1"/>
+              <a:t>AlphaZero</a:t>
+            </a:r>
+            <a:r>
+              <a:rPr lang="es-UY" dirty="0"/>
+              <a:t> uso una red que combina las dos cosas (con una </a:t>
+            </a:r>
+            <a:r>
+              <a:rPr lang="es-UY" dirty="0" err="1"/>
+              <a:t>loss</a:t>
+            </a:r>
+            <a:r>
+              <a:rPr lang="es-UY" dirty="0"/>
+              <a:t> </a:t>
+            </a:r>
+            <a:r>
+              <a:rPr lang="es-UY" dirty="0" err="1"/>
+              <a:t>function</a:t>
+            </a:r>
+            <a:r>
+              <a:rPr lang="es-UY" dirty="0"/>
+              <a:t> que suma </a:t>
+            </a:r>
+            <a:r>
+              <a:rPr lang="es-UY" dirty="0" err="1"/>
+              <a:t>mse</a:t>
+            </a:r>
+            <a:r>
+              <a:rPr lang="es-UY" dirty="0"/>
+              <a:t> y </a:t>
+            </a:r>
+            <a:r>
+              <a:rPr lang="es-UY" dirty="0" err="1"/>
+              <a:t>crossentropy</a:t>
+            </a:r>
+            <a:r>
+              <a:rPr lang="es-UY" dirty="0"/>
+              <a:t>)</a:t>
+            </a:r>
+          </a:p>
+          <a:p>
+            <a:pPr lvl="1"/>
             <a:endParaRPr lang="es-AR" dirty="0"/>
           </a:p>
           <a:p>
             <a:r>
-              <a:rPr lang="es-AR" dirty="0" err="1"/>
-              <a:t>AlphaGo</a:t>
-            </a:r>
-            <a:r>
-              <a:rPr lang="es-AR" dirty="0"/>
-              <a:t> / </a:t>
-            </a:r>
-            <a:r>
-              <a:rPr lang="es-AR" dirty="0" err="1"/>
-              <a:t>AlphaZero</a:t>
-            </a:r>
-            <a:r>
-              <a:rPr lang="es-AR" dirty="0"/>
-              <a:t> / </a:t>
-            </a:r>
-            <a:r>
-              <a:rPr lang="es-AR" dirty="0" err="1"/>
-              <a:t>AlphaChess</a:t>
-            </a:r>
-            <a:r>
-              <a:rPr lang="es-AR" dirty="0"/>
-              <a:t> / </a:t>
-            </a:r>
-            <a:r>
-              <a:rPr lang="es-AR" dirty="0" err="1"/>
-              <a:t>AlphaShogi</a:t>
-            </a:r>
+              <a:rPr lang="es-AR" b="1" dirty="0" err="1"/>
+              <a:t>AlphaStar</a:t>
+            </a:r>
+            <a:endParaRPr lang="es-AR" b="1" dirty="0"/>
+          </a:p>
+          <a:p>
+            <a:pPr lvl="1"/>
+            <a:r>
+              <a:rPr lang="es-AR" dirty="0"/>
+              <a:t>Ligas con diferentes agentes, algoritmos genéticos para combinar los agentes mas exitosos de diferentes ligas.</a:t>
+            </a:r>
+          </a:p>
+          <a:p>
+            <a:pPr lvl="1"/>
             <a:endParaRPr lang="es-AR" dirty="0"/>
           </a:p>
           <a:p>
-            <a:endParaRPr lang="es-AR" dirty="0"/>
-          </a:p>
-          <a:p>
-            <a:endParaRPr lang="es-AR" dirty="0"/>
-          </a:p>
-          <a:p>
-            <a:r>
-              <a:rPr lang="es-AR" dirty="0" err="1"/>
-              <a:t>AlphaStar</a:t>
-            </a:r>
-            <a:endParaRPr lang="es-AR" dirty="0"/>
-          </a:p>
-          <a:p>
-            <a:endParaRPr lang="es-AR" dirty="0"/>
-          </a:p>
-          <a:p>
-            <a:endParaRPr lang="es-AR" dirty="0"/>
-          </a:p>
-          <a:p>
-            <a:r>
-              <a:rPr lang="es-AR" dirty="0" err="1"/>
+            <a:r>
+              <a:rPr lang="es-AR" b="1" dirty="0" err="1"/>
+              <a:t>Poker</a:t>
+            </a:r>
+            <a:r>
+              <a:rPr lang="es-AR" b="1" dirty="0"/>
+              <a:t> (</a:t>
+            </a:r>
+            <a:r>
+              <a:rPr lang="es-AR" b="1" dirty="0" err="1"/>
               <a:t>Libratum</a:t>
             </a:r>
             <a:r>
-              <a:rPr lang="es-AR" dirty="0"/>
+              <a:rPr lang="es-AR" b="1" dirty="0"/>
               <a:t>/</a:t>
             </a:r>
             <a:r>
-              <a:rPr lang="es-AR" dirty="0" err="1"/>
+              <a:rPr lang="es-AR" b="1" dirty="0" err="1"/>
               <a:t>Deepstack</a:t>
             </a:r>
-            <a:endParaRPr lang="en-US" dirty="0"/>
+            <a:r>
+              <a:rPr lang="es-AR" b="1" dirty="0"/>
+              <a:t>):</a:t>
+            </a:r>
+          </a:p>
+          <a:p>
+            <a:pPr lvl="1"/>
+            <a:r>
+              <a:rPr lang="en-US" dirty="0"/>
+              <a:t>CFR (Counterfactual regret minimization)</a:t>
+            </a:r>
           </a:p>
         </p:txBody>
       </p:sp>
@@ -25187,4 +25765,299 @@
   <a:objectDefaults/>
   <a:extraClrSchemeLst/>
 </a:theme>
+</file>
+
+<file path=ppt/theme/theme2.xml><?xml version="1.0" encoding="utf-8"?>
+<a:theme xmlns:a="http://schemas.openxmlformats.org/drawingml/2006/main" name="Tema de Office">
+  <a:themeElements>
+    <a:clrScheme name="Office">
+      <a:dk1>
+        <a:sysClr val="windowText" lastClr="000000"/>
+      </a:dk1>
+      <a:lt1>
+        <a:sysClr val="window" lastClr="FFFFFF"/>
+      </a:lt1>
+      <a:dk2>
+        <a:srgbClr val="44546A"/>
+      </a:dk2>
+      <a:lt2>
+        <a:srgbClr val="E7E6E6"/>
+      </a:lt2>
+      <a:accent1>
+        <a:srgbClr val="4472C4"/>
+      </a:accent1>
+      <a:accent2>
+        <a:srgbClr val="ED7D31"/>
+      </a:accent2>
+      <a:accent3>
+        <a:srgbClr val="A5A5A5"/>
+      </a:accent3>
+      <a:accent4>
+        <a:srgbClr val="FFC000"/>
+      </a:accent4>
+      <a:accent5>
+        <a:srgbClr val="5B9BD5"/>
+      </a:accent5>
+      <a:accent6>
+        <a:srgbClr val="70AD47"/>
+      </a:accent6>
+      <a:hlink>
+        <a:srgbClr val="0563C1"/>
+      </a:hlink>
+      <a:folHlink>
+        <a:srgbClr val="954F72"/>
+      </a:folHlink>
+    </a:clrScheme>
+    <a:fontScheme name="Office">
+      <a:majorFont>
+        <a:latin typeface="Calibri Light" panose="020F0302020204030204"/>
+        <a:ea typeface=""/>
+        <a:cs typeface=""/>
+        <a:font script="Jpan" typeface="游ゴシック Light"/>
+        <a:font script="Hang" typeface="맑은 고딕"/>
+        <a:font script="Hans" typeface="等线 Light"/>
+        <a:font script="Hant" typeface="新細明體"/>
+        <a:font script="Arab" typeface="Times New Roman"/>
+        <a:font script="Hebr" typeface="Times New Roman"/>
+        <a:font script="Thai" typeface="Angsana New"/>
+        <a:font script="Ethi" typeface="Nyala"/>
+        <a:font script="Beng" typeface="Vrinda"/>
+        <a:font script="Gujr" typeface="Shruti"/>
+        <a:font script="Khmr" typeface="MoolBoran"/>
+        <a:font script="Knda" typeface="Tunga"/>
+        <a:font script="Guru" typeface="Raavi"/>
+        <a:font script="Cans" typeface="Euphemia"/>
+        <a:font script="Cher" typeface="Plantagenet Cherokee"/>
+        <a:font script="Yiii" typeface="Microsoft Yi Baiti"/>
+        <a:font script="Tibt" typeface="Microsoft Himalaya"/>
+        <a:font script="Thaa" typeface="MV Boli"/>
+        <a:font script="Deva" typeface="Mangal"/>
+        <a:font script="Telu" typeface="Gautami"/>
+        <a:font script="Taml" typeface="Latha"/>
+        <a:font script="Syrc" typeface="Estrangelo Edessa"/>
+        <a:font script="Orya" typeface="Kalinga"/>
+        <a:font script="Mlym" typeface="Kartika"/>
+        <a:font script="Laoo" typeface="DokChampa"/>
+        <a:font script="Sinh" typeface="Iskoola Pota"/>
+        <a:font script="Mong" typeface="Mongolian Baiti"/>
+        <a:font script="Viet" typeface="Times New Roman"/>
+        <a:font script="Uigh" typeface="Microsoft Uighur"/>
+        <a:font script="Geor" typeface="Sylfaen"/>
+        <a:font script="Armn" typeface="Arial"/>
+        <a:font script="Bugi" typeface="Leelawadee UI"/>
+        <a:font script="Bopo" typeface="Microsoft JhengHei"/>
+        <a:font script="Java" typeface="Javanese Text"/>
+        <a:font script="Lisu" typeface="Segoe UI"/>
+        <a:font script="Mymr" typeface="Myanmar Text"/>
+        <a:font script="Nkoo" typeface="Ebrima"/>
+        <a:font script="Olck" typeface="Nirmala UI"/>
+        <a:font script="Osma" typeface="Ebrima"/>
+        <a:font script="Phag" typeface="Phagspa"/>
+        <a:font script="Syrn" typeface="Estrangelo Edessa"/>
+        <a:font script="Syrj" typeface="Estrangelo Edessa"/>
+        <a:font script="Syre" typeface="Estrangelo Edessa"/>
+        <a:font script="Sora" typeface="Nirmala UI"/>
+        <a:font script="Tale" typeface="Microsoft Tai Le"/>
+        <a:font script="Talu" typeface="Microsoft New Tai Lue"/>
+        <a:font script="Tfng" typeface="Ebrima"/>
+      </a:majorFont>
+      <a:minorFont>
+        <a:latin typeface="Calibri" panose="020F0502020204030204"/>
+        <a:ea typeface=""/>
+        <a:cs typeface=""/>
+        <a:font script="Jpan" typeface="游ゴシック"/>
+        <a:font script="Hang" typeface="맑은 고딕"/>
+        <a:font script="Hans" typeface="等线"/>
+        <a:font script="Hant" typeface="新細明體"/>
+        <a:font script="Arab" typeface="Arial"/>
+        <a:font script="Hebr" typeface="Arial"/>
+        <a:font script="Thai" typeface="Cordia New"/>
+        <a:font script="Ethi" typeface="Nyala"/>
+        <a:font script="Beng" typeface="Vrinda"/>
+        <a:font script="Gujr" typeface="Shruti"/>
+        <a:font script="Khmr" typeface="DaunPenh"/>
+        <a:font script="Knda" typeface="Tunga"/>
+        <a:font script="Guru" typeface="Raavi"/>
+        <a:font script="Cans" typeface="Euphemia"/>
+        <a:font script="Cher" typeface="Plantagenet Cherokee"/>
+        <a:font script="Yiii" typeface="Microsoft Yi Baiti"/>
+        <a:font script="Tibt" typeface="Microsoft Himalaya"/>
+        <a:font script="Thaa" typeface="MV Boli"/>
+        <a:font script="Deva" typeface="Mangal"/>
+        <a:font script="Telu" typeface="Gautami"/>
+        <a:font script="Taml" typeface="Latha"/>
+        <a:font script="Syrc" typeface="Estrangelo Edessa"/>
+        <a:font script="Orya" typeface="Kalinga"/>
+        <a:font script="Mlym" typeface="Kartika"/>
+        <a:font script="Laoo" typeface="DokChampa"/>
+        <a:font script="Sinh" typeface="Iskoola Pota"/>
+        <a:font script="Mong" typeface="Mongolian Baiti"/>
+        <a:font script="Viet" typeface="Arial"/>
+        <a:font script="Uigh" typeface="Microsoft Uighur"/>
+        <a:font script="Geor" typeface="Sylfaen"/>
+        <a:font script="Armn" typeface="Arial"/>
+        <a:font script="Bugi" typeface="Leelawadee UI"/>
+        <a:font script="Bopo" typeface="Microsoft JhengHei"/>
+        <a:font script="Java" typeface="Javanese Text"/>
+        <a:font script="Lisu" typeface="Segoe UI"/>
+        <a:font script="Mymr" typeface="Myanmar Text"/>
+        <a:font script="Nkoo" typeface="Ebrima"/>
+        <a:font script="Olck" typeface="Nirmala UI"/>
+        <a:font script="Osma" typeface="Ebrima"/>
+        <a:font script="Phag" typeface="Phagspa"/>
+        <a:font script="Syrn" typeface="Estrangelo Edessa"/>
+        <a:font script="Syrj" typeface="Estrangelo Edessa"/>
+        <a:font script="Syre" typeface="Estrangelo Edessa"/>
+        <a:font script="Sora" typeface="Nirmala UI"/>
+        <a:font script="Tale" typeface="Microsoft Tai Le"/>
+        <a:font script="Talu" typeface="Microsoft New Tai Lue"/>
+        <a:font script="Tfng" typeface="Ebrima"/>
+      </a:minorFont>
+    </a:fontScheme>
+    <a:fmtScheme name="Office">
+      <a:fillStyleLst>
+        <a:solidFill>
+          <a:schemeClr val="phClr"/>
+        </a:solidFill>
+        <a:gradFill rotWithShape="1">
+          <a:gsLst>
+            <a:gs pos="0">
+              <a:schemeClr val="phClr">
+                <a:lumMod val="110000"/>
+                <a:satMod val="105000"/>
+                <a:tint val="67000"/>
+              </a:schemeClr>
+            </a:gs>
+            <a:gs pos="50000">
+              <a:schemeClr val="phClr">
+                <a:lumMod val="105000"/>
+                <a:satMod val="103000"/>
+                <a:tint val="73000"/>
+              </a:schemeClr>
+            </a:gs>
+            <a:gs pos="100000">
+              <a:schemeClr val="phClr">
+                <a:lumMod val="105000"/>
+                <a:satMod val="109000"/>
+                <a:tint val="81000"/>
+              </a:schemeClr>
+            </a:gs>
+          </a:gsLst>
+          <a:lin ang="5400000" scaled="0"/>
+        </a:gradFill>
+        <a:gradFill rotWithShape="1">
+          <a:gsLst>
+            <a:gs pos="0">
+              <a:schemeClr val="phClr">
+                <a:satMod val="103000"/>
+                <a:lumMod val="102000"/>
+                <a:tint val="94000"/>
+              </a:schemeClr>
+            </a:gs>
+            <a:gs pos="50000">
+              <a:schemeClr val="phClr">
+                <a:satMod val="110000"/>
+                <a:lumMod val="100000"/>
+                <a:shade val="100000"/>
+              </a:schemeClr>
+            </a:gs>
+            <a:gs pos="100000">
+              <a:schemeClr val="phClr">
+                <a:lumMod val="99000"/>
+                <a:satMod val="120000"/>
+                <a:shade val="78000"/>
+              </a:schemeClr>
+            </a:gs>
+          </a:gsLst>
+          <a:lin ang="5400000" scaled="0"/>
+        </a:gradFill>
+      </a:fillStyleLst>
+      <a:lnStyleLst>
+        <a:ln w="6350" cap="flat" cmpd="sng" algn="ctr">
+          <a:solidFill>
+            <a:schemeClr val="phClr"/>
+          </a:solidFill>
+          <a:prstDash val="solid"/>
+          <a:miter lim="800000"/>
+        </a:ln>
+        <a:ln w="12700" cap="flat" cmpd="sng" algn="ctr">
+          <a:solidFill>
+            <a:schemeClr val="phClr"/>
+          </a:solidFill>
+          <a:prstDash val="solid"/>
+          <a:miter lim="800000"/>
+        </a:ln>
+        <a:ln w="19050" cap="flat" cmpd="sng" algn="ctr">
+          <a:solidFill>
+            <a:schemeClr val="phClr"/>
+          </a:solidFill>
+          <a:prstDash val="solid"/>
+          <a:miter lim="800000"/>
+        </a:ln>
+      </a:lnStyleLst>
+      <a:effectStyleLst>
+        <a:effectStyle>
+          <a:effectLst/>
+        </a:effectStyle>
+        <a:effectStyle>
+          <a:effectLst/>
+        </a:effectStyle>
+        <a:effectStyle>
+          <a:effectLst>
+            <a:outerShdw blurRad="57150" dist="19050" dir="5400000" algn="ctr" rotWithShape="0">
+              <a:srgbClr val="000000">
+                <a:alpha val="63000"/>
+              </a:srgbClr>
+            </a:outerShdw>
+          </a:effectLst>
+        </a:effectStyle>
+      </a:effectStyleLst>
+      <a:bgFillStyleLst>
+        <a:solidFill>
+          <a:schemeClr val="phClr"/>
+        </a:solidFill>
+        <a:solidFill>
+          <a:schemeClr val="phClr">
+            <a:tint val="95000"/>
+            <a:satMod val="170000"/>
+          </a:schemeClr>
+        </a:solidFill>
+        <a:gradFill rotWithShape="1">
+          <a:gsLst>
+            <a:gs pos="0">
+              <a:schemeClr val="phClr">
+                <a:tint val="93000"/>
+                <a:satMod val="150000"/>
+                <a:shade val="98000"/>
+                <a:lumMod val="102000"/>
+              </a:schemeClr>
+            </a:gs>
+            <a:gs pos="50000">
+              <a:schemeClr val="phClr">
+                <a:tint val="98000"/>
+                <a:satMod val="130000"/>
+                <a:shade val="90000"/>
+                <a:lumMod val="103000"/>
+              </a:schemeClr>
+            </a:gs>
+            <a:gs pos="100000">
+              <a:schemeClr val="phClr">
+                <a:shade val="63000"/>
+                <a:satMod val="120000"/>
+              </a:schemeClr>
+            </a:gs>
+          </a:gsLst>
+          <a:lin ang="5400000" scaled="0"/>
+        </a:gradFill>
+      </a:bgFillStyleLst>
+    </a:fmtScheme>
+  </a:themeElements>
+  <a:objectDefaults/>
+  <a:extraClrSchemeLst/>
+  <a:extLst>
+    <a:ext uri="{05A4C25C-085E-4340-85A3-A5531E510DB2}">
+      <thm15:themeFamily xmlns:thm15="http://schemas.microsoft.com/office/thememl/2012/main" name="Office Theme" id="{62F939B6-93AF-4DB8-9C6B-D6C7DFDC589F}" vid="{4A3C46E8-61CC-4603-A589-7422A47A8E4A}"/>
+    </a:ext>
+  </a:extLst>
+</a:theme>
 </file>
--- a/Proyecto IA Digital House v4.pptx
+++ b/Proyecto IA Digital House v4.pptx
@@ -5,7 +5,7 @@
     <p:sldMasterId id="2147483742" r:id="rId1"/>
   </p:sldMasterIdLst>
   <p:notesMasterIdLst>
-    <p:notesMasterId r:id="rId55"/>
+    <p:notesMasterId r:id="rId54"/>
   </p:notesMasterIdLst>
   <p:sldIdLst>
     <p:sldId id="256" r:id="rId2"/>
@@ -25,42 +25,41 @@
     <p:sldId id="312" r:id="rId16"/>
     <p:sldId id="313" r:id="rId17"/>
     <p:sldId id="315" r:id="rId18"/>
-    <p:sldId id="268" r:id="rId19"/>
-    <p:sldId id="316" r:id="rId20"/>
-    <p:sldId id="317" r:id="rId21"/>
-    <p:sldId id="297" r:id="rId22"/>
-    <p:sldId id="298" r:id="rId23"/>
-    <p:sldId id="286" r:id="rId24"/>
-    <p:sldId id="294" r:id="rId25"/>
-    <p:sldId id="284" r:id="rId26"/>
-    <p:sldId id="291" r:id="rId27"/>
-    <p:sldId id="293" r:id="rId28"/>
-    <p:sldId id="287" r:id="rId29"/>
-    <p:sldId id="290" r:id="rId30"/>
-    <p:sldId id="292" r:id="rId31"/>
-    <p:sldId id="288" r:id="rId32"/>
-    <p:sldId id="289" r:id="rId33"/>
-    <p:sldId id="281" r:id="rId34"/>
-    <p:sldId id="271" r:id="rId35"/>
-    <p:sldId id="257" r:id="rId36"/>
-    <p:sldId id="258" r:id="rId37"/>
-    <p:sldId id="260" r:id="rId38"/>
-    <p:sldId id="261" r:id="rId39"/>
-    <p:sldId id="272" r:id="rId40"/>
-    <p:sldId id="274" r:id="rId41"/>
-    <p:sldId id="278" r:id="rId42"/>
-    <p:sldId id="279" r:id="rId43"/>
-    <p:sldId id="273" r:id="rId44"/>
-    <p:sldId id="263" r:id="rId45"/>
-    <p:sldId id="262" r:id="rId46"/>
-    <p:sldId id="264" r:id="rId47"/>
-    <p:sldId id="265" r:id="rId48"/>
-    <p:sldId id="266" r:id="rId49"/>
-    <p:sldId id="275" r:id="rId50"/>
-    <p:sldId id="277" r:id="rId51"/>
-    <p:sldId id="269" r:id="rId52"/>
-    <p:sldId id="276" r:id="rId53"/>
-    <p:sldId id="267" r:id="rId54"/>
+    <p:sldId id="316" r:id="rId19"/>
+    <p:sldId id="317" r:id="rId20"/>
+    <p:sldId id="294" r:id="rId21"/>
+    <p:sldId id="284" r:id="rId22"/>
+    <p:sldId id="291" r:id="rId23"/>
+    <p:sldId id="293" r:id="rId24"/>
+    <p:sldId id="287" r:id="rId25"/>
+    <p:sldId id="290" r:id="rId26"/>
+    <p:sldId id="292" r:id="rId27"/>
+    <p:sldId id="297" r:id="rId28"/>
+    <p:sldId id="298" r:id="rId29"/>
+    <p:sldId id="286" r:id="rId30"/>
+    <p:sldId id="288" r:id="rId31"/>
+    <p:sldId id="289" r:id="rId32"/>
+    <p:sldId id="281" r:id="rId33"/>
+    <p:sldId id="271" r:id="rId34"/>
+    <p:sldId id="257" r:id="rId35"/>
+    <p:sldId id="258" r:id="rId36"/>
+    <p:sldId id="260" r:id="rId37"/>
+    <p:sldId id="261" r:id="rId38"/>
+    <p:sldId id="272" r:id="rId39"/>
+    <p:sldId id="274" r:id="rId40"/>
+    <p:sldId id="278" r:id="rId41"/>
+    <p:sldId id="279" r:id="rId42"/>
+    <p:sldId id="273" r:id="rId43"/>
+    <p:sldId id="263" r:id="rId44"/>
+    <p:sldId id="262" r:id="rId45"/>
+    <p:sldId id="264" r:id="rId46"/>
+    <p:sldId id="265" r:id="rId47"/>
+    <p:sldId id="266" r:id="rId48"/>
+    <p:sldId id="275" r:id="rId49"/>
+    <p:sldId id="277" r:id="rId50"/>
+    <p:sldId id="269" r:id="rId51"/>
+    <p:sldId id="276" r:id="rId52"/>
+    <p:sldId id="267" r:id="rId53"/>
   </p:sldIdLst>
   <p:sldSz cx="9144000" cy="6858000" type="screen4x3"/>
   <p:notesSz cx="6858000" cy="9144000"/>
@@ -181,16 +180,12 @@
             <p14:sldId id="312"/>
             <p14:sldId id="313"/>
             <p14:sldId id="315"/>
-            <p14:sldId id="268"/>
             <p14:sldId id="316"/>
           </p14:sldIdLst>
         </p14:section>
         <p14:section name="Sección sin título" id="{1563FB53-2C1F-4698-9324-4232F3E3C150}">
           <p14:sldIdLst>
             <p14:sldId id="317"/>
-            <p14:sldId id="297"/>
-            <p14:sldId id="298"/>
-            <p14:sldId id="286"/>
             <p14:sldId id="294"/>
             <p14:sldId id="284"/>
             <p14:sldId id="291"/>
@@ -198,6 +193,9 @@
             <p14:sldId id="287"/>
             <p14:sldId id="290"/>
             <p14:sldId id="292"/>
+            <p14:sldId id="297"/>
+            <p14:sldId id="298"/>
+            <p14:sldId id="286"/>
             <p14:sldId id="288"/>
             <p14:sldId id="289"/>
             <p14:sldId id="281"/>
@@ -314,7 +312,7 @@
           <a:p>
             <a:fld id="{A4CED558-7131-4C74-8D30-606A14BD1C04}" type="datetimeFigureOut">
               <a:rPr lang="es-AR" smtClean="0"/>
-              <a:t>7/8/2019</a:t>
+              <a:t>8/8/2019</a:t>
             </a:fld>
             <a:endParaRPr lang="es-AR"/>
           </a:p>
@@ -685,6 +683,90 @@
 </p:notes>
 </file>
 
+<file path=ppt/notesSlides/notesSlide2.xml><?xml version="1.0" encoding="utf-8"?>
+<p:notes xmlns:a="http://schemas.openxmlformats.org/drawingml/2006/main" xmlns:r="http://schemas.openxmlformats.org/officeDocument/2006/relationships" xmlns:p="http://schemas.openxmlformats.org/presentationml/2006/main">
+  <p:cSld>
+    <p:spTree>
+      <p:nvGrpSpPr>
+        <p:cNvPr id="1" name=""/>
+        <p:cNvGrpSpPr/>
+        <p:nvPr/>
+      </p:nvGrpSpPr>
+      <p:grpSpPr>
+        <a:xfrm>
+          <a:off x="0" y="0"/>
+          <a:ext cx="0" cy="0"/>
+          <a:chOff x="0" y="0"/>
+          <a:chExt cx="0" cy="0"/>
+        </a:xfrm>
+      </p:grpSpPr>
+      <p:sp>
+        <p:nvSpPr>
+          <p:cNvPr id="2" name="Marcador de imagen de diapositiva 1"/>
+          <p:cNvSpPr>
+            <a:spLocks noGrp="1" noRot="1" noChangeAspect="1"/>
+          </p:cNvSpPr>
+          <p:nvPr>
+            <p:ph type="sldImg"/>
+          </p:nvPr>
+        </p:nvSpPr>
+        <p:spPr/>
+      </p:sp>
+      <p:sp>
+        <p:nvSpPr>
+          <p:cNvPr id="3" name="Marcador de notas 2"/>
+          <p:cNvSpPr>
+            <a:spLocks noGrp="1"/>
+          </p:cNvSpPr>
+          <p:nvPr>
+            <p:ph type="body" idx="1"/>
+          </p:nvPr>
+        </p:nvSpPr>
+        <p:spPr/>
+        <p:txBody>
+          <a:bodyPr/>
+          <a:lstStyle/>
+          <a:p>
+            <a:endParaRPr lang="en-US" dirty="0"/>
+          </a:p>
+        </p:txBody>
+      </p:sp>
+      <p:sp>
+        <p:nvSpPr>
+          <p:cNvPr id="4" name="Marcador de número de diapositiva 3"/>
+          <p:cNvSpPr>
+            <a:spLocks noGrp="1"/>
+          </p:cNvSpPr>
+          <p:nvPr>
+            <p:ph type="sldNum" sz="quarter" idx="5"/>
+          </p:nvPr>
+        </p:nvSpPr>
+        <p:spPr/>
+        <p:txBody>
+          <a:bodyPr/>
+          <a:lstStyle/>
+          <a:p>
+            <a:fld id="{42062483-10E7-4F5A-AC2C-788CA6595BB7}" type="slidenum">
+              <a:rPr lang="es-AR" smtClean="0"/>
+              <a:t>29</a:t>
+            </a:fld>
+            <a:endParaRPr lang="es-AR"/>
+          </a:p>
+        </p:txBody>
+      </p:sp>
+    </p:spTree>
+    <p:extLst>
+      <p:ext uri="{BB962C8B-B14F-4D97-AF65-F5344CB8AC3E}">
+        <p14:creationId xmlns:p14="http://schemas.microsoft.com/office/powerpoint/2010/main" val="2183221049"/>
+      </p:ext>
+    </p:extLst>
+  </p:cSld>
+  <p:clrMapOvr>
+    <a:masterClrMapping/>
+  </p:clrMapOvr>
+</p:notes>
+</file>
+
 <file path=ppt/slideLayouts/slideLayout1.xml><?xml version="1.0" encoding="utf-8"?>
 <p:sldLayout xmlns:a="http://schemas.openxmlformats.org/drawingml/2006/main" xmlns:r="http://schemas.openxmlformats.org/officeDocument/2006/relationships" xmlns:p="http://schemas.openxmlformats.org/presentationml/2006/main" type="title" preserve="1">
   <p:cSld name="Diapositiva de título">
@@ -827,7 +909,7 @@
           <a:p>
             <a:fld id="{190674FA-F379-44A3-9DF4-9CB403C6B70C}" type="datetimeFigureOut">
               <a:rPr lang="es-AR" smtClean="0"/>
-              <a:t>7/8/2019</a:t>
+              <a:t>8/8/2019</a:t>
             </a:fld>
             <a:endParaRPr lang="es-AR"/>
           </a:p>
@@ -1026,7 +1108,7 @@
           <a:p>
             <a:fld id="{190674FA-F379-44A3-9DF4-9CB403C6B70C}" type="datetimeFigureOut">
               <a:rPr lang="es-AR" smtClean="0"/>
-              <a:t>7/8/2019</a:t>
+              <a:t>8/8/2019</a:t>
             </a:fld>
             <a:endParaRPr lang="es-AR"/>
           </a:p>
@@ -1306,7 +1388,7 @@
           <a:p>
             <a:fld id="{190674FA-F379-44A3-9DF4-9CB403C6B70C}" type="datetimeFigureOut">
               <a:rPr lang="es-AR" smtClean="0"/>
-              <a:t>7/8/2019</a:t>
+              <a:t>8/8/2019</a:t>
             </a:fld>
             <a:endParaRPr lang="es-AR"/>
           </a:p>
@@ -1567,7 +1649,7 @@
           <a:p>
             <a:fld id="{190674FA-F379-44A3-9DF4-9CB403C6B70C}" type="datetimeFigureOut">
               <a:rPr lang="es-AR" smtClean="0"/>
-              <a:t>7/8/2019</a:t>
+              <a:t>8/8/2019</a:t>
             </a:fld>
             <a:endParaRPr lang="es-AR"/>
           </a:p>
@@ -1943,7 +2025,7 @@
           <a:p>
             <a:fld id="{190674FA-F379-44A3-9DF4-9CB403C6B70C}" type="datetimeFigureOut">
               <a:rPr lang="es-AR" smtClean="0"/>
-              <a:t>7/8/2019</a:t>
+              <a:t>8/8/2019</a:t>
             </a:fld>
             <a:endParaRPr lang="es-AR"/>
           </a:p>
@@ -2090,7 +2172,7 @@
           <a:p>
             <a:fld id="{190674FA-F379-44A3-9DF4-9CB403C6B70C}" type="datetimeFigureOut">
               <a:rPr lang="es-AR" smtClean="0"/>
-              <a:t>7/8/2019</a:t>
+              <a:t>8/8/2019</a:t>
             </a:fld>
             <a:endParaRPr lang="es-AR"/>
           </a:p>
@@ -2237,7 +2319,7 @@
           <a:p>
             <a:fld id="{190674FA-F379-44A3-9DF4-9CB403C6B70C}" type="datetimeFigureOut">
               <a:rPr lang="es-AR" smtClean="0"/>
-              <a:t>7/8/2019</a:t>
+              <a:t>8/8/2019</a:t>
             </a:fld>
             <a:endParaRPr lang="es-AR"/>
           </a:p>
@@ -2441,7 +2523,7 @@
           <a:p>
             <a:fld id="{190674FA-F379-44A3-9DF4-9CB403C6B70C}" type="datetimeFigureOut">
               <a:rPr lang="es-AR" smtClean="0"/>
-              <a:t>7/8/2019</a:t>
+              <a:t>8/8/2019</a:t>
             </a:fld>
             <a:endParaRPr lang="es-AR"/>
           </a:p>
@@ -2600,7 +2682,7 @@
           <a:p>
             <a:fld id="{190674FA-F379-44A3-9DF4-9CB403C6B70C}" type="datetimeFigureOut">
               <a:rPr lang="es-AR" smtClean="0"/>
-              <a:t>7/8/2019</a:t>
+              <a:t>8/8/2019</a:t>
             </a:fld>
             <a:endParaRPr lang="es-AR"/>
           </a:p>
@@ -2858,7 +2940,7 @@
           <a:p>
             <a:fld id="{190674FA-F379-44A3-9DF4-9CB403C6B70C}" type="datetimeFigureOut">
               <a:rPr lang="es-AR" smtClean="0"/>
-              <a:t>7/8/2019</a:t>
+              <a:t>8/8/2019</a:t>
             </a:fld>
             <a:endParaRPr lang="es-AR"/>
           </a:p>
@@ -4876,7 +4958,7 @@
         </p:blipFill>
         <p:spPr>
           <a:xfrm>
-            <a:off x="1020618" y="4242613"/>
+            <a:off x="719880" y="3777593"/>
             <a:ext cx="2904835" cy="1801977"/>
           </a:xfrm>
           <a:prstGeom prst="rect">
@@ -4898,7 +4980,7 @@
         </p:nvSpPr>
         <p:spPr>
           <a:xfrm rot="5400000">
-            <a:off x="384462" y="4353183"/>
+            <a:off x="255752" y="3898753"/>
             <a:ext cx="498764" cy="429491"/>
           </a:xfrm>
           <a:prstGeom prst="bentUpArrow">
@@ -4952,8 +5034,8 @@
         </p:nvSpPr>
         <p:spPr>
           <a:xfrm>
-            <a:off x="45025" y="4928817"/>
-            <a:ext cx="975593" cy="584775"/>
+            <a:off x="-5713" y="4409420"/>
+            <a:ext cx="771815" cy="461665"/>
           </a:xfrm>
           <a:prstGeom prst="rect">
             <a:avLst/>
@@ -4966,8 +5048,9 @@
           </a:bodyPr>
           <a:lstStyle/>
           <a:p>
-            <a:r>
-              <a:rPr lang="es-AR" sz="1600" dirty="0"/>
+            <a:pPr algn="ctr"/>
+            <a:r>
+              <a:rPr lang="es-AR" sz="1200" dirty="0"/>
               <a:t>Siguiente hijo</a:t>
             </a:r>
           </a:p>
@@ -4994,8 +5077,8 @@
         </p:blipFill>
         <p:spPr>
           <a:xfrm>
-            <a:off x="4216690" y="2751098"/>
-            <a:ext cx="4898735" cy="2600321"/>
+            <a:off x="4296215" y="1953804"/>
+            <a:ext cx="4377740" cy="1980137"/>
           </a:xfrm>
           <a:prstGeom prst="rect">
             <a:avLst/>
@@ -5024,7 +5107,7 @@
         </p:blipFill>
         <p:spPr>
           <a:xfrm>
-            <a:off x="180109" y="2514792"/>
+            <a:off x="101383" y="2076162"/>
             <a:ext cx="3089564" cy="1635385"/>
           </a:xfrm>
           <a:prstGeom prst="rect">
@@ -5046,8 +5129,8 @@
         </p:nvSpPr>
         <p:spPr>
           <a:xfrm>
-            <a:off x="1301466" y="4839491"/>
-            <a:ext cx="2706247" cy="221748"/>
+            <a:off x="1352415" y="4367409"/>
+            <a:ext cx="2272299" cy="214341"/>
           </a:xfrm>
           <a:prstGeom prst="ellipse">
             <a:avLst/>
@@ -5093,7 +5176,7 @@
         </p:nvCxnSpPr>
         <p:spPr>
           <a:xfrm>
-            <a:off x="4036293" y="2001145"/>
+            <a:off x="3792453" y="1998056"/>
             <a:ext cx="0" cy="4729649"/>
           </a:xfrm>
           <a:prstGeom prst="line">
@@ -5137,7 +5220,7 @@
         </p:nvSpPr>
         <p:spPr>
           <a:xfrm>
-            <a:off x="351557" y="1940806"/>
+            <a:off x="402505" y="1544566"/>
             <a:ext cx="2746668" cy="369332"/>
           </a:xfrm>
           <a:prstGeom prst="rect">
@@ -5172,7 +5255,7 @@
         </p:nvSpPr>
         <p:spPr>
           <a:xfrm>
-            <a:off x="4631476" y="1942358"/>
+            <a:off x="4865156" y="1514433"/>
             <a:ext cx="4160967" cy="369332"/>
           </a:xfrm>
           <a:prstGeom prst="rect">
@@ -5207,8 +5290,8 @@
         </p:nvSpPr>
         <p:spPr>
           <a:xfrm>
-            <a:off x="4974362" y="5513592"/>
-            <a:ext cx="3393781" cy="584775"/>
+            <a:off x="5114262" y="4039818"/>
+            <a:ext cx="3933765" cy="276999"/>
           </a:xfrm>
           <a:prstGeom prst="rect">
             <a:avLst/>
@@ -5222,7 +5305,7 @@
           <a:lstStyle/>
           <a:p>
             <a:r>
-              <a:rPr lang="es-AR" sz="1600" dirty="0"/>
+              <a:rPr lang="es-AR" sz="1200" i="1" dirty="0"/>
               <a:t>Jugar c1 no es una jugada aceptable bajo ningún concepto</a:t>
             </a:r>
           </a:p>
@@ -5242,7 +5325,7 @@
         </p:nvSpPr>
         <p:spPr>
           <a:xfrm>
-            <a:off x="1349091" y="5130512"/>
+            <a:off x="1400039" y="4734272"/>
             <a:ext cx="665019" cy="136813"/>
           </a:xfrm>
           <a:prstGeom prst="ellipse">
@@ -5272,6 +5355,137 @@
           <a:p>
             <a:pPr algn="ctr"/>
             <a:endParaRPr lang="es-AR"/>
+          </a:p>
+        </p:txBody>
+      </p:sp>
+      <p:pic>
+        <p:nvPicPr>
+          <p:cNvPr id="15" name="Imagen 14">
+            <a:extLst>
+              <a:ext uri="{FF2B5EF4-FFF2-40B4-BE49-F238E27FC236}">
+                <a16:creationId xmlns:a16="http://schemas.microsoft.com/office/drawing/2014/main" id="{C339F892-8CE0-4099-B965-86A32DDB4F65}"/>
+              </a:ext>
+            </a:extLst>
+          </p:cNvPr>
+          <p:cNvPicPr>
+            <a:picLocks noChangeAspect="1"/>
+          </p:cNvPicPr>
+          <p:nvPr/>
+        </p:nvPicPr>
+        <p:blipFill>
+          <a:blip r:embed="rId5"/>
+          <a:stretch>
+            <a:fillRect/>
+          </a:stretch>
+        </p:blipFill>
+        <p:spPr>
+          <a:xfrm>
+            <a:off x="5317402" y="4590992"/>
+            <a:ext cx="2505797" cy="1871887"/>
+          </a:xfrm>
+          <a:prstGeom prst="rect">
+            <a:avLst/>
+          </a:prstGeom>
+        </p:spPr>
+      </p:pic>
+      <p:cxnSp>
+        <p:nvCxnSpPr>
+          <p:cNvPr id="16" name="Conector recto 15">
+            <a:extLst>
+              <a:ext uri="{FF2B5EF4-FFF2-40B4-BE49-F238E27FC236}">
+                <a16:creationId xmlns:a16="http://schemas.microsoft.com/office/drawing/2014/main" id="{CAB3B803-09B3-4BAA-B516-5084F6531B85}"/>
+              </a:ext>
+            </a:extLst>
+          </p:cNvPr>
+          <p:cNvCxnSpPr>
+            <a:cxnSpLocks/>
+          </p:cNvCxnSpPr>
+          <p:nvPr/>
+        </p:nvCxnSpPr>
+        <p:spPr>
+          <a:xfrm flipH="1">
+            <a:off x="3806336" y="4394556"/>
+            <a:ext cx="5255574" cy="29728"/>
+          </a:xfrm>
+          <a:prstGeom prst="line">
+            <a:avLst/>
+          </a:prstGeom>
+          <a:ln w="28575">
+            <a:solidFill>
+              <a:schemeClr val="bg1">
+                <a:lumMod val="50000"/>
+              </a:schemeClr>
+            </a:solidFill>
+            <a:prstDash val="dash"/>
+          </a:ln>
+        </p:spPr>
+        <p:style>
+          <a:lnRef idx="1">
+            <a:schemeClr val="accent1"/>
+          </a:lnRef>
+          <a:fillRef idx="0">
+            <a:schemeClr val="accent1"/>
+          </a:fillRef>
+          <a:effectRef idx="0">
+            <a:schemeClr val="accent1"/>
+          </a:effectRef>
+          <a:fontRef idx="minor">
+            <a:schemeClr val="tx1"/>
+          </a:fontRef>
+        </p:style>
+      </p:cxnSp>
+      <p:sp>
+        <p:nvSpPr>
+          <p:cNvPr id="18" name="CuadroTexto 17">
+            <a:extLst>
+              <a:ext uri="{FF2B5EF4-FFF2-40B4-BE49-F238E27FC236}">
+                <a16:creationId xmlns:a16="http://schemas.microsoft.com/office/drawing/2014/main" id="{7137B0CE-F607-4404-A8F4-8D17833B6E3D}"/>
+              </a:ext>
+            </a:extLst>
+          </p:cNvPr>
+          <p:cNvSpPr txBox="1"/>
+          <p:nvPr/>
+        </p:nvSpPr>
+        <p:spPr>
+          <a:xfrm>
+            <a:off x="4393960" y="6473705"/>
+            <a:ext cx="4015405" cy="338554"/>
+          </a:xfrm>
+          <a:prstGeom prst="rect">
+            <a:avLst/>
+          </a:prstGeom>
+          <a:noFill/>
+        </p:spPr>
+        <p:txBody>
+          <a:bodyPr wrap="square" rtlCol="0">
+            <a:spAutoFit/>
+          </a:bodyPr>
+          <a:lstStyle/>
+          <a:p>
+            <a:r>
+              <a:rPr lang="es-AR" sz="1600" i="1" dirty="0" err="1"/>
+              <a:t>Early</a:t>
+            </a:r>
+            <a:r>
+              <a:rPr lang="es-AR" sz="1600" i="1" dirty="0"/>
+              <a:t> </a:t>
+            </a:r>
+            <a:r>
+              <a:rPr lang="es-AR" sz="1600" i="1" dirty="0" err="1"/>
+              <a:t>stopping</a:t>
+            </a:r>
+            <a:r>
+              <a:rPr lang="es-AR" sz="1600" i="1" dirty="0"/>
+              <a:t> con </a:t>
+            </a:r>
+            <a:r>
+              <a:rPr lang="es-AR" sz="1600" i="1" dirty="0" err="1"/>
+              <a:t>patience</a:t>
+            </a:r>
+            <a:r>
+              <a:rPr lang="es-AR" sz="1600" i="1" dirty="0"/>
+              <a:t>=6</a:t>
+            </a:r>
           </a:p>
         </p:txBody>
       </p:sp>
@@ -9903,6 +10117,42 @@
           </a:p>
         </p:txBody>
       </p:sp>
+      <p:sp>
+        <p:nvSpPr>
+          <p:cNvPr id="3" name="CuadroTexto 2">
+            <a:extLst>
+              <a:ext uri="{FF2B5EF4-FFF2-40B4-BE49-F238E27FC236}">
+                <a16:creationId xmlns:a16="http://schemas.microsoft.com/office/drawing/2014/main" id="{FF98D403-5CEC-4846-97BB-2B1A2E5F0822}"/>
+              </a:ext>
+            </a:extLst>
+          </p:cNvPr>
+          <p:cNvSpPr txBox="1"/>
+          <p:nvPr/>
+        </p:nvSpPr>
+        <p:spPr>
+          <a:xfrm>
+            <a:off x="0" y="6596390"/>
+            <a:ext cx="4696813" cy="261610"/>
+          </a:xfrm>
+          <a:prstGeom prst="rect">
+            <a:avLst/>
+          </a:prstGeom>
+          <a:noFill/>
+        </p:spPr>
+        <p:txBody>
+          <a:bodyPr wrap="square" rtlCol="0">
+            <a:spAutoFit/>
+          </a:bodyPr>
+          <a:lstStyle/>
+          <a:p>
+            <a:r>
+              <a:rPr lang="es-AR" sz="1100" dirty="0"/>
+              <a:t>Ya juega aceptable desde generación 6</a:t>
+            </a:r>
+            <a:endParaRPr lang="en-US" sz="1100" dirty="0"/>
+          </a:p>
+        </p:txBody>
+      </p:sp>
     </p:spTree>
     <p:extLst>
       <p:ext uri="{BB962C8B-B14F-4D97-AF65-F5344CB8AC3E}">
@@ -12897,7 +13147,7 @@
           <a:p>
             <a:r>
               <a:rPr lang="es-AR" dirty="0"/>
-              <a:t>Parece que alcanzamos un equilibrio de Nash</a:t>
+              <a:t>Parece que alcanzamos un equilibrio de Nash!</a:t>
             </a:r>
           </a:p>
         </p:txBody>
@@ -12920,17 +13170,22 @@
         </p:nvSpPr>
         <p:spPr>
           <a:xfrm>
-            <a:off x="633845" y="4703993"/>
-            <a:ext cx="7886700" cy="1788247"/>
+            <a:off x="181821" y="1836187"/>
+            <a:ext cx="3549966" cy="2215264"/>
           </a:xfrm>
         </p:spPr>
         <p:txBody>
-          <a:bodyPr/>
+          <a:bodyPr>
+            <a:normAutofit lnSpcReduction="10000"/>
+          </a:bodyPr>
           <a:lstStyle/>
           <a:p>
-            <a:r>
-              <a:rPr lang="es-AR" dirty="0"/>
-              <a:t>Entendemos estos agentes representan un equilibrio de Nash debido a que:</a:t>
+            <a:pPr marL="0" indent="0">
+              <a:buNone/>
+            </a:pPr>
+            <a:r>
+              <a:rPr lang="es-AR" dirty="0"/>
+              <a:t>Entendemos que en gen20 ya estamos prácticamente en un equilibrio de Nash debido a que:</a:t>
             </a:r>
           </a:p>
           <a:p>
@@ -12949,6 +13204,338 @@
           </a:p>
         </p:txBody>
       </p:sp>
+      <p:sp>
+        <p:nvSpPr>
+          <p:cNvPr id="6" name="Marcador de contenido 4">
+            <a:extLst>
+              <a:ext uri="{FF2B5EF4-FFF2-40B4-BE49-F238E27FC236}">
+                <a16:creationId xmlns:a16="http://schemas.microsoft.com/office/drawing/2014/main" id="{A96A6AE7-7327-4529-B2A6-9BAD5B84F1B5}"/>
+              </a:ext>
+            </a:extLst>
+          </p:cNvPr>
+          <p:cNvSpPr txBox="1">
+            <a:spLocks/>
+          </p:cNvSpPr>
+          <p:nvPr/>
+        </p:nvSpPr>
+        <p:spPr>
+          <a:xfrm>
+            <a:off x="225528" y="5771072"/>
+            <a:ext cx="7886700" cy="978236"/>
+          </a:xfrm>
+          <a:prstGeom prst="rect">
+            <a:avLst/>
+          </a:prstGeom>
+        </p:spPr>
+        <p:txBody>
+          <a:bodyPr vert="horz" lIns="91440" tIns="45720" rIns="91440" bIns="45720" rtlCol="0">
+            <a:normAutofit fontScale="92500"/>
+          </a:bodyPr>
+          <a:lstStyle>
+            <a:lvl1pPr marL="171450" indent="-171450" algn="l" defTabSz="685800" rtl="0" eaLnBrk="1" latinLnBrk="0" hangingPunct="1">
+              <a:lnSpc>
+                <a:spcPct val="90000"/>
+              </a:lnSpc>
+              <a:spcBef>
+                <a:spcPts val="750"/>
+              </a:spcBef>
+              <a:buFont typeface="Wingdings 2" pitchFamily="18" charset="2"/>
+              <a:buChar char=""/>
+              <a:defRPr sz="2100" kern="1200">
+                <a:solidFill>
+                  <a:schemeClr val="tx1"/>
+                </a:solidFill>
+                <a:latin typeface="+mn-lt"/>
+                <a:ea typeface="+mn-ea"/>
+                <a:cs typeface="+mn-cs"/>
+              </a:defRPr>
+            </a:lvl1pPr>
+            <a:lvl2pPr marL="514350" indent="-171450" algn="l" defTabSz="685800" rtl="0" eaLnBrk="1" latinLnBrk="0" hangingPunct="1">
+              <a:lnSpc>
+                <a:spcPct val="90000"/>
+              </a:lnSpc>
+              <a:spcBef>
+                <a:spcPts val="375"/>
+              </a:spcBef>
+              <a:buFont typeface="Wingdings 2" pitchFamily="18" charset="2"/>
+              <a:buChar char=""/>
+              <a:defRPr sz="1800" kern="1200">
+                <a:solidFill>
+                  <a:schemeClr val="tx1"/>
+                </a:solidFill>
+                <a:latin typeface="+mn-lt"/>
+                <a:ea typeface="+mn-ea"/>
+                <a:cs typeface="+mn-cs"/>
+              </a:defRPr>
+            </a:lvl2pPr>
+            <a:lvl3pPr marL="857250" indent="-171450" algn="l" defTabSz="685800" rtl="0" eaLnBrk="1" latinLnBrk="0" hangingPunct="1">
+              <a:lnSpc>
+                <a:spcPct val="90000"/>
+              </a:lnSpc>
+              <a:spcBef>
+                <a:spcPts val="375"/>
+              </a:spcBef>
+              <a:buFont typeface="Wingdings 2" pitchFamily="18" charset="2"/>
+              <a:buChar char=""/>
+              <a:defRPr sz="1500" kern="1200">
+                <a:solidFill>
+                  <a:schemeClr val="tx1"/>
+                </a:solidFill>
+                <a:latin typeface="+mn-lt"/>
+                <a:ea typeface="+mn-ea"/>
+                <a:cs typeface="+mn-cs"/>
+              </a:defRPr>
+            </a:lvl3pPr>
+            <a:lvl4pPr marL="1200150" indent="-171450" algn="l" defTabSz="685800" rtl="0" eaLnBrk="1" latinLnBrk="0" hangingPunct="1">
+              <a:lnSpc>
+                <a:spcPct val="90000"/>
+              </a:lnSpc>
+              <a:spcBef>
+                <a:spcPts val="375"/>
+              </a:spcBef>
+              <a:buFont typeface="Wingdings 2" pitchFamily="18" charset="2"/>
+              <a:buChar char=""/>
+              <a:defRPr sz="1350" kern="1200">
+                <a:solidFill>
+                  <a:schemeClr val="tx1"/>
+                </a:solidFill>
+                <a:latin typeface="+mn-lt"/>
+                <a:ea typeface="+mn-ea"/>
+                <a:cs typeface="+mn-cs"/>
+              </a:defRPr>
+            </a:lvl4pPr>
+            <a:lvl5pPr marL="1543050" indent="-171450" algn="l" defTabSz="685800" rtl="0" eaLnBrk="1" latinLnBrk="0" hangingPunct="1">
+              <a:lnSpc>
+                <a:spcPct val="90000"/>
+              </a:lnSpc>
+              <a:spcBef>
+                <a:spcPts val="375"/>
+              </a:spcBef>
+              <a:buFont typeface="Wingdings 2" pitchFamily="18" charset="2"/>
+              <a:buChar char=""/>
+              <a:defRPr sz="1350" kern="1200">
+                <a:solidFill>
+                  <a:schemeClr val="tx1"/>
+                </a:solidFill>
+                <a:latin typeface="+mn-lt"/>
+                <a:ea typeface="+mn-ea"/>
+                <a:cs typeface="+mn-cs"/>
+              </a:defRPr>
+            </a:lvl5pPr>
+            <a:lvl6pPr marL="1885950" indent="-171450" algn="l" defTabSz="685800" rtl="0" eaLnBrk="1" latinLnBrk="0" hangingPunct="1">
+              <a:spcBef>
+                <a:spcPct val="20000"/>
+              </a:spcBef>
+              <a:buFont typeface="Wingdings 2" pitchFamily="18" charset="2"/>
+              <a:buChar char=""/>
+              <a:defRPr sz="1350" kern="1200">
+                <a:solidFill>
+                  <a:schemeClr val="tx1"/>
+                </a:solidFill>
+                <a:latin typeface="+mn-lt"/>
+                <a:ea typeface="+mn-ea"/>
+                <a:cs typeface="+mn-cs"/>
+              </a:defRPr>
+            </a:lvl6pPr>
+            <a:lvl7pPr marL="2228850" indent="-171450" algn="l" defTabSz="685800" rtl="0" eaLnBrk="1" latinLnBrk="0" hangingPunct="1">
+              <a:spcBef>
+                <a:spcPct val="20000"/>
+              </a:spcBef>
+              <a:buFont typeface="Wingdings 2" pitchFamily="18" charset="2"/>
+              <a:buChar char=""/>
+              <a:defRPr sz="1350" kern="1200">
+                <a:solidFill>
+                  <a:schemeClr val="tx1"/>
+                </a:solidFill>
+                <a:latin typeface="+mn-lt"/>
+                <a:ea typeface="+mn-ea"/>
+                <a:cs typeface="+mn-cs"/>
+              </a:defRPr>
+            </a:lvl7pPr>
+            <a:lvl8pPr marL="2571750" indent="-171450" algn="l" defTabSz="685800" rtl="0" eaLnBrk="1" latinLnBrk="0" hangingPunct="1">
+              <a:spcBef>
+                <a:spcPct val="20000"/>
+              </a:spcBef>
+              <a:buFont typeface="Wingdings 2" pitchFamily="18" charset="2"/>
+              <a:buChar char=""/>
+              <a:defRPr sz="1350" kern="1200">
+                <a:solidFill>
+                  <a:schemeClr val="tx1"/>
+                </a:solidFill>
+                <a:latin typeface="+mn-lt"/>
+                <a:ea typeface="+mn-ea"/>
+                <a:cs typeface="+mn-cs"/>
+              </a:defRPr>
+            </a:lvl8pPr>
+            <a:lvl9pPr marL="2914650" indent="-171450" algn="l" defTabSz="685800" rtl="0" eaLnBrk="1" latinLnBrk="0" hangingPunct="1">
+              <a:spcBef>
+                <a:spcPct val="20000"/>
+              </a:spcBef>
+              <a:buFont typeface="Wingdings 2" pitchFamily="18" charset="2"/>
+              <a:buChar char=""/>
+              <a:defRPr sz="1350" kern="1200">
+                <a:solidFill>
+                  <a:schemeClr val="tx1"/>
+                </a:solidFill>
+                <a:latin typeface="+mn-lt"/>
+                <a:ea typeface="+mn-ea"/>
+                <a:cs typeface="+mn-cs"/>
+              </a:defRPr>
+            </a:lvl9pPr>
+          </a:lstStyle>
+          <a:p>
+            <a:pPr marL="0" indent="0">
+              <a:buNone/>
+            </a:pPr>
+            <a:r>
+              <a:rPr lang="es-AR" dirty="0"/>
+              <a:t>Para validar la </a:t>
+            </a:r>
+            <a:r>
+              <a:rPr lang="es-AR" dirty="0" err="1"/>
+              <a:t>hipótesis</a:t>
+            </a:r>
+            <a:r>
+              <a:rPr lang="es-AR" dirty="0"/>
+              <a:t> pruebo con un gen 21 que intente contrarrestar (</a:t>
+            </a:r>
+            <a:r>
+              <a:rPr lang="es-AR" dirty="0" err="1"/>
+              <a:t>best</a:t>
+            </a:r>
+            <a:r>
+              <a:rPr lang="es-AR" dirty="0"/>
+              <a:t> response) del 20 pero </a:t>
+            </a:r>
+            <a:r>
+              <a:rPr lang="es-AR" dirty="0" err="1"/>
+              <a:t>greedy</a:t>
+            </a:r>
+            <a:r>
+              <a:rPr lang="es-AR" dirty="0"/>
+              <a:t>.  Vemos que mas allá de la mejora parcial sobre 21, si ya empeora fuerte contra un veterano como el gen15.</a:t>
+            </a:r>
+          </a:p>
+          <a:p>
+            <a:pPr marL="0" indent="0">
+              <a:buNone/>
+            </a:pPr>
+            <a:endParaRPr lang="es-AR" dirty="0"/>
+          </a:p>
+        </p:txBody>
+      </p:sp>
+      <p:pic>
+        <p:nvPicPr>
+          <p:cNvPr id="31" name="Imagen 30">
+            <a:extLst>
+              <a:ext uri="{FF2B5EF4-FFF2-40B4-BE49-F238E27FC236}">
+                <a16:creationId xmlns:a16="http://schemas.microsoft.com/office/drawing/2014/main" id="{FC68C45D-6294-49C6-B944-C756E252F262}"/>
+              </a:ext>
+            </a:extLst>
+          </p:cNvPr>
+          <p:cNvPicPr>
+            <a:picLocks noChangeAspect="1"/>
+          </p:cNvPicPr>
+          <p:nvPr/>
+        </p:nvPicPr>
+        <p:blipFill>
+          <a:blip r:embed="rId2"/>
+          <a:stretch>
+            <a:fillRect/>
+          </a:stretch>
+        </p:blipFill>
+        <p:spPr>
+          <a:xfrm>
+            <a:off x="3782683" y="1898559"/>
+            <a:ext cx="3943997" cy="3250800"/>
+          </a:xfrm>
+          <a:prstGeom prst="rect">
+            <a:avLst/>
+          </a:prstGeom>
+        </p:spPr>
+      </p:pic>
+      <p:cxnSp>
+        <p:nvCxnSpPr>
+          <p:cNvPr id="33" name="Conector recto de flecha 32">
+            <a:extLst>
+              <a:ext uri="{FF2B5EF4-FFF2-40B4-BE49-F238E27FC236}">
+                <a16:creationId xmlns:a16="http://schemas.microsoft.com/office/drawing/2014/main" id="{0BDF1639-DCE7-4899-8448-C561078A6381}"/>
+              </a:ext>
+            </a:extLst>
+          </p:cNvPr>
+          <p:cNvCxnSpPr>
+            <a:cxnSpLocks/>
+          </p:cNvCxnSpPr>
+          <p:nvPr/>
+        </p:nvCxnSpPr>
+        <p:spPr>
+          <a:xfrm flipH="1" flipV="1">
+            <a:off x="6055744" y="5356598"/>
+            <a:ext cx="1751162" cy="414474"/>
+          </a:xfrm>
+          <a:prstGeom prst="straightConnector1">
+            <a:avLst/>
+          </a:prstGeom>
+          <a:ln>
+            <a:tailEnd type="triangle"/>
+          </a:ln>
+        </p:spPr>
+        <p:style>
+          <a:lnRef idx="1">
+            <a:schemeClr val="accent2"/>
+          </a:lnRef>
+          <a:fillRef idx="0">
+            <a:schemeClr val="accent2"/>
+          </a:fillRef>
+          <a:effectRef idx="0">
+            <a:schemeClr val="accent2"/>
+          </a:effectRef>
+          <a:fontRef idx="minor">
+            <a:schemeClr val="tx1"/>
+          </a:fontRef>
+        </p:style>
+      </p:cxnSp>
+      <p:cxnSp>
+        <p:nvCxnSpPr>
+          <p:cNvPr id="35" name="Conector recto de flecha 34">
+            <a:extLst>
+              <a:ext uri="{FF2B5EF4-FFF2-40B4-BE49-F238E27FC236}">
+                <a16:creationId xmlns:a16="http://schemas.microsoft.com/office/drawing/2014/main" id="{23A88CE6-C3D1-41A1-A479-3FAF313837EB}"/>
+              </a:ext>
+            </a:extLst>
+          </p:cNvPr>
+          <p:cNvCxnSpPr>
+            <a:cxnSpLocks/>
+          </p:cNvCxnSpPr>
+          <p:nvPr/>
+        </p:nvCxnSpPr>
+        <p:spPr>
+          <a:xfrm flipH="1" flipV="1">
+            <a:off x="7739596" y="2872598"/>
+            <a:ext cx="82798" cy="2898474"/>
+          </a:xfrm>
+          <a:prstGeom prst="straightConnector1">
+            <a:avLst/>
+          </a:prstGeom>
+          <a:ln>
+            <a:tailEnd type="triangle"/>
+          </a:ln>
+        </p:spPr>
+        <p:style>
+          <a:lnRef idx="1">
+            <a:schemeClr val="accent2"/>
+          </a:lnRef>
+          <a:fillRef idx="0">
+            <a:schemeClr val="accent2"/>
+          </a:fillRef>
+          <a:effectRef idx="0">
+            <a:schemeClr val="accent2"/>
+          </a:effectRef>
+          <a:fontRef idx="minor">
+            <a:schemeClr val="tx1"/>
+          </a:fontRef>
+        </p:style>
+      </p:cxnSp>
     </p:spTree>
     <p:extLst>
       <p:ext uri="{BB962C8B-B14F-4D97-AF65-F5344CB8AC3E}">
@@ -13193,7 +13780,15 @@
           <a:p>
             <a:r>
               <a:rPr lang="es-AR" i="1" dirty="0"/>
-              <a:t>+ 3 Notebooks que los consumen para Pruebas, Entrenamiento y Juego</a:t>
+              <a:t>+ 3 Notebooks que los consumen para </a:t>
+            </a:r>
+            <a:r>
+              <a:rPr lang="es-AR" i="1" dirty="0" err="1"/>
+              <a:t>Testing</a:t>
+            </a:r>
+            <a:r>
+              <a:rPr lang="es-AR" i="1" dirty="0"/>
+              <a:t>, Entrenamiento y Juego</a:t>
             </a:r>
           </a:p>
         </p:txBody>
@@ -13212,154 +13807,6 @@
 </file>
 
 <file path=ppt/slides/slide18.xml><?xml version="1.0" encoding="utf-8"?>
-<p:sld xmlns:a="http://schemas.openxmlformats.org/drawingml/2006/main" xmlns:r="http://schemas.openxmlformats.org/officeDocument/2006/relationships" xmlns:p="http://schemas.openxmlformats.org/presentationml/2006/main">
-  <p:cSld>
-    <p:spTree>
-      <p:nvGrpSpPr>
-        <p:cNvPr id="1" name=""/>
-        <p:cNvGrpSpPr/>
-        <p:nvPr/>
-      </p:nvGrpSpPr>
-      <p:grpSpPr>
-        <a:xfrm>
-          <a:off x="0" y="0"/>
-          <a:ext cx="0" cy="0"/>
-          <a:chOff x="0" y="0"/>
-          <a:chExt cx="0" cy="0"/>
-        </a:xfrm>
-      </p:grpSpPr>
-      <p:sp>
-        <p:nvSpPr>
-          <p:cNvPr id="2" name="Título 1">
-            <a:extLst>
-              <a:ext uri="{FF2B5EF4-FFF2-40B4-BE49-F238E27FC236}">
-                <a16:creationId xmlns:a16="http://schemas.microsoft.com/office/drawing/2014/main" id="{13A311F5-D843-4AA9-BB61-5429029F7D07}"/>
-              </a:ext>
-            </a:extLst>
-          </p:cNvPr>
-          <p:cNvSpPr>
-            <a:spLocks noGrp="1"/>
-          </p:cNvSpPr>
-          <p:nvPr>
-            <p:ph type="title"/>
-          </p:nvPr>
-        </p:nvSpPr>
-        <p:spPr>
-          <a:xfrm>
-            <a:off x="0" y="0"/>
-            <a:ext cx="7886700" cy="1325562"/>
-          </a:xfrm>
-        </p:spPr>
-        <p:txBody>
-          <a:bodyPr>
-            <a:normAutofit/>
-          </a:bodyPr>
-          <a:lstStyle/>
-          <a:p>
-            <a:r>
-              <a:rPr lang="es-AR" sz="4000" b="1" dirty="0"/>
-              <a:t>Próximos pasos</a:t>
-            </a:r>
-          </a:p>
-        </p:txBody>
-      </p:sp>
-      <p:sp>
-        <p:nvSpPr>
-          <p:cNvPr id="3" name="Marcador de contenido 2">
-            <a:extLst>
-              <a:ext uri="{FF2B5EF4-FFF2-40B4-BE49-F238E27FC236}">
-                <a16:creationId xmlns:a16="http://schemas.microsoft.com/office/drawing/2014/main" id="{51BE1BD4-0C8E-4DA3-96D2-EB6F563BF561}"/>
-              </a:ext>
-            </a:extLst>
-          </p:cNvPr>
-          <p:cNvSpPr>
-            <a:spLocks noGrp="1"/>
-          </p:cNvSpPr>
-          <p:nvPr>
-            <p:ph idx="1"/>
-          </p:nvPr>
-        </p:nvSpPr>
-        <p:spPr>
-          <a:xfrm>
-            <a:off x="176645" y="1524002"/>
-            <a:ext cx="5974773" cy="4351337"/>
-          </a:xfrm>
-        </p:spPr>
-        <p:txBody>
-          <a:bodyPr>
-            <a:noAutofit/>
-          </a:bodyPr>
-          <a:lstStyle/>
-          <a:p>
-            <a:r>
-              <a:rPr lang="es-AR" dirty="0"/>
-              <a:t>INTERFAZ GRAFICA?</a:t>
-            </a:r>
-          </a:p>
-          <a:p>
-            <a:endParaRPr lang="es-AR" dirty="0"/>
-          </a:p>
-          <a:p>
-            <a:r>
-              <a:rPr lang="es-AR" dirty="0"/>
-              <a:t>OPTIMIZACIONES VARIAS</a:t>
-            </a:r>
-          </a:p>
-          <a:p>
-            <a:pPr marL="0" indent="0">
-              <a:buNone/>
-            </a:pPr>
-            <a:r>
-              <a:rPr lang="es-AR" dirty="0"/>
-              <a:t>	</a:t>
-            </a:r>
-            <a:r>
-              <a:rPr lang="es-AR" sz="2000" dirty="0"/>
-              <a:t>(</a:t>
-            </a:r>
-            <a:r>
-              <a:rPr lang="es-AR" sz="2000" cap="none" dirty="0"/>
-              <a:t>Mejor algoritmo de aprendizaje, </a:t>
-            </a:r>
-            <a:r>
-              <a:rPr lang="es-AR" sz="2000" cap="none" dirty="0" err="1"/>
-              <a:t>trackear</a:t>
-            </a:r>
-            <a:r>
-              <a:rPr lang="es-AR" sz="2000" cap="none" dirty="0"/>
-              <a:t> convergencia para parada automática, </a:t>
-            </a:r>
-            <a:r>
-              <a:rPr lang="es-AR" sz="2000" cap="none" dirty="0" err="1"/>
-              <a:t>etc</a:t>
-            </a:r>
-            <a:r>
-              <a:rPr lang="es-AR" sz="2000" cap="none" dirty="0"/>
-              <a:t>)</a:t>
-            </a:r>
-          </a:p>
-          <a:p>
-            <a:pPr marL="0" indent="0">
-              <a:buNone/>
-            </a:pPr>
-            <a:endParaRPr lang="es-AR" dirty="0"/>
-          </a:p>
-        </p:txBody>
-      </p:sp>
-    </p:spTree>
-    <p:extLst>
-      <p:ext uri="{BB962C8B-B14F-4D97-AF65-F5344CB8AC3E}">
-        <p14:creationId xmlns:p14="http://schemas.microsoft.com/office/powerpoint/2010/main" val="2731814276"/>
-      </p:ext>
-    </p:extLst>
-  </p:cSld>
-  <p:clrMapOvr>
-    <a:masterClrMapping/>
-  </p:clrMapOvr>
-</p:sld>
-</file>
-
-<file path=ppt/slides/slide19.xml><?xml version="1.0" encoding="utf-8"?>
 <p:sld xmlns:a="http://schemas.openxmlformats.org/drawingml/2006/main" xmlns:r="http://schemas.openxmlformats.org/officeDocument/2006/relationships" xmlns:p="http://schemas.openxmlformats.org/presentationml/2006/main">
   <p:cSld>
     <p:spTree>
@@ -13399,7 +13846,7 @@
           <a:p>
             <a:r>
               <a:rPr lang="es-AR" dirty="0"/>
-              <a:t>Gracias!</a:t>
+              <a:t>Preguntas?</a:t>
             </a:r>
           </a:p>
         </p:txBody>
@@ -13433,6 +13880,89 @@
     <p:extLst>
       <p:ext uri="{BB962C8B-B14F-4D97-AF65-F5344CB8AC3E}">
         <p14:creationId xmlns:p14="http://schemas.microsoft.com/office/powerpoint/2010/main" val="156652440"/>
+      </p:ext>
+    </p:extLst>
+  </p:cSld>
+  <p:clrMapOvr>
+    <a:masterClrMapping/>
+  </p:clrMapOvr>
+</p:sld>
+</file>
+
+<file path=ppt/slides/slide19.xml><?xml version="1.0" encoding="utf-8"?>
+<p:sld xmlns:a="http://schemas.openxmlformats.org/drawingml/2006/main" xmlns:r="http://schemas.openxmlformats.org/officeDocument/2006/relationships" xmlns:p="http://schemas.openxmlformats.org/presentationml/2006/main">
+  <p:cSld>
+    <p:spTree>
+      <p:nvGrpSpPr>
+        <p:cNvPr id="1" name=""/>
+        <p:cNvGrpSpPr/>
+        <p:nvPr/>
+      </p:nvGrpSpPr>
+      <p:grpSpPr>
+        <a:xfrm>
+          <a:off x="0" y="0"/>
+          <a:ext cx="0" cy="0"/>
+          <a:chOff x="0" y="0"/>
+          <a:chExt cx="0" cy="0"/>
+        </a:xfrm>
+      </p:grpSpPr>
+      <p:sp>
+        <p:nvSpPr>
+          <p:cNvPr id="4" name="Título 3">
+            <a:extLst>
+              <a:ext uri="{FF2B5EF4-FFF2-40B4-BE49-F238E27FC236}">
+                <a16:creationId xmlns:a16="http://schemas.microsoft.com/office/drawing/2014/main" id="{433C7316-C0DE-4B5B-A4A4-E61A7EA38678}"/>
+              </a:ext>
+            </a:extLst>
+          </p:cNvPr>
+          <p:cNvSpPr>
+            <a:spLocks noGrp="1"/>
+          </p:cNvSpPr>
+          <p:nvPr>
+            <p:ph type="ctrTitle"/>
+          </p:nvPr>
+        </p:nvSpPr>
+        <p:spPr/>
+        <p:txBody>
+          <a:bodyPr/>
+          <a:lstStyle/>
+          <a:p>
+            <a:r>
+              <a:rPr lang="es-AR" dirty="0"/>
+              <a:t>Anexos</a:t>
+            </a:r>
+          </a:p>
+        </p:txBody>
+      </p:sp>
+      <p:sp>
+        <p:nvSpPr>
+          <p:cNvPr id="5" name="Subtítulo 4">
+            <a:extLst>
+              <a:ext uri="{FF2B5EF4-FFF2-40B4-BE49-F238E27FC236}">
+                <a16:creationId xmlns:a16="http://schemas.microsoft.com/office/drawing/2014/main" id="{23E85782-63AD-4CBC-839A-120487A32DD6}"/>
+              </a:ext>
+            </a:extLst>
+          </p:cNvPr>
+          <p:cNvSpPr>
+            <a:spLocks noGrp="1"/>
+          </p:cNvSpPr>
+          <p:nvPr>
+            <p:ph type="subTitle" idx="1"/>
+          </p:nvPr>
+        </p:nvSpPr>
+        <p:spPr/>
+        <p:txBody>
+          <a:bodyPr/>
+          <a:lstStyle/>
+          <a:p>
+            <a:endParaRPr lang="es-AR"/>
+          </a:p>
+        </p:txBody>
+      </p:sp>
+    </p:spTree>
+    <p:extLst>
+      <p:ext uri="{BB962C8B-B14F-4D97-AF65-F5344CB8AC3E}">
+        <p14:creationId xmlns:p14="http://schemas.microsoft.com/office/powerpoint/2010/main" val="3239710845"/>
       </p:ext>
     </p:extLst>
   </p:cSld>
@@ -13551,7 +14081,7 @@
           <p:cNvPr id="4" name="Título 3">
             <a:extLst>
               <a:ext uri="{FF2B5EF4-FFF2-40B4-BE49-F238E27FC236}">
-                <a16:creationId xmlns:a16="http://schemas.microsoft.com/office/drawing/2014/main" id="{433C7316-C0DE-4B5B-A4A4-E61A7EA38678}"/>
+                <a16:creationId xmlns:a16="http://schemas.microsoft.com/office/drawing/2014/main" id="{8C9D3B33-5A58-475B-BFA1-115AE377CC90}"/>
               </a:ext>
             </a:extLst>
           </p:cNvPr>
@@ -13568,9 +14098,10 @@
           <a:lstStyle/>
           <a:p>
             <a:r>
-              <a:rPr lang="es-AR" dirty="0"/>
-              <a:t>Anexos</a:t>
-            </a:r>
+              <a:rPr lang="es-AR" dirty="0" err="1"/>
+              <a:t>Libratus</a:t>
+            </a:r>
+            <a:endParaRPr lang="en-US" dirty="0"/>
           </a:p>
         </p:txBody>
       </p:sp>
@@ -13579,7 +14110,7 @@
           <p:cNvPr id="5" name="Subtítulo 4">
             <a:extLst>
               <a:ext uri="{FF2B5EF4-FFF2-40B4-BE49-F238E27FC236}">
-                <a16:creationId xmlns:a16="http://schemas.microsoft.com/office/drawing/2014/main" id="{23E85782-63AD-4CBC-839A-120487A32DD6}"/>
+                <a16:creationId xmlns:a16="http://schemas.microsoft.com/office/drawing/2014/main" id="{4A236FC4-1925-4C70-9196-015FD832117F}"/>
               </a:ext>
             </a:extLst>
           </p:cNvPr>
@@ -13595,14 +14126,14 @@
           <a:bodyPr/>
           <a:lstStyle/>
           <a:p>
-            <a:endParaRPr lang="es-AR"/>
+            <a:endParaRPr lang="en-US"/>
           </a:p>
         </p:txBody>
       </p:sp>
     </p:spTree>
     <p:extLst>
       <p:ext uri="{BB962C8B-B14F-4D97-AF65-F5344CB8AC3E}">
-        <p14:creationId xmlns:p14="http://schemas.microsoft.com/office/powerpoint/2010/main" val="3239710845"/>
+        <p14:creationId xmlns:p14="http://schemas.microsoft.com/office/powerpoint/2010/main" val="3720746413"/>
       </p:ext>
     </p:extLst>
   </p:cSld>
@@ -13613,6 +14144,1033 @@
 </file>
 
 <file path=ppt/slides/slide21.xml><?xml version="1.0" encoding="utf-8"?>
+<p:sld xmlns:a="http://schemas.openxmlformats.org/drawingml/2006/main" xmlns:r="http://schemas.openxmlformats.org/officeDocument/2006/relationships" xmlns:p="http://schemas.openxmlformats.org/presentationml/2006/main">
+  <p:cSld>
+    <p:spTree>
+      <p:nvGrpSpPr>
+        <p:cNvPr id="1" name=""/>
+        <p:cNvGrpSpPr/>
+        <p:nvPr/>
+      </p:nvGrpSpPr>
+      <p:grpSpPr>
+        <a:xfrm>
+          <a:off x="0" y="0"/>
+          <a:ext cx="0" cy="0"/>
+          <a:chOff x="0" y="0"/>
+          <a:chExt cx="0" cy="0"/>
+        </a:xfrm>
+      </p:grpSpPr>
+      <p:sp>
+        <p:nvSpPr>
+          <p:cNvPr id="2" name="Título 1">
+            <a:extLst>
+              <a:ext uri="{FF2B5EF4-FFF2-40B4-BE49-F238E27FC236}">
+                <a16:creationId xmlns:a16="http://schemas.microsoft.com/office/drawing/2014/main" id="{3732D6B7-2C5A-4C81-8262-A49D9E320C78}"/>
+              </a:ext>
+            </a:extLst>
+          </p:cNvPr>
+          <p:cNvSpPr>
+            <a:spLocks noGrp="1"/>
+          </p:cNvSpPr>
+          <p:nvPr>
+            <p:ph type="title"/>
+          </p:nvPr>
+        </p:nvSpPr>
+        <p:spPr/>
+        <p:txBody>
+          <a:bodyPr/>
+          <a:lstStyle/>
+          <a:p>
+            <a:r>
+              <a:rPr lang="es-AR" dirty="0" err="1"/>
+              <a:t>Libratus</a:t>
+            </a:r>
+            <a:r>
+              <a:rPr lang="es-AR" dirty="0"/>
+              <a:t> Enero 2017 </a:t>
+            </a:r>
+          </a:p>
+        </p:txBody>
+      </p:sp>
+      <p:sp>
+        <p:nvSpPr>
+          <p:cNvPr id="3" name="Marcador de contenido 2">
+            <a:extLst>
+              <a:ext uri="{FF2B5EF4-FFF2-40B4-BE49-F238E27FC236}">
+                <a16:creationId xmlns:a16="http://schemas.microsoft.com/office/drawing/2014/main" id="{BFD15FA8-8625-4E3E-93F9-263B404A9F8A}"/>
+              </a:ext>
+            </a:extLst>
+          </p:cNvPr>
+          <p:cNvSpPr>
+            <a:spLocks noGrp="1"/>
+          </p:cNvSpPr>
+          <p:nvPr>
+            <p:ph idx="1"/>
+          </p:nvPr>
+        </p:nvSpPr>
+        <p:spPr/>
+        <p:txBody>
+          <a:bodyPr>
+            <a:normAutofit fontScale="77500" lnSpcReduction="20000"/>
+          </a:bodyPr>
+          <a:lstStyle/>
+          <a:p>
+            <a:r>
+              <a:rPr lang="en-US" i="1" dirty="0"/>
+              <a:t>“But in a complicated game like poker, if you’re able to play the Nash equilibrium strategy, then it’s likely your opponent will make mistakes. But playing the Nash equilibrium strategy, you will, in practice, win, because you’re playing the perfect strategy. </a:t>
+            </a:r>
+            <a:r>
+              <a:rPr lang="en-US" b="1" i="1" dirty="0"/>
+              <a:t>So, we’re not trying to adapt to the opponent. </a:t>
+            </a:r>
+            <a:r>
+              <a:rPr lang="en-US" i="1" dirty="0"/>
+              <a:t>In fact, during the competition, </a:t>
+            </a:r>
+            <a:r>
+              <a:rPr lang="en-US" b="1" i="1" dirty="0"/>
+              <a:t>we never looked at the cards the opponent had</a:t>
+            </a:r>
+            <a:r>
+              <a:rPr lang="en-US" i="1" dirty="0"/>
+              <a:t>, for example. </a:t>
+            </a:r>
+            <a:r>
+              <a:rPr lang="en-US" b="1" i="1" dirty="0"/>
+              <a:t>We never cared which player we were playing against</a:t>
+            </a:r>
+            <a:r>
+              <a:rPr lang="en-US" i="1" dirty="0"/>
+              <a:t>. We </a:t>
+            </a:r>
+            <a:r>
+              <a:rPr lang="en-US" b="1" i="1" dirty="0"/>
+              <a:t>were always playing the same exact strategy no matter who the opponent was</a:t>
+            </a:r>
+            <a:r>
+              <a:rPr lang="en-US" i="1" dirty="0"/>
+              <a:t>.”</a:t>
+            </a:r>
+          </a:p>
+          <a:p>
+            <a:r>
+              <a:rPr lang="en-US" i="1" dirty="0"/>
+              <a:t>Noam Brown, co-</a:t>
+            </a:r>
+            <a:r>
+              <a:rPr lang="en-US" i="1" dirty="0" err="1"/>
+              <a:t>creador</a:t>
+            </a:r>
+            <a:r>
+              <a:rPr lang="en-US" i="1" dirty="0"/>
+              <a:t> de </a:t>
+            </a:r>
+            <a:r>
+              <a:rPr lang="en-US" i="1" dirty="0" err="1"/>
+              <a:t>Libratus</a:t>
+            </a:r>
+            <a:endParaRPr lang="en-US" i="1" dirty="0"/>
+          </a:p>
+          <a:p>
+            <a:r>
+              <a:rPr lang="es-AR" dirty="0">
+                <a:hlinkClick r:id="rId2"/>
+              </a:rPr>
+              <a:t>https://towardsdatascience.com/playing-poker-on-mars-how-ai-mastered-the-game-52f66659f8f4</a:t>
+            </a:r>
+            <a:endParaRPr lang="es-AR" dirty="0"/>
+          </a:p>
+          <a:p>
+            <a:endParaRPr lang="es-AR" dirty="0"/>
+          </a:p>
+          <a:p>
+            <a:r>
+              <a:rPr lang="en-US" dirty="0"/>
+              <a:t>“Using Counterfactual Regret Minimization to Create Competitive Multiplayer Poker Agents”</a:t>
+            </a:r>
+          </a:p>
+          <a:p>
+            <a:r>
+              <a:rPr lang="es-AR" dirty="0">
+                <a:hlinkClick r:id="rId3"/>
+              </a:rPr>
+              <a:t>http://webdocs.cs.ualberta.ca/~duane/publications/pdf/2010aamas.pdf</a:t>
+            </a:r>
+            <a:endParaRPr lang="es-AR" dirty="0"/>
+          </a:p>
+          <a:p>
+            <a:endParaRPr lang="en-US" dirty="0"/>
+          </a:p>
+          <a:p>
+            <a:r>
+              <a:rPr lang="en-US" dirty="0"/>
+              <a:t>“</a:t>
+            </a:r>
+            <a:r>
+              <a:rPr lang="en-US" dirty="0" err="1"/>
+              <a:t>Libratus</a:t>
+            </a:r>
+            <a:r>
+              <a:rPr lang="en-US" dirty="0"/>
+              <a:t> uses a Monte Carlo-based variant that samples the game tree to get an approximate return for the subgame rather than enumerating every leaf node of the game tree”</a:t>
+            </a:r>
+            <a:endParaRPr lang="es-AR" dirty="0"/>
+          </a:p>
+          <a:p>
+            <a:r>
+              <a:rPr lang="es-AR" dirty="0">
+                <a:hlinkClick r:id="rId4"/>
+              </a:rPr>
+              <a:t>https://thegradient.pub/libratus-poker/</a:t>
+            </a:r>
+            <a:endParaRPr lang="es-AR" dirty="0"/>
+          </a:p>
+        </p:txBody>
+      </p:sp>
+    </p:spTree>
+    <p:extLst>
+      <p:ext uri="{BB962C8B-B14F-4D97-AF65-F5344CB8AC3E}">
+        <p14:creationId xmlns:p14="http://schemas.microsoft.com/office/powerpoint/2010/main" val="1073269125"/>
+      </p:ext>
+    </p:extLst>
+  </p:cSld>
+  <p:clrMapOvr>
+    <a:masterClrMapping/>
+  </p:clrMapOvr>
+</p:sld>
+</file>
+
+<file path=ppt/slides/slide22.xml><?xml version="1.0" encoding="utf-8"?>
+<p:sld xmlns:a="http://schemas.openxmlformats.org/drawingml/2006/main" xmlns:r="http://schemas.openxmlformats.org/officeDocument/2006/relationships" xmlns:p="http://schemas.openxmlformats.org/presentationml/2006/main">
+  <p:cSld>
+    <p:spTree>
+      <p:nvGrpSpPr>
+        <p:cNvPr id="1" name=""/>
+        <p:cNvGrpSpPr/>
+        <p:nvPr/>
+      </p:nvGrpSpPr>
+      <p:grpSpPr>
+        <a:xfrm>
+          <a:off x="0" y="0"/>
+          <a:ext cx="0" cy="0"/>
+          <a:chOff x="0" y="0"/>
+          <a:chExt cx="0" cy="0"/>
+        </a:xfrm>
+      </p:grpSpPr>
+      <p:sp>
+        <p:nvSpPr>
+          <p:cNvPr id="2" name="Título 1">
+            <a:extLst>
+              <a:ext uri="{FF2B5EF4-FFF2-40B4-BE49-F238E27FC236}">
+                <a16:creationId xmlns:a16="http://schemas.microsoft.com/office/drawing/2014/main" id="{AA43142E-7DE0-4F8B-8B42-DC711C504750}"/>
+              </a:ext>
+            </a:extLst>
+          </p:cNvPr>
+          <p:cNvSpPr>
+            <a:spLocks noGrp="1"/>
+          </p:cNvSpPr>
+          <p:nvPr>
+            <p:ph type="title"/>
+          </p:nvPr>
+        </p:nvSpPr>
+        <p:spPr/>
+        <p:txBody>
+          <a:bodyPr/>
+          <a:lstStyle/>
+          <a:p>
+            <a:r>
+              <a:rPr lang="es-AR" dirty="0" err="1"/>
+              <a:t>Libratus</a:t>
+            </a:r>
+            <a:endParaRPr lang="en-US" dirty="0"/>
+          </a:p>
+        </p:txBody>
+      </p:sp>
+      <p:sp>
+        <p:nvSpPr>
+          <p:cNvPr id="3" name="Marcador de contenido 2">
+            <a:extLst>
+              <a:ext uri="{FF2B5EF4-FFF2-40B4-BE49-F238E27FC236}">
+                <a16:creationId xmlns:a16="http://schemas.microsoft.com/office/drawing/2014/main" id="{52397C1C-48EF-4E2C-9E3C-E32E96FD4060}"/>
+              </a:ext>
+            </a:extLst>
+          </p:cNvPr>
+          <p:cNvSpPr>
+            <a:spLocks noGrp="1"/>
+          </p:cNvSpPr>
+          <p:nvPr>
+            <p:ph idx="1"/>
+          </p:nvPr>
+        </p:nvSpPr>
+        <p:spPr/>
+        <p:txBody>
+          <a:bodyPr>
+            <a:normAutofit fontScale="77500" lnSpcReduction="20000"/>
+          </a:bodyPr>
+          <a:lstStyle/>
+          <a:p>
+            <a:r>
+              <a:rPr lang="es-AR" dirty="0"/>
+              <a:t>Charla de Brown</a:t>
+            </a:r>
+          </a:p>
+          <a:p>
+            <a:r>
+              <a:rPr lang="en-US" dirty="0">
+                <a:hlinkClick r:id="rId2"/>
+              </a:rPr>
+              <a:t>https://www.youtube.com/watch?v=McV4a6umbAY</a:t>
+            </a:r>
+            <a:endParaRPr lang="en-US" dirty="0"/>
+          </a:p>
+          <a:p>
+            <a:endParaRPr lang="es-AR" dirty="0"/>
+          </a:p>
+          <a:p>
+            <a:r>
+              <a:rPr lang="es-AR" dirty="0"/>
+              <a:t>Cuando los estados son muchos se hacen simplificaciones. Un oponente humano puede notar esas simplificaciones y explotarlas. Por lo tanto se suele medir ganancia pero también </a:t>
+            </a:r>
+            <a:r>
+              <a:rPr lang="es-AR" dirty="0" err="1"/>
+              <a:t>explotabilidad</a:t>
+            </a:r>
+            <a:r>
+              <a:rPr lang="es-AR" dirty="0"/>
+              <a:t>. </a:t>
+            </a:r>
+          </a:p>
+          <a:p>
+            <a:endParaRPr lang="es-AR" dirty="0"/>
+          </a:p>
+          <a:p>
+            <a:r>
+              <a:rPr lang="es-AR" dirty="0"/>
+              <a:t>El </a:t>
+            </a:r>
+            <a:r>
+              <a:rPr lang="es-AR" dirty="0" err="1"/>
+              <a:t>Blueprint</a:t>
+            </a:r>
+            <a:r>
+              <a:rPr lang="es-AR" dirty="0"/>
+              <a:t> (la estrategia obtenida en tiempo real) es explotable pero igual sirve para ayudar al </a:t>
+            </a:r>
+            <a:r>
+              <a:rPr lang="es-AR" dirty="0" err="1"/>
+              <a:t>realtime</a:t>
+            </a:r>
+            <a:r>
+              <a:rPr lang="es-AR" dirty="0"/>
+              <a:t> Montecarlo </a:t>
+            </a:r>
+            <a:r>
+              <a:rPr lang="es-AR" dirty="0" err="1"/>
+              <a:t>search</a:t>
+            </a:r>
+            <a:r>
+              <a:rPr lang="es-AR" dirty="0"/>
+              <a:t>. </a:t>
+            </a:r>
+            <a:r>
+              <a:rPr lang="es-AR" dirty="0" err="1"/>
+              <a:t>Alphazero</a:t>
+            </a:r>
+            <a:r>
+              <a:rPr lang="es-AR" dirty="0"/>
+              <a:t> lo hacia, </a:t>
+            </a:r>
+            <a:r>
+              <a:rPr lang="es-AR" dirty="0" err="1"/>
+              <a:t>libratus</a:t>
+            </a:r>
+            <a:r>
+              <a:rPr lang="es-AR" dirty="0"/>
+              <a:t> lo hace. (usar </a:t>
+            </a:r>
+            <a:r>
+              <a:rPr lang="es-AR" dirty="0" err="1"/>
+              <a:t>search</a:t>
+            </a:r>
+            <a:r>
+              <a:rPr lang="es-AR" dirty="0"/>
+              <a:t> te hace 12x menos explotable!)</a:t>
+            </a:r>
+          </a:p>
+          <a:p>
+            <a:r>
+              <a:rPr lang="es-AR" dirty="0"/>
+              <a:t>CFR (2013) es para el </a:t>
+            </a:r>
+            <a:r>
+              <a:rPr lang="es-AR" dirty="0" err="1"/>
+              <a:t>blueprint</a:t>
+            </a:r>
+            <a:r>
+              <a:rPr lang="es-AR" dirty="0"/>
+              <a:t>, converge en 1/raíz(t). En T iteraciones te quedas </a:t>
+            </a:r>
+            <a:r>
+              <a:rPr lang="es-AR" dirty="0" err="1"/>
+              <a:t>within</a:t>
+            </a:r>
+            <a:r>
+              <a:rPr lang="es-AR" dirty="0"/>
+              <a:t> 1/raíz(t) del </a:t>
+            </a:r>
+            <a:r>
+              <a:rPr lang="es-AR" dirty="0" err="1"/>
+              <a:t>nash</a:t>
+            </a:r>
+            <a:endParaRPr lang="es-AR" dirty="0"/>
+          </a:p>
+          <a:p>
+            <a:r>
+              <a:rPr lang="es-AR" dirty="0" err="1"/>
+              <a:t>Safe</a:t>
+            </a:r>
+            <a:r>
+              <a:rPr lang="es-AR" dirty="0"/>
+              <a:t> </a:t>
+            </a:r>
+            <a:r>
+              <a:rPr lang="es-AR" dirty="0" err="1"/>
+              <a:t>subgame</a:t>
+            </a:r>
+            <a:r>
+              <a:rPr lang="es-AR" dirty="0"/>
+              <a:t> </a:t>
+            </a:r>
+            <a:r>
+              <a:rPr lang="es-AR" dirty="0" err="1"/>
+              <a:t>solving</a:t>
+            </a:r>
+            <a:r>
+              <a:rPr lang="es-AR" dirty="0"/>
+              <a:t> = que el Montecarlo </a:t>
+            </a:r>
+            <a:r>
+              <a:rPr lang="es-AR" dirty="0" err="1"/>
+              <a:t>search</a:t>
+            </a:r>
+            <a:r>
+              <a:rPr lang="es-AR" dirty="0"/>
+              <a:t> no agrega </a:t>
+            </a:r>
+            <a:r>
+              <a:rPr lang="es-AR" dirty="0" err="1"/>
+              <a:t>explotability</a:t>
+            </a:r>
+            <a:endParaRPr lang="es-AR" dirty="0"/>
+          </a:p>
+          <a:p>
+            <a:endParaRPr lang="es-AR" dirty="0"/>
+          </a:p>
+          <a:p>
+            <a:r>
+              <a:rPr lang="es-AR" dirty="0"/>
+              <a:t>Solución = </a:t>
+            </a:r>
+            <a:r>
+              <a:rPr lang="es-AR" dirty="0" err="1"/>
+              <a:t>Reach</a:t>
+            </a:r>
+            <a:r>
+              <a:rPr lang="es-AR" dirty="0"/>
+              <a:t> </a:t>
+            </a:r>
+            <a:r>
+              <a:rPr lang="es-AR" dirty="0" err="1"/>
+              <a:t>subgame</a:t>
+            </a:r>
+            <a:r>
+              <a:rPr lang="es-AR" dirty="0"/>
+              <a:t> </a:t>
+            </a:r>
+            <a:r>
+              <a:rPr lang="es-AR" dirty="0" err="1"/>
+              <a:t>solving</a:t>
+            </a:r>
+            <a:endParaRPr lang="es-AR" dirty="0"/>
+          </a:p>
+          <a:p>
+            <a:r>
+              <a:rPr lang="es-AR" dirty="0"/>
+              <a:t>Para que hace </a:t>
+            </a:r>
+            <a:r>
+              <a:rPr lang="es-AR" dirty="0" err="1"/>
+              <a:t>mindgames</a:t>
+            </a:r>
+            <a:r>
+              <a:rPr lang="es-AR" dirty="0"/>
+              <a:t> y adaptándonos si con un Nash ya ganas. </a:t>
+            </a:r>
+          </a:p>
+          <a:p>
+            <a:r>
+              <a:rPr lang="es-AR" dirty="0"/>
+              <a:t>Cada vez que haces suposiciones de </a:t>
+            </a:r>
+            <a:r>
+              <a:rPr lang="es-AR" dirty="0" err="1"/>
+              <a:t>estrategial</a:t>
+            </a:r>
+            <a:r>
+              <a:rPr lang="es-AR" dirty="0"/>
+              <a:t>, el oponente las puede cambiar y te explota </a:t>
+            </a:r>
+            <a:endParaRPr lang="en-US" dirty="0"/>
+          </a:p>
+        </p:txBody>
+      </p:sp>
+    </p:spTree>
+    <p:extLst>
+      <p:ext uri="{BB962C8B-B14F-4D97-AF65-F5344CB8AC3E}">
+        <p14:creationId xmlns:p14="http://schemas.microsoft.com/office/powerpoint/2010/main" val="1091744980"/>
+      </p:ext>
+    </p:extLst>
+  </p:cSld>
+  <p:clrMapOvr>
+    <a:masterClrMapping/>
+  </p:clrMapOvr>
+</p:sld>
+</file>
+
+<file path=ppt/slides/slide23.xml><?xml version="1.0" encoding="utf-8"?>
+<p:sld xmlns:a="http://schemas.openxmlformats.org/drawingml/2006/main" xmlns:r="http://schemas.openxmlformats.org/officeDocument/2006/relationships" xmlns:p="http://schemas.openxmlformats.org/presentationml/2006/main">
+  <p:cSld>
+    <p:spTree>
+      <p:nvGrpSpPr>
+        <p:cNvPr id="1" name=""/>
+        <p:cNvGrpSpPr/>
+        <p:nvPr/>
+      </p:nvGrpSpPr>
+      <p:grpSpPr>
+        <a:xfrm>
+          <a:off x="0" y="0"/>
+          <a:ext cx="0" cy="0"/>
+          <a:chOff x="0" y="0"/>
+          <a:chExt cx="0" cy="0"/>
+        </a:xfrm>
+      </p:grpSpPr>
+      <p:sp>
+        <p:nvSpPr>
+          <p:cNvPr id="4" name="Título 3">
+            <a:extLst>
+              <a:ext uri="{FF2B5EF4-FFF2-40B4-BE49-F238E27FC236}">
+                <a16:creationId xmlns:a16="http://schemas.microsoft.com/office/drawing/2014/main" id="{8C9D3B33-5A58-475B-BFA1-115AE377CC90}"/>
+              </a:ext>
+            </a:extLst>
+          </p:cNvPr>
+          <p:cNvSpPr>
+            <a:spLocks noGrp="1"/>
+          </p:cNvSpPr>
+          <p:nvPr>
+            <p:ph type="ctrTitle"/>
+          </p:nvPr>
+        </p:nvSpPr>
+        <p:spPr/>
+        <p:txBody>
+          <a:bodyPr/>
+          <a:lstStyle/>
+          <a:p>
+            <a:r>
+              <a:rPr lang="es-AR" dirty="0" err="1"/>
+              <a:t>Deepstack</a:t>
+            </a:r>
+            <a:endParaRPr lang="en-US" dirty="0"/>
+          </a:p>
+        </p:txBody>
+      </p:sp>
+      <p:sp>
+        <p:nvSpPr>
+          <p:cNvPr id="5" name="Subtítulo 4">
+            <a:extLst>
+              <a:ext uri="{FF2B5EF4-FFF2-40B4-BE49-F238E27FC236}">
+                <a16:creationId xmlns:a16="http://schemas.microsoft.com/office/drawing/2014/main" id="{4A236FC4-1925-4C70-9196-015FD832117F}"/>
+              </a:ext>
+            </a:extLst>
+          </p:cNvPr>
+          <p:cNvSpPr>
+            <a:spLocks noGrp="1"/>
+          </p:cNvSpPr>
+          <p:nvPr>
+            <p:ph type="subTitle" idx="1"/>
+          </p:nvPr>
+        </p:nvSpPr>
+        <p:spPr/>
+        <p:txBody>
+          <a:bodyPr/>
+          <a:lstStyle/>
+          <a:p>
+            <a:endParaRPr lang="en-US"/>
+          </a:p>
+        </p:txBody>
+      </p:sp>
+    </p:spTree>
+    <p:extLst>
+      <p:ext uri="{BB962C8B-B14F-4D97-AF65-F5344CB8AC3E}">
+        <p14:creationId xmlns:p14="http://schemas.microsoft.com/office/powerpoint/2010/main" val="2510303453"/>
+      </p:ext>
+    </p:extLst>
+  </p:cSld>
+  <p:clrMapOvr>
+    <a:masterClrMapping/>
+  </p:clrMapOvr>
+</p:sld>
+</file>
+
+<file path=ppt/slides/slide24.xml><?xml version="1.0" encoding="utf-8"?>
+<p:sld xmlns:a="http://schemas.openxmlformats.org/drawingml/2006/main" xmlns:r="http://schemas.openxmlformats.org/officeDocument/2006/relationships" xmlns:p="http://schemas.openxmlformats.org/presentationml/2006/main">
+  <p:cSld>
+    <p:spTree>
+      <p:nvGrpSpPr>
+        <p:cNvPr id="1" name=""/>
+        <p:cNvGrpSpPr/>
+        <p:nvPr/>
+      </p:nvGrpSpPr>
+      <p:grpSpPr>
+        <a:xfrm>
+          <a:off x="0" y="0"/>
+          <a:ext cx="0" cy="0"/>
+          <a:chOff x="0" y="0"/>
+          <a:chExt cx="0" cy="0"/>
+        </a:xfrm>
+      </p:grpSpPr>
+      <p:sp>
+        <p:nvSpPr>
+          <p:cNvPr id="2" name="Título 1">
+            <a:extLst>
+              <a:ext uri="{FF2B5EF4-FFF2-40B4-BE49-F238E27FC236}">
+                <a16:creationId xmlns:a16="http://schemas.microsoft.com/office/drawing/2014/main" id="{2AA5983E-DC96-4040-8099-B781A74A14AF}"/>
+              </a:ext>
+            </a:extLst>
+          </p:cNvPr>
+          <p:cNvSpPr>
+            <a:spLocks noGrp="1"/>
+          </p:cNvSpPr>
+          <p:nvPr>
+            <p:ph type="title"/>
+          </p:nvPr>
+        </p:nvSpPr>
+        <p:spPr/>
+        <p:txBody>
+          <a:bodyPr/>
+          <a:lstStyle/>
+          <a:p>
+            <a:r>
+              <a:rPr lang="es-AR" dirty="0" err="1"/>
+              <a:t>Deepstack</a:t>
+            </a:r>
+            <a:endParaRPr lang="es-AR" dirty="0"/>
+          </a:p>
+        </p:txBody>
+      </p:sp>
+      <p:sp>
+        <p:nvSpPr>
+          <p:cNvPr id="3" name="Marcador de contenido 2">
+            <a:extLst>
+              <a:ext uri="{FF2B5EF4-FFF2-40B4-BE49-F238E27FC236}">
+                <a16:creationId xmlns:a16="http://schemas.microsoft.com/office/drawing/2014/main" id="{B7FE105A-E1E0-4713-B1A5-A8941FE5B997}"/>
+              </a:ext>
+            </a:extLst>
+          </p:cNvPr>
+          <p:cNvSpPr>
+            <a:spLocks noGrp="1"/>
+          </p:cNvSpPr>
+          <p:nvPr>
+            <p:ph idx="1"/>
+          </p:nvPr>
+        </p:nvSpPr>
+        <p:spPr/>
+        <p:txBody>
+          <a:bodyPr>
+            <a:normAutofit fontScale="62500" lnSpcReduction="20000"/>
+          </a:bodyPr>
+          <a:lstStyle/>
+          <a:p>
+            <a:r>
+              <a:rPr lang="en-US" dirty="0"/>
+              <a:t>“The correct decision at a particular moment depends upon the probability distribution over private information that the opponent holds, which is revealed through their past actions. However, how our opponent’s actions reveal that information depends upon their knowledge of our private information and how our actions reveal it.”</a:t>
+            </a:r>
+          </a:p>
+          <a:p>
+            <a:r>
+              <a:rPr lang="es-AR" dirty="0">
+                <a:hlinkClick r:id="rId2"/>
+              </a:rPr>
+              <a:t>https://static1.squarespace.com/static/58a75073e6f2e1c1d5b36630/t/58b7a3dce3df28761dd25e54/1488430045412/DeepStack.pdf</a:t>
+            </a:r>
+            <a:endParaRPr lang="es-AR" dirty="0"/>
+          </a:p>
+          <a:p>
+            <a:endParaRPr lang="es-AR" dirty="0"/>
+          </a:p>
+          <a:p>
+            <a:r>
+              <a:rPr lang="en-US" b="1" dirty="0"/>
+              <a:t>the common response is to solve a smaller, abstracted game</a:t>
+            </a:r>
+            <a:r>
+              <a:rPr lang="en-US" dirty="0"/>
+              <a:t>. (</a:t>
+            </a:r>
+            <a:r>
+              <a:rPr lang="en-US" dirty="0" err="1"/>
+              <a:t>ie</a:t>
+            </a:r>
+            <a:r>
+              <a:rPr lang="en-US" b="1" dirty="0" err="1"/>
+              <a:t>HUNL’s</a:t>
+            </a:r>
+            <a:r>
+              <a:rPr lang="en-US" b="1" dirty="0"/>
+              <a:t> 10^160 situations down to the order of 10^14 abstract situations)</a:t>
+            </a:r>
+          </a:p>
+          <a:p>
+            <a:endParaRPr lang="en-US" b="1" dirty="0"/>
+          </a:p>
+          <a:p>
+            <a:r>
+              <a:rPr lang="en-US" b="1" dirty="0"/>
+              <a:t>Regret is delta between max utility over all possible actions and action taken (q </a:t>
+            </a:r>
+            <a:r>
+              <a:rPr lang="en-US" b="1" dirty="0" err="1"/>
+              <a:t>learnign</a:t>
+            </a:r>
+            <a:r>
+              <a:rPr lang="en-US" b="1" dirty="0"/>
+              <a:t>=). Minimizing regret (</a:t>
+            </a:r>
+            <a:r>
+              <a:rPr lang="en-US" b="1" dirty="0" err="1"/>
+              <a:t>cfr</a:t>
+            </a:r>
+            <a:r>
+              <a:rPr lang="en-US" b="1" dirty="0"/>
+              <a:t>) leads to </a:t>
+            </a:r>
+            <a:r>
+              <a:rPr lang="en-US" b="1" dirty="0" err="1"/>
+              <a:t>nash</a:t>
+            </a:r>
+            <a:r>
+              <a:rPr lang="en-US" b="1" dirty="0"/>
+              <a:t> equilibrium with perfect recall and zero sum </a:t>
+            </a:r>
+            <a:r>
+              <a:rPr lang="en-US" b="1" dirty="0" err="1"/>
+              <a:t>pero</a:t>
+            </a:r>
+            <a:r>
+              <a:rPr lang="en-US" b="1" dirty="0"/>
+              <a:t> </a:t>
+            </a:r>
+            <a:r>
+              <a:rPr lang="en-US" b="1" dirty="0" err="1"/>
+              <a:t>igual</a:t>
+            </a:r>
+            <a:r>
+              <a:rPr lang="en-US" b="1" dirty="0"/>
+              <a:t> son </a:t>
+            </a:r>
+            <a:r>
+              <a:rPr lang="en-US" b="1" dirty="0" err="1"/>
+              <a:t>robustos</a:t>
+            </a:r>
+            <a:r>
+              <a:rPr lang="en-US" b="1" dirty="0"/>
+              <a:t> </a:t>
+            </a:r>
+            <a:r>
+              <a:rPr lang="en-US" b="1" dirty="0" err="1"/>
+              <a:t>si</a:t>
+            </a:r>
+            <a:r>
+              <a:rPr lang="en-US" b="1" dirty="0"/>
+              <a:t> se </a:t>
+            </a:r>
+            <a:r>
+              <a:rPr lang="en-US" b="1" dirty="0" err="1"/>
+              <a:t>relajan</a:t>
+            </a:r>
+            <a:r>
+              <a:rPr lang="en-US" b="1" dirty="0"/>
+              <a:t> </a:t>
+            </a:r>
+            <a:r>
+              <a:rPr lang="en-US" b="1" dirty="0" err="1"/>
+              <a:t>esas</a:t>
+            </a:r>
+            <a:r>
+              <a:rPr lang="en-US" b="1" dirty="0"/>
+              <a:t> </a:t>
+            </a:r>
+            <a:r>
+              <a:rPr lang="en-US" b="1" dirty="0" err="1"/>
+              <a:t>condiciones</a:t>
+            </a:r>
+            <a:r>
+              <a:rPr lang="en-US" b="1" dirty="0"/>
+              <a:t>. Regret scales with information sets instead of state</a:t>
+            </a:r>
+          </a:p>
+          <a:p>
+            <a:endParaRPr lang="en-US" b="1" dirty="0"/>
+          </a:p>
+          <a:p>
+            <a:r>
+              <a:rPr lang="en-US" dirty="0"/>
+              <a:t>There is no guarantee that CFR will generate a multiplayer ε-Nash equilibrium </a:t>
+            </a:r>
+            <a:r>
+              <a:rPr lang="en-US" dirty="0" err="1"/>
+              <a:t>strategy,even</a:t>
+            </a:r>
+            <a:r>
+              <a:rPr lang="en-US" dirty="0"/>
+              <a:t> if CFR could compute a multiplayer equilibrium strategy profile, there is no guarantee that one of the strategies would be robust against arbitrary opponents</a:t>
+            </a:r>
+          </a:p>
+          <a:p>
+            <a:r>
+              <a:rPr lang="en-US" dirty="0"/>
+              <a:t>CFR was created to compute ε-Nash equilibria for two-player zero-sum, perfect recall games. We have shown that it has the potential to compute winning strategies in 3-player zero-sum games using both perfect recall and imperfect recall abstractions</a:t>
+            </a:r>
+          </a:p>
+          <a:p>
+            <a:r>
+              <a:rPr lang="es-AR" dirty="0">
+                <a:hlinkClick r:id="rId3"/>
+              </a:rPr>
+              <a:t>http://webdocs.cs.ualberta.ca/~duane/publications/pdf/2010aamas.pdf</a:t>
+            </a:r>
+            <a:endParaRPr lang="es-AR" dirty="0"/>
+          </a:p>
+        </p:txBody>
+      </p:sp>
+    </p:spTree>
+    <p:extLst>
+      <p:ext uri="{BB962C8B-B14F-4D97-AF65-F5344CB8AC3E}">
+        <p14:creationId xmlns:p14="http://schemas.microsoft.com/office/powerpoint/2010/main" val="1728062783"/>
+      </p:ext>
+    </p:extLst>
+  </p:cSld>
+  <p:clrMapOvr>
+    <a:masterClrMapping/>
+  </p:clrMapOvr>
+</p:sld>
+</file>
+
+<file path=ppt/slides/slide25.xml><?xml version="1.0" encoding="utf-8"?>
+<p:sld xmlns:a="http://schemas.openxmlformats.org/drawingml/2006/main" xmlns:r="http://schemas.openxmlformats.org/officeDocument/2006/relationships" xmlns:p="http://schemas.openxmlformats.org/presentationml/2006/main">
+  <p:cSld>
+    <p:spTree>
+      <p:nvGrpSpPr>
+        <p:cNvPr id="1" name=""/>
+        <p:cNvGrpSpPr/>
+        <p:nvPr/>
+      </p:nvGrpSpPr>
+      <p:grpSpPr>
+        <a:xfrm>
+          <a:off x="0" y="0"/>
+          <a:ext cx="0" cy="0"/>
+          <a:chOff x="0" y="0"/>
+          <a:chExt cx="0" cy="0"/>
+        </a:xfrm>
+      </p:grpSpPr>
+      <p:sp>
+        <p:nvSpPr>
+          <p:cNvPr id="2" name="Título 1">
+            <a:extLst>
+              <a:ext uri="{FF2B5EF4-FFF2-40B4-BE49-F238E27FC236}">
+                <a16:creationId xmlns:a16="http://schemas.microsoft.com/office/drawing/2014/main" id="{2AA5983E-DC96-4040-8099-B781A74A14AF}"/>
+              </a:ext>
+            </a:extLst>
+          </p:cNvPr>
+          <p:cNvSpPr>
+            <a:spLocks noGrp="1"/>
+          </p:cNvSpPr>
+          <p:nvPr>
+            <p:ph type="title"/>
+          </p:nvPr>
+        </p:nvSpPr>
+        <p:spPr/>
+        <p:txBody>
+          <a:bodyPr/>
+          <a:lstStyle/>
+          <a:p>
+            <a:r>
+              <a:rPr lang="es-AR" dirty="0" err="1"/>
+              <a:t>Deepstack</a:t>
+            </a:r>
+            <a:endParaRPr lang="es-AR" dirty="0"/>
+          </a:p>
+        </p:txBody>
+      </p:sp>
+      <p:sp>
+        <p:nvSpPr>
+          <p:cNvPr id="3" name="Marcador de contenido 2">
+            <a:extLst>
+              <a:ext uri="{FF2B5EF4-FFF2-40B4-BE49-F238E27FC236}">
+                <a16:creationId xmlns:a16="http://schemas.microsoft.com/office/drawing/2014/main" id="{B7FE105A-E1E0-4713-B1A5-A8941FE5B997}"/>
+              </a:ext>
+            </a:extLst>
+          </p:cNvPr>
+          <p:cNvSpPr>
+            <a:spLocks noGrp="1"/>
+          </p:cNvSpPr>
+          <p:nvPr>
+            <p:ph idx="1"/>
+          </p:nvPr>
+        </p:nvSpPr>
+        <p:spPr/>
+        <p:txBody>
+          <a:bodyPr>
+            <a:normAutofit fontScale="92500"/>
+          </a:bodyPr>
+          <a:lstStyle/>
+          <a:p>
+            <a:r>
+              <a:rPr lang="en-US" dirty="0"/>
+              <a:t>The </a:t>
+            </a:r>
+            <a:r>
+              <a:rPr lang="en-US" dirty="0" err="1"/>
+              <a:t>DeepStack</a:t>
+            </a:r>
+            <a:r>
+              <a:rPr lang="en-US" dirty="0"/>
+              <a:t> algorithm (Fig. 2) is composed of three ingredients: a sound local strategy computation for the current public state, depth-limited lookahead using a learned value function to avoid reasoning to the end of the game, and a restricted set of lookahead actions. At a conceptual level these three ingredients describe heuristic search, which is responsible for many of AI’s successes in perfect information games.</a:t>
+            </a:r>
+          </a:p>
+          <a:p>
+            <a:endParaRPr lang="en-US" dirty="0"/>
+          </a:p>
+          <a:p>
+            <a:r>
+              <a:rPr lang="en-US" dirty="0" err="1"/>
+              <a:t>DeepStack</a:t>
+            </a:r>
+            <a:r>
+              <a:rPr lang="en-US" dirty="0"/>
+              <a:t> uses a standard feedforward network with seven fully connected hidden layers each with 500 nodes and parametric rectified linear units (32) for the output.</a:t>
+            </a:r>
+          </a:p>
+          <a:p>
+            <a:r>
+              <a:rPr lang="en-US" dirty="0"/>
+              <a:t>. The network’s inputs are the pot size as a fraction of the players’ total stacks and an encoding of the players’ ranges as a function of the public cards. The ranges are encoded by clustering hands into 1,000 buckets, as in traditional abstraction methods (27, 28, 33), and input as a vector of probabilities over the buckets </a:t>
+            </a:r>
+            <a:endParaRPr lang="es-AR" dirty="0"/>
+          </a:p>
+        </p:txBody>
+      </p:sp>
+    </p:spTree>
+    <p:extLst>
+      <p:ext uri="{BB962C8B-B14F-4D97-AF65-F5344CB8AC3E}">
+        <p14:creationId xmlns:p14="http://schemas.microsoft.com/office/powerpoint/2010/main" val="2777734968"/>
+      </p:ext>
+    </p:extLst>
+  </p:cSld>
+  <p:clrMapOvr>
+    <a:masterClrMapping/>
+  </p:clrMapOvr>
+</p:sld>
+</file>
+
+<file path=ppt/slides/slide26.xml><?xml version="1.0" encoding="utf-8"?>
+<p:sld xmlns:a="http://schemas.openxmlformats.org/drawingml/2006/main" xmlns:r="http://schemas.openxmlformats.org/officeDocument/2006/relationships" xmlns:p="http://schemas.openxmlformats.org/presentationml/2006/main">
+  <p:cSld>
+    <p:spTree>
+      <p:nvGrpSpPr>
+        <p:cNvPr id="1" name=""/>
+        <p:cNvGrpSpPr/>
+        <p:nvPr/>
+      </p:nvGrpSpPr>
+      <p:grpSpPr>
+        <a:xfrm>
+          <a:off x="0" y="0"/>
+          <a:ext cx="0" cy="0"/>
+          <a:chOff x="0" y="0"/>
+          <a:chExt cx="0" cy="0"/>
+        </a:xfrm>
+      </p:grpSpPr>
+      <p:sp>
+        <p:nvSpPr>
+          <p:cNvPr id="4" name="Título 3">
+            <a:extLst>
+              <a:ext uri="{FF2B5EF4-FFF2-40B4-BE49-F238E27FC236}">
+                <a16:creationId xmlns:a16="http://schemas.microsoft.com/office/drawing/2014/main" id="{6608FDAC-5D8A-419D-83A5-AB72738CF6AC}"/>
+              </a:ext>
+            </a:extLst>
+          </p:cNvPr>
+          <p:cNvSpPr>
+            <a:spLocks noGrp="1"/>
+          </p:cNvSpPr>
+          <p:nvPr>
+            <p:ph type="ctrTitle"/>
+          </p:nvPr>
+        </p:nvSpPr>
+        <p:spPr/>
+        <p:txBody>
+          <a:bodyPr/>
+          <a:lstStyle/>
+          <a:p>
+            <a:r>
+              <a:rPr lang="es-AR" dirty="0"/>
+              <a:t>Ideas </a:t>
+            </a:r>
+            <a:r>
+              <a:rPr lang="es-AR" dirty="0" err="1"/>
+              <a:t>mias</a:t>
+            </a:r>
+            <a:endParaRPr lang="en-US" dirty="0"/>
+          </a:p>
+        </p:txBody>
+      </p:sp>
+      <p:sp>
+        <p:nvSpPr>
+          <p:cNvPr id="5" name="Subtítulo 4">
+            <a:extLst>
+              <a:ext uri="{FF2B5EF4-FFF2-40B4-BE49-F238E27FC236}">
+                <a16:creationId xmlns:a16="http://schemas.microsoft.com/office/drawing/2014/main" id="{9966B9BB-FB3E-48CC-BA6C-EE833E26026D}"/>
+              </a:ext>
+            </a:extLst>
+          </p:cNvPr>
+          <p:cNvSpPr>
+            <a:spLocks noGrp="1"/>
+          </p:cNvSpPr>
+          <p:nvPr>
+            <p:ph type="subTitle" idx="1"/>
+          </p:nvPr>
+        </p:nvSpPr>
+        <p:spPr/>
+        <p:txBody>
+          <a:bodyPr/>
+          <a:lstStyle/>
+          <a:p>
+            <a:endParaRPr lang="en-US"/>
+          </a:p>
+        </p:txBody>
+      </p:sp>
+    </p:spTree>
+    <p:extLst>
+      <p:ext uri="{BB962C8B-B14F-4D97-AF65-F5344CB8AC3E}">
+        <p14:creationId xmlns:p14="http://schemas.microsoft.com/office/powerpoint/2010/main" val="2119756742"/>
+      </p:ext>
+    </p:extLst>
+  </p:cSld>
+  <p:clrMapOvr>
+    <a:masterClrMapping/>
+  </p:clrMapOvr>
+</p:sld>
+</file>
+
+<file path=ppt/slides/slide27.xml><?xml version="1.0" encoding="utf-8"?>
 <p:sld xmlns:a="http://schemas.openxmlformats.org/drawingml/2006/main" xmlns:r="http://schemas.openxmlformats.org/officeDocument/2006/relationships" xmlns:p="http://schemas.openxmlformats.org/presentationml/2006/main">
   <p:cSld>
     <p:spTree>
@@ -13865,7 +15423,7 @@
 </p:sld>
 </file>
 
-<file path=ppt/slides/slide22.xml><?xml version="1.0" encoding="utf-8"?>
+<file path=ppt/slides/slide28.xml><?xml version="1.0" encoding="utf-8"?>
 <p:sld xmlns:a="http://schemas.openxmlformats.org/drawingml/2006/main" xmlns:r="http://schemas.openxmlformats.org/officeDocument/2006/relationships" xmlns:p="http://schemas.openxmlformats.org/presentationml/2006/main">
   <p:cSld>
     <p:spTree>
@@ -14169,7 +15727,7 @@
 </p:sld>
 </file>
 
-<file path=ppt/slides/slide23.xml><?xml version="1.0" encoding="utf-8"?>
+<file path=ppt/slides/slide29.xml><?xml version="1.0" encoding="utf-8"?>
 <p:sld xmlns:a="http://schemas.openxmlformats.org/drawingml/2006/main" xmlns:r="http://schemas.openxmlformats.org/officeDocument/2006/relationships" xmlns:p="http://schemas.openxmlformats.org/presentationml/2006/main">
   <p:cSld>
     <p:spTree>
@@ -14489,1029 +16047,6 @@
     <p:extLst>
       <p:ext uri="{BB962C8B-B14F-4D97-AF65-F5344CB8AC3E}">
         <p14:creationId xmlns:p14="http://schemas.microsoft.com/office/powerpoint/2010/main" val="1704670810"/>
-      </p:ext>
-    </p:extLst>
-  </p:cSld>
-  <p:clrMapOvr>
-    <a:masterClrMapping/>
-  </p:clrMapOvr>
-</p:sld>
-</file>
-
-<file path=ppt/slides/slide24.xml><?xml version="1.0" encoding="utf-8"?>
-<p:sld xmlns:a="http://schemas.openxmlformats.org/drawingml/2006/main" xmlns:r="http://schemas.openxmlformats.org/officeDocument/2006/relationships" xmlns:p="http://schemas.openxmlformats.org/presentationml/2006/main">
-  <p:cSld>
-    <p:spTree>
-      <p:nvGrpSpPr>
-        <p:cNvPr id="1" name=""/>
-        <p:cNvGrpSpPr/>
-        <p:nvPr/>
-      </p:nvGrpSpPr>
-      <p:grpSpPr>
-        <a:xfrm>
-          <a:off x="0" y="0"/>
-          <a:ext cx="0" cy="0"/>
-          <a:chOff x="0" y="0"/>
-          <a:chExt cx="0" cy="0"/>
-        </a:xfrm>
-      </p:grpSpPr>
-      <p:sp>
-        <p:nvSpPr>
-          <p:cNvPr id="4" name="Título 3">
-            <a:extLst>
-              <a:ext uri="{FF2B5EF4-FFF2-40B4-BE49-F238E27FC236}">
-                <a16:creationId xmlns:a16="http://schemas.microsoft.com/office/drawing/2014/main" id="{8C9D3B33-5A58-475B-BFA1-115AE377CC90}"/>
-              </a:ext>
-            </a:extLst>
-          </p:cNvPr>
-          <p:cNvSpPr>
-            <a:spLocks noGrp="1"/>
-          </p:cNvSpPr>
-          <p:nvPr>
-            <p:ph type="ctrTitle"/>
-          </p:nvPr>
-        </p:nvSpPr>
-        <p:spPr/>
-        <p:txBody>
-          <a:bodyPr/>
-          <a:lstStyle/>
-          <a:p>
-            <a:r>
-              <a:rPr lang="es-AR" dirty="0" err="1"/>
-              <a:t>Libratus</a:t>
-            </a:r>
-            <a:endParaRPr lang="en-US" dirty="0"/>
-          </a:p>
-        </p:txBody>
-      </p:sp>
-      <p:sp>
-        <p:nvSpPr>
-          <p:cNvPr id="5" name="Subtítulo 4">
-            <a:extLst>
-              <a:ext uri="{FF2B5EF4-FFF2-40B4-BE49-F238E27FC236}">
-                <a16:creationId xmlns:a16="http://schemas.microsoft.com/office/drawing/2014/main" id="{4A236FC4-1925-4C70-9196-015FD832117F}"/>
-              </a:ext>
-            </a:extLst>
-          </p:cNvPr>
-          <p:cNvSpPr>
-            <a:spLocks noGrp="1"/>
-          </p:cNvSpPr>
-          <p:nvPr>
-            <p:ph type="subTitle" idx="1"/>
-          </p:nvPr>
-        </p:nvSpPr>
-        <p:spPr/>
-        <p:txBody>
-          <a:bodyPr/>
-          <a:lstStyle/>
-          <a:p>
-            <a:endParaRPr lang="en-US"/>
-          </a:p>
-        </p:txBody>
-      </p:sp>
-    </p:spTree>
-    <p:extLst>
-      <p:ext uri="{BB962C8B-B14F-4D97-AF65-F5344CB8AC3E}">
-        <p14:creationId xmlns:p14="http://schemas.microsoft.com/office/powerpoint/2010/main" val="3720746413"/>
-      </p:ext>
-    </p:extLst>
-  </p:cSld>
-  <p:clrMapOvr>
-    <a:masterClrMapping/>
-  </p:clrMapOvr>
-</p:sld>
-</file>
-
-<file path=ppt/slides/slide25.xml><?xml version="1.0" encoding="utf-8"?>
-<p:sld xmlns:a="http://schemas.openxmlformats.org/drawingml/2006/main" xmlns:r="http://schemas.openxmlformats.org/officeDocument/2006/relationships" xmlns:p="http://schemas.openxmlformats.org/presentationml/2006/main">
-  <p:cSld>
-    <p:spTree>
-      <p:nvGrpSpPr>
-        <p:cNvPr id="1" name=""/>
-        <p:cNvGrpSpPr/>
-        <p:nvPr/>
-      </p:nvGrpSpPr>
-      <p:grpSpPr>
-        <a:xfrm>
-          <a:off x="0" y="0"/>
-          <a:ext cx="0" cy="0"/>
-          <a:chOff x="0" y="0"/>
-          <a:chExt cx="0" cy="0"/>
-        </a:xfrm>
-      </p:grpSpPr>
-      <p:sp>
-        <p:nvSpPr>
-          <p:cNvPr id="2" name="Título 1">
-            <a:extLst>
-              <a:ext uri="{FF2B5EF4-FFF2-40B4-BE49-F238E27FC236}">
-                <a16:creationId xmlns:a16="http://schemas.microsoft.com/office/drawing/2014/main" id="{3732D6B7-2C5A-4C81-8262-A49D9E320C78}"/>
-              </a:ext>
-            </a:extLst>
-          </p:cNvPr>
-          <p:cNvSpPr>
-            <a:spLocks noGrp="1"/>
-          </p:cNvSpPr>
-          <p:nvPr>
-            <p:ph type="title"/>
-          </p:nvPr>
-        </p:nvSpPr>
-        <p:spPr/>
-        <p:txBody>
-          <a:bodyPr/>
-          <a:lstStyle/>
-          <a:p>
-            <a:r>
-              <a:rPr lang="es-AR" dirty="0" err="1"/>
-              <a:t>Libratus</a:t>
-            </a:r>
-            <a:r>
-              <a:rPr lang="es-AR" dirty="0"/>
-              <a:t> Enero 2017 </a:t>
-            </a:r>
-          </a:p>
-        </p:txBody>
-      </p:sp>
-      <p:sp>
-        <p:nvSpPr>
-          <p:cNvPr id="3" name="Marcador de contenido 2">
-            <a:extLst>
-              <a:ext uri="{FF2B5EF4-FFF2-40B4-BE49-F238E27FC236}">
-                <a16:creationId xmlns:a16="http://schemas.microsoft.com/office/drawing/2014/main" id="{BFD15FA8-8625-4E3E-93F9-263B404A9F8A}"/>
-              </a:ext>
-            </a:extLst>
-          </p:cNvPr>
-          <p:cNvSpPr>
-            <a:spLocks noGrp="1"/>
-          </p:cNvSpPr>
-          <p:nvPr>
-            <p:ph idx="1"/>
-          </p:nvPr>
-        </p:nvSpPr>
-        <p:spPr/>
-        <p:txBody>
-          <a:bodyPr>
-            <a:normAutofit fontScale="77500" lnSpcReduction="20000"/>
-          </a:bodyPr>
-          <a:lstStyle/>
-          <a:p>
-            <a:r>
-              <a:rPr lang="en-US" i="1" dirty="0"/>
-              <a:t>“But in a complicated game like poker, if you’re able to play the Nash equilibrium strategy, then it’s likely your opponent will make mistakes. But playing the Nash equilibrium strategy, you will, in practice, win, because you’re playing the perfect strategy. </a:t>
-            </a:r>
-            <a:r>
-              <a:rPr lang="en-US" b="1" i="1" dirty="0"/>
-              <a:t>So, we’re not trying to adapt to the opponent. </a:t>
-            </a:r>
-            <a:r>
-              <a:rPr lang="en-US" i="1" dirty="0"/>
-              <a:t>In fact, during the competition, </a:t>
-            </a:r>
-            <a:r>
-              <a:rPr lang="en-US" b="1" i="1" dirty="0"/>
-              <a:t>we never looked at the cards the opponent had</a:t>
-            </a:r>
-            <a:r>
-              <a:rPr lang="en-US" i="1" dirty="0"/>
-              <a:t>, for example. </a:t>
-            </a:r>
-            <a:r>
-              <a:rPr lang="en-US" b="1" i="1" dirty="0"/>
-              <a:t>We never cared which player we were playing against</a:t>
-            </a:r>
-            <a:r>
-              <a:rPr lang="en-US" i="1" dirty="0"/>
-              <a:t>. We </a:t>
-            </a:r>
-            <a:r>
-              <a:rPr lang="en-US" b="1" i="1" dirty="0"/>
-              <a:t>were always playing the same exact strategy no matter who the opponent was</a:t>
-            </a:r>
-            <a:r>
-              <a:rPr lang="en-US" i="1" dirty="0"/>
-              <a:t>.”</a:t>
-            </a:r>
-          </a:p>
-          <a:p>
-            <a:r>
-              <a:rPr lang="en-US" i="1" dirty="0"/>
-              <a:t>Noam Brown, co-</a:t>
-            </a:r>
-            <a:r>
-              <a:rPr lang="en-US" i="1" dirty="0" err="1"/>
-              <a:t>creador</a:t>
-            </a:r>
-            <a:r>
-              <a:rPr lang="en-US" i="1" dirty="0"/>
-              <a:t> de </a:t>
-            </a:r>
-            <a:r>
-              <a:rPr lang="en-US" i="1" dirty="0" err="1"/>
-              <a:t>Libratus</a:t>
-            </a:r>
-            <a:endParaRPr lang="en-US" i="1" dirty="0"/>
-          </a:p>
-          <a:p>
-            <a:r>
-              <a:rPr lang="es-AR" dirty="0">
-                <a:hlinkClick r:id="rId2"/>
-              </a:rPr>
-              <a:t>https://towardsdatascience.com/playing-poker-on-mars-how-ai-mastered-the-game-52f66659f8f4</a:t>
-            </a:r>
-            <a:endParaRPr lang="es-AR" dirty="0"/>
-          </a:p>
-          <a:p>
-            <a:endParaRPr lang="es-AR" dirty="0"/>
-          </a:p>
-          <a:p>
-            <a:r>
-              <a:rPr lang="en-US" dirty="0"/>
-              <a:t>“Using Counterfactual Regret Minimization to Create Competitive Multiplayer Poker Agents”</a:t>
-            </a:r>
-          </a:p>
-          <a:p>
-            <a:r>
-              <a:rPr lang="es-AR" dirty="0">
-                <a:hlinkClick r:id="rId3"/>
-              </a:rPr>
-              <a:t>http://webdocs.cs.ualberta.ca/~duane/publications/pdf/2010aamas.pdf</a:t>
-            </a:r>
-            <a:endParaRPr lang="es-AR" dirty="0"/>
-          </a:p>
-          <a:p>
-            <a:endParaRPr lang="en-US" dirty="0"/>
-          </a:p>
-          <a:p>
-            <a:r>
-              <a:rPr lang="en-US" dirty="0"/>
-              <a:t>“</a:t>
-            </a:r>
-            <a:r>
-              <a:rPr lang="en-US" dirty="0" err="1"/>
-              <a:t>Libratus</a:t>
-            </a:r>
-            <a:r>
-              <a:rPr lang="en-US" dirty="0"/>
-              <a:t> uses a Monte Carlo-based variant that samples the game tree to get an approximate return for the subgame rather than enumerating every leaf node of the game tree”</a:t>
-            </a:r>
-            <a:endParaRPr lang="es-AR" dirty="0"/>
-          </a:p>
-          <a:p>
-            <a:r>
-              <a:rPr lang="es-AR" dirty="0">
-                <a:hlinkClick r:id="rId4"/>
-              </a:rPr>
-              <a:t>https://thegradient.pub/libratus-poker/</a:t>
-            </a:r>
-            <a:endParaRPr lang="es-AR" dirty="0"/>
-          </a:p>
-        </p:txBody>
-      </p:sp>
-    </p:spTree>
-    <p:extLst>
-      <p:ext uri="{BB962C8B-B14F-4D97-AF65-F5344CB8AC3E}">
-        <p14:creationId xmlns:p14="http://schemas.microsoft.com/office/powerpoint/2010/main" val="1073269125"/>
-      </p:ext>
-    </p:extLst>
-  </p:cSld>
-  <p:clrMapOvr>
-    <a:masterClrMapping/>
-  </p:clrMapOvr>
-</p:sld>
-</file>
-
-<file path=ppt/slides/slide26.xml><?xml version="1.0" encoding="utf-8"?>
-<p:sld xmlns:a="http://schemas.openxmlformats.org/drawingml/2006/main" xmlns:r="http://schemas.openxmlformats.org/officeDocument/2006/relationships" xmlns:p="http://schemas.openxmlformats.org/presentationml/2006/main">
-  <p:cSld>
-    <p:spTree>
-      <p:nvGrpSpPr>
-        <p:cNvPr id="1" name=""/>
-        <p:cNvGrpSpPr/>
-        <p:nvPr/>
-      </p:nvGrpSpPr>
-      <p:grpSpPr>
-        <a:xfrm>
-          <a:off x="0" y="0"/>
-          <a:ext cx="0" cy="0"/>
-          <a:chOff x="0" y="0"/>
-          <a:chExt cx="0" cy="0"/>
-        </a:xfrm>
-      </p:grpSpPr>
-      <p:sp>
-        <p:nvSpPr>
-          <p:cNvPr id="2" name="Título 1">
-            <a:extLst>
-              <a:ext uri="{FF2B5EF4-FFF2-40B4-BE49-F238E27FC236}">
-                <a16:creationId xmlns:a16="http://schemas.microsoft.com/office/drawing/2014/main" id="{AA43142E-7DE0-4F8B-8B42-DC711C504750}"/>
-              </a:ext>
-            </a:extLst>
-          </p:cNvPr>
-          <p:cNvSpPr>
-            <a:spLocks noGrp="1"/>
-          </p:cNvSpPr>
-          <p:nvPr>
-            <p:ph type="title"/>
-          </p:nvPr>
-        </p:nvSpPr>
-        <p:spPr/>
-        <p:txBody>
-          <a:bodyPr/>
-          <a:lstStyle/>
-          <a:p>
-            <a:r>
-              <a:rPr lang="es-AR" dirty="0" err="1"/>
-              <a:t>Libratus</a:t>
-            </a:r>
-            <a:endParaRPr lang="en-US" dirty="0"/>
-          </a:p>
-        </p:txBody>
-      </p:sp>
-      <p:sp>
-        <p:nvSpPr>
-          <p:cNvPr id="3" name="Marcador de contenido 2">
-            <a:extLst>
-              <a:ext uri="{FF2B5EF4-FFF2-40B4-BE49-F238E27FC236}">
-                <a16:creationId xmlns:a16="http://schemas.microsoft.com/office/drawing/2014/main" id="{52397C1C-48EF-4E2C-9E3C-E32E96FD4060}"/>
-              </a:ext>
-            </a:extLst>
-          </p:cNvPr>
-          <p:cNvSpPr>
-            <a:spLocks noGrp="1"/>
-          </p:cNvSpPr>
-          <p:nvPr>
-            <p:ph idx="1"/>
-          </p:nvPr>
-        </p:nvSpPr>
-        <p:spPr/>
-        <p:txBody>
-          <a:bodyPr>
-            <a:normAutofit fontScale="77500" lnSpcReduction="20000"/>
-          </a:bodyPr>
-          <a:lstStyle/>
-          <a:p>
-            <a:r>
-              <a:rPr lang="es-AR" dirty="0"/>
-              <a:t>Charla de Brown</a:t>
-            </a:r>
-          </a:p>
-          <a:p>
-            <a:r>
-              <a:rPr lang="en-US" dirty="0">
-                <a:hlinkClick r:id="rId2"/>
-              </a:rPr>
-              <a:t>https://www.youtube.com/watch?v=McV4a6umbAY</a:t>
-            </a:r>
-            <a:endParaRPr lang="en-US" dirty="0"/>
-          </a:p>
-          <a:p>
-            <a:endParaRPr lang="es-AR" dirty="0"/>
-          </a:p>
-          <a:p>
-            <a:r>
-              <a:rPr lang="es-AR" dirty="0"/>
-              <a:t>Cuando los estados son muchos se hacen simplificaciones. Un oponente humano puede notar esas simplificaciones y explotarlas. Por lo tanto se suele medir ganancia pero también </a:t>
-            </a:r>
-            <a:r>
-              <a:rPr lang="es-AR" dirty="0" err="1"/>
-              <a:t>explotabilidad</a:t>
-            </a:r>
-            <a:r>
-              <a:rPr lang="es-AR" dirty="0"/>
-              <a:t>. </a:t>
-            </a:r>
-          </a:p>
-          <a:p>
-            <a:endParaRPr lang="es-AR" dirty="0"/>
-          </a:p>
-          <a:p>
-            <a:r>
-              <a:rPr lang="es-AR" dirty="0"/>
-              <a:t>El </a:t>
-            </a:r>
-            <a:r>
-              <a:rPr lang="es-AR" dirty="0" err="1"/>
-              <a:t>Blueprint</a:t>
-            </a:r>
-            <a:r>
-              <a:rPr lang="es-AR" dirty="0"/>
-              <a:t> (la estrategia obtenida en tiempo real) es explotable pero igual sirve para ayudar al </a:t>
-            </a:r>
-            <a:r>
-              <a:rPr lang="es-AR" dirty="0" err="1"/>
-              <a:t>realtime</a:t>
-            </a:r>
-            <a:r>
-              <a:rPr lang="es-AR" dirty="0"/>
-              <a:t> Montecarlo </a:t>
-            </a:r>
-            <a:r>
-              <a:rPr lang="es-AR" dirty="0" err="1"/>
-              <a:t>search</a:t>
-            </a:r>
-            <a:r>
-              <a:rPr lang="es-AR" dirty="0"/>
-              <a:t>. </a:t>
-            </a:r>
-            <a:r>
-              <a:rPr lang="es-AR" dirty="0" err="1"/>
-              <a:t>Alphazero</a:t>
-            </a:r>
-            <a:r>
-              <a:rPr lang="es-AR" dirty="0"/>
-              <a:t> lo hacia, </a:t>
-            </a:r>
-            <a:r>
-              <a:rPr lang="es-AR" dirty="0" err="1"/>
-              <a:t>libratus</a:t>
-            </a:r>
-            <a:r>
-              <a:rPr lang="es-AR" dirty="0"/>
-              <a:t> lo hace. (usar </a:t>
-            </a:r>
-            <a:r>
-              <a:rPr lang="es-AR" dirty="0" err="1"/>
-              <a:t>search</a:t>
-            </a:r>
-            <a:r>
-              <a:rPr lang="es-AR" dirty="0"/>
-              <a:t> te hace 12x menos explotable!)</a:t>
-            </a:r>
-          </a:p>
-          <a:p>
-            <a:r>
-              <a:rPr lang="es-AR" dirty="0"/>
-              <a:t>CFR (2013) es para el </a:t>
-            </a:r>
-            <a:r>
-              <a:rPr lang="es-AR" dirty="0" err="1"/>
-              <a:t>blueprint</a:t>
-            </a:r>
-            <a:r>
-              <a:rPr lang="es-AR" dirty="0"/>
-              <a:t>, converge en 1/raíz(t). En T iteraciones te quedas </a:t>
-            </a:r>
-            <a:r>
-              <a:rPr lang="es-AR" dirty="0" err="1"/>
-              <a:t>within</a:t>
-            </a:r>
-            <a:r>
-              <a:rPr lang="es-AR" dirty="0"/>
-              <a:t> 1/raíz(t) del </a:t>
-            </a:r>
-            <a:r>
-              <a:rPr lang="es-AR" dirty="0" err="1"/>
-              <a:t>nash</a:t>
-            </a:r>
-            <a:endParaRPr lang="es-AR" dirty="0"/>
-          </a:p>
-          <a:p>
-            <a:r>
-              <a:rPr lang="es-AR" dirty="0" err="1"/>
-              <a:t>Safe</a:t>
-            </a:r>
-            <a:r>
-              <a:rPr lang="es-AR" dirty="0"/>
-              <a:t> </a:t>
-            </a:r>
-            <a:r>
-              <a:rPr lang="es-AR" dirty="0" err="1"/>
-              <a:t>subgame</a:t>
-            </a:r>
-            <a:r>
-              <a:rPr lang="es-AR" dirty="0"/>
-              <a:t> </a:t>
-            </a:r>
-            <a:r>
-              <a:rPr lang="es-AR" dirty="0" err="1"/>
-              <a:t>solving</a:t>
-            </a:r>
-            <a:r>
-              <a:rPr lang="es-AR" dirty="0"/>
-              <a:t> = que el Montecarlo </a:t>
-            </a:r>
-            <a:r>
-              <a:rPr lang="es-AR" dirty="0" err="1"/>
-              <a:t>search</a:t>
-            </a:r>
-            <a:r>
-              <a:rPr lang="es-AR" dirty="0"/>
-              <a:t> no agrega </a:t>
-            </a:r>
-            <a:r>
-              <a:rPr lang="es-AR" dirty="0" err="1"/>
-              <a:t>explotability</a:t>
-            </a:r>
-            <a:endParaRPr lang="es-AR" dirty="0"/>
-          </a:p>
-          <a:p>
-            <a:endParaRPr lang="es-AR" dirty="0"/>
-          </a:p>
-          <a:p>
-            <a:r>
-              <a:rPr lang="es-AR" dirty="0"/>
-              <a:t>Solución = </a:t>
-            </a:r>
-            <a:r>
-              <a:rPr lang="es-AR" dirty="0" err="1"/>
-              <a:t>Reach</a:t>
-            </a:r>
-            <a:r>
-              <a:rPr lang="es-AR" dirty="0"/>
-              <a:t> </a:t>
-            </a:r>
-            <a:r>
-              <a:rPr lang="es-AR" dirty="0" err="1"/>
-              <a:t>subgame</a:t>
-            </a:r>
-            <a:r>
-              <a:rPr lang="es-AR" dirty="0"/>
-              <a:t> </a:t>
-            </a:r>
-            <a:r>
-              <a:rPr lang="es-AR" dirty="0" err="1"/>
-              <a:t>solving</a:t>
-            </a:r>
-            <a:endParaRPr lang="es-AR" dirty="0"/>
-          </a:p>
-          <a:p>
-            <a:r>
-              <a:rPr lang="es-AR" dirty="0"/>
-              <a:t>Para que hace </a:t>
-            </a:r>
-            <a:r>
-              <a:rPr lang="es-AR" dirty="0" err="1"/>
-              <a:t>mindgames</a:t>
-            </a:r>
-            <a:r>
-              <a:rPr lang="es-AR" dirty="0"/>
-              <a:t> y adaptándonos si con un Nash ya ganas. </a:t>
-            </a:r>
-          </a:p>
-          <a:p>
-            <a:r>
-              <a:rPr lang="es-AR" dirty="0"/>
-              <a:t>Cada vez que haces suposiciones de </a:t>
-            </a:r>
-            <a:r>
-              <a:rPr lang="es-AR" dirty="0" err="1"/>
-              <a:t>estrategial</a:t>
-            </a:r>
-            <a:r>
-              <a:rPr lang="es-AR" dirty="0"/>
-              <a:t>, el oponente las puede cambiar y te explota </a:t>
-            </a:r>
-            <a:endParaRPr lang="en-US" dirty="0"/>
-          </a:p>
-        </p:txBody>
-      </p:sp>
-    </p:spTree>
-    <p:extLst>
-      <p:ext uri="{BB962C8B-B14F-4D97-AF65-F5344CB8AC3E}">
-        <p14:creationId xmlns:p14="http://schemas.microsoft.com/office/powerpoint/2010/main" val="1091744980"/>
-      </p:ext>
-    </p:extLst>
-  </p:cSld>
-  <p:clrMapOvr>
-    <a:masterClrMapping/>
-  </p:clrMapOvr>
-</p:sld>
-</file>
-
-<file path=ppt/slides/slide27.xml><?xml version="1.0" encoding="utf-8"?>
-<p:sld xmlns:a="http://schemas.openxmlformats.org/drawingml/2006/main" xmlns:r="http://schemas.openxmlformats.org/officeDocument/2006/relationships" xmlns:p="http://schemas.openxmlformats.org/presentationml/2006/main">
-  <p:cSld>
-    <p:spTree>
-      <p:nvGrpSpPr>
-        <p:cNvPr id="1" name=""/>
-        <p:cNvGrpSpPr/>
-        <p:nvPr/>
-      </p:nvGrpSpPr>
-      <p:grpSpPr>
-        <a:xfrm>
-          <a:off x="0" y="0"/>
-          <a:ext cx="0" cy="0"/>
-          <a:chOff x="0" y="0"/>
-          <a:chExt cx="0" cy="0"/>
-        </a:xfrm>
-      </p:grpSpPr>
-      <p:sp>
-        <p:nvSpPr>
-          <p:cNvPr id="4" name="Título 3">
-            <a:extLst>
-              <a:ext uri="{FF2B5EF4-FFF2-40B4-BE49-F238E27FC236}">
-                <a16:creationId xmlns:a16="http://schemas.microsoft.com/office/drawing/2014/main" id="{8C9D3B33-5A58-475B-BFA1-115AE377CC90}"/>
-              </a:ext>
-            </a:extLst>
-          </p:cNvPr>
-          <p:cNvSpPr>
-            <a:spLocks noGrp="1"/>
-          </p:cNvSpPr>
-          <p:nvPr>
-            <p:ph type="ctrTitle"/>
-          </p:nvPr>
-        </p:nvSpPr>
-        <p:spPr/>
-        <p:txBody>
-          <a:bodyPr/>
-          <a:lstStyle/>
-          <a:p>
-            <a:r>
-              <a:rPr lang="es-AR" dirty="0" err="1"/>
-              <a:t>Deepstack</a:t>
-            </a:r>
-            <a:endParaRPr lang="en-US" dirty="0"/>
-          </a:p>
-        </p:txBody>
-      </p:sp>
-      <p:sp>
-        <p:nvSpPr>
-          <p:cNvPr id="5" name="Subtítulo 4">
-            <a:extLst>
-              <a:ext uri="{FF2B5EF4-FFF2-40B4-BE49-F238E27FC236}">
-                <a16:creationId xmlns:a16="http://schemas.microsoft.com/office/drawing/2014/main" id="{4A236FC4-1925-4C70-9196-015FD832117F}"/>
-              </a:ext>
-            </a:extLst>
-          </p:cNvPr>
-          <p:cNvSpPr>
-            <a:spLocks noGrp="1"/>
-          </p:cNvSpPr>
-          <p:nvPr>
-            <p:ph type="subTitle" idx="1"/>
-          </p:nvPr>
-        </p:nvSpPr>
-        <p:spPr/>
-        <p:txBody>
-          <a:bodyPr/>
-          <a:lstStyle/>
-          <a:p>
-            <a:endParaRPr lang="en-US"/>
-          </a:p>
-        </p:txBody>
-      </p:sp>
-    </p:spTree>
-    <p:extLst>
-      <p:ext uri="{BB962C8B-B14F-4D97-AF65-F5344CB8AC3E}">
-        <p14:creationId xmlns:p14="http://schemas.microsoft.com/office/powerpoint/2010/main" val="2510303453"/>
-      </p:ext>
-    </p:extLst>
-  </p:cSld>
-  <p:clrMapOvr>
-    <a:masterClrMapping/>
-  </p:clrMapOvr>
-</p:sld>
-</file>
-
-<file path=ppt/slides/slide28.xml><?xml version="1.0" encoding="utf-8"?>
-<p:sld xmlns:a="http://schemas.openxmlformats.org/drawingml/2006/main" xmlns:r="http://schemas.openxmlformats.org/officeDocument/2006/relationships" xmlns:p="http://schemas.openxmlformats.org/presentationml/2006/main">
-  <p:cSld>
-    <p:spTree>
-      <p:nvGrpSpPr>
-        <p:cNvPr id="1" name=""/>
-        <p:cNvGrpSpPr/>
-        <p:nvPr/>
-      </p:nvGrpSpPr>
-      <p:grpSpPr>
-        <a:xfrm>
-          <a:off x="0" y="0"/>
-          <a:ext cx="0" cy="0"/>
-          <a:chOff x="0" y="0"/>
-          <a:chExt cx="0" cy="0"/>
-        </a:xfrm>
-      </p:grpSpPr>
-      <p:sp>
-        <p:nvSpPr>
-          <p:cNvPr id="2" name="Título 1">
-            <a:extLst>
-              <a:ext uri="{FF2B5EF4-FFF2-40B4-BE49-F238E27FC236}">
-                <a16:creationId xmlns:a16="http://schemas.microsoft.com/office/drawing/2014/main" id="{2AA5983E-DC96-4040-8099-B781A74A14AF}"/>
-              </a:ext>
-            </a:extLst>
-          </p:cNvPr>
-          <p:cNvSpPr>
-            <a:spLocks noGrp="1"/>
-          </p:cNvSpPr>
-          <p:nvPr>
-            <p:ph type="title"/>
-          </p:nvPr>
-        </p:nvSpPr>
-        <p:spPr/>
-        <p:txBody>
-          <a:bodyPr/>
-          <a:lstStyle/>
-          <a:p>
-            <a:r>
-              <a:rPr lang="es-AR" dirty="0" err="1"/>
-              <a:t>Deepstack</a:t>
-            </a:r>
-            <a:endParaRPr lang="es-AR" dirty="0"/>
-          </a:p>
-        </p:txBody>
-      </p:sp>
-      <p:sp>
-        <p:nvSpPr>
-          <p:cNvPr id="3" name="Marcador de contenido 2">
-            <a:extLst>
-              <a:ext uri="{FF2B5EF4-FFF2-40B4-BE49-F238E27FC236}">
-                <a16:creationId xmlns:a16="http://schemas.microsoft.com/office/drawing/2014/main" id="{B7FE105A-E1E0-4713-B1A5-A8941FE5B997}"/>
-              </a:ext>
-            </a:extLst>
-          </p:cNvPr>
-          <p:cNvSpPr>
-            <a:spLocks noGrp="1"/>
-          </p:cNvSpPr>
-          <p:nvPr>
-            <p:ph idx="1"/>
-          </p:nvPr>
-        </p:nvSpPr>
-        <p:spPr/>
-        <p:txBody>
-          <a:bodyPr>
-            <a:normAutofit fontScale="62500" lnSpcReduction="20000"/>
-          </a:bodyPr>
-          <a:lstStyle/>
-          <a:p>
-            <a:r>
-              <a:rPr lang="en-US" dirty="0"/>
-              <a:t>“The correct decision at a particular moment depends upon the probability distribution over private information that the opponent holds, which is revealed through their past actions. However, how our opponent’s actions reveal that information depends upon their knowledge of our private information and how our actions reveal it.”</a:t>
-            </a:r>
-          </a:p>
-          <a:p>
-            <a:r>
-              <a:rPr lang="es-AR" dirty="0">
-                <a:hlinkClick r:id="rId2"/>
-              </a:rPr>
-              <a:t>https://static1.squarespace.com/static/58a75073e6f2e1c1d5b36630/t/58b7a3dce3df28761dd25e54/1488430045412/DeepStack.pdf</a:t>
-            </a:r>
-            <a:endParaRPr lang="es-AR" dirty="0"/>
-          </a:p>
-          <a:p>
-            <a:endParaRPr lang="es-AR" dirty="0"/>
-          </a:p>
-          <a:p>
-            <a:r>
-              <a:rPr lang="en-US" b="1" dirty="0"/>
-              <a:t>the common response is to solve a smaller, abstracted game</a:t>
-            </a:r>
-            <a:r>
-              <a:rPr lang="en-US" dirty="0"/>
-              <a:t>. (</a:t>
-            </a:r>
-            <a:r>
-              <a:rPr lang="en-US" dirty="0" err="1"/>
-              <a:t>ie</a:t>
-            </a:r>
-            <a:r>
-              <a:rPr lang="en-US" b="1" dirty="0" err="1"/>
-              <a:t>HUNL’s</a:t>
-            </a:r>
-            <a:r>
-              <a:rPr lang="en-US" b="1" dirty="0"/>
-              <a:t> 10^160 situations down to the order of 10^14 abstract situations)</a:t>
-            </a:r>
-          </a:p>
-          <a:p>
-            <a:endParaRPr lang="en-US" b="1" dirty="0"/>
-          </a:p>
-          <a:p>
-            <a:r>
-              <a:rPr lang="en-US" b="1" dirty="0"/>
-              <a:t>Regret is delta between max utility over all possible actions and action taken (q </a:t>
-            </a:r>
-            <a:r>
-              <a:rPr lang="en-US" b="1" dirty="0" err="1"/>
-              <a:t>learnign</a:t>
-            </a:r>
-            <a:r>
-              <a:rPr lang="en-US" b="1" dirty="0"/>
-              <a:t>=). Minimizing regret (</a:t>
-            </a:r>
-            <a:r>
-              <a:rPr lang="en-US" b="1" dirty="0" err="1"/>
-              <a:t>cfr</a:t>
-            </a:r>
-            <a:r>
-              <a:rPr lang="en-US" b="1" dirty="0"/>
-              <a:t>) leads to </a:t>
-            </a:r>
-            <a:r>
-              <a:rPr lang="en-US" b="1" dirty="0" err="1"/>
-              <a:t>nash</a:t>
-            </a:r>
-            <a:r>
-              <a:rPr lang="en-US" b="1" dirty="0"/>
-              <a:t> equilibrium with perfect recall and zero sum </a:t>
-            </a:r>
-            <a:r>
-              <a:rPr lang="en-US" b="1" dirty="0" err="1"/>
-              <a:t>pero</a:t>
-            </a:r>
-            <a:r>
-              <a:rPr lang="en-US" b="1" dirty="0"/>
-              <a:t> </a:t>
-            </a:r>
-            <a:r>
-              <a:rPr lang="en-US" b="1" dirty="0" err="1"/>
-              <a:t>igual</a:t>
-            </a:r>
-            <a:r>
-              <a:rPr lang="en-US" b="1" dirty="0"/>
-              <a:t> son </a:t>
-            </a:r>
-            <a:r>
-              <a:rPr lang="en-US" b="1" dirty="0" err="1"/>
-              <a:t>robustos</a:t>
-            </a:r>
-            <a:r>
-              <a:rPr lang="en-US" b="1" dirty="0"/>
-              <a:t> </a:t>
-            </a:r>
-            <a:r>
-              <a:rPr lang="en-US" b="1" dirty="0" err="1"/>
-              <a:t>si</a:t>
-            </a:r>
-            <a:r>
-              <a:rPr lang="en-US" b="1" dirty="0"/>
-              <a:t> se </a:t>
-            </a:r>
-            <a:r>
-              <a:rPr lang="en-US" b="1" dirty="0" err="1"/>
-              <a:t>relajan</a:t>
-            </a:r>
-            <a:r>
-              <a:rPr lang="en-US" b="1" dirty="0"/>
-              <a:t> </a:t>
-            </a:r>
-            <a:r>
-              <a:rPr lang="en-US" b="1" dirty="0" err="1"/>
-              <a:t>esas</a:t>
-            </a:r>
-            <a:r>
-              <a:rPr lang="en-US" b="1" dirty="0"/>
-              <a:t> </a:t>
-            </a:r>
-            <a:r>
-              <a:rPr lang="en-US" b="1" dirty="0" err="1"/>
-              <a:t>condiciones</a:t>
-            </a:r>
-            <a:r>
-              <a:rPr lang="en-US" b="1" dirty="0"/>
-              <a:t>. Regret scales with information sets instead of state</a:t>
-            </a:r>
-          </a:p>
-          <a:p>
-            <a:endParaRPr lang="en-US" b="1" dirty="0"/>
-          </a:p>
-          <a:p>
-            <a:r>
-              <a:rPr lang="en-US" dirty="0"/>
-              <a:t>There is no guarantee that CFR will generate a multiplayer ε-Nash equilibrium </a:t>
-            </a:r>
-            <a:r>
-              <a:rPr lang="en-US" dirty="0" err="1"/>
-              <a:t>strategy,even</a:t>
-            </a:r>
-            <a:r>
-              <a:rPr lang="en-US" dirty="0"/>
-              <a:t> if CFR could compute a multiplayer equilibrium strategy profile, there is no guarantee that one of the strategies would be robust against arbitrary opponents</a:t>
-            </a:r>
-          </a:p>
-          <a:p>
-            <a:r>
-              <a:rPr lang="en-US" dirty="0"/>
-              <a:t>CFR was created to compute ε-Nash equilibria for two-player zero-sum, perfect recall games. We have shown that it has the potential to compute winning strategies in 3-player zero-sum games using both perfect recall and imperfect recall abstractions</a:t>
-            </a:r>
-          </a:p>
-          <a:p>
-            <a:r>
-              <a:rPr lang="es-AR" dirty="0">
-                <a:hlinkClick r:id="rId3"/>
-              </a:rPr>
-              <a:t>http://webdocs.cs.ualberta.ca/~duane/publications/pdf/2010aamas.pdf</a:t>
-            </a:r>
-            <a:endParaRPr lang="es-AR" dirty="0"/>
-          </a:p>
-        </p:txBody>
-      </p:sp>
-    </p:spTree>
-    <p:extLst>
-      <p:ext uri="{BB962C8B-B14F-4D97-AF65-F5344CB8AC3E}">
-        <p14:creationId xmlns:p14="http://schemas.microsoft.com/office/powerpoint/2010/main" val="1728062783"/>
-      </p:ext>
-    </p:extLst>
-  </p:cSld>
-  <p:clrMapOvr>
-    <a:masterClrMapping/>
-  </p:clrMapOvr>
-</p:sld>
-</file>
-
-<file path=ppt/slides/slide29.xml><?xml version="1.0" encoding="utf-8"?>
-<p:sld xmlns:a="http://schemas.openxmlformats.org/drawingml/2006/main" xmlns:r="http://schemas.openxmlformats.org/officeDocument/2006/relationships" xmlns:p="http://schemas.openxmlformats.org/presentationml/2006/main">
-  <p:cSld>
-    <p:spTree>
-      <p:nvGrpSpPr>
-        <p:cNvPr id="1" name=""/>
-        <p:cNvGrpSpPr/>
-        <p:nvPr/>
-      </p:nvGrpSpPr>
-      <p:grpSpPr>
-        <a:xfrm>
-          <a:off x="0" y="0"/>
-          <a:ext cx="0" cy="0"/>
-          <a:chOff x="0" y="0"/>
-          <a:chExt cx="0" cy="0"/>
-        </a:xfrm>
-      </p:grpSpPr>
-      <p:sp>
-        <p:nvSpPr>
-          <p:cNvPr id="2" name="Título 1">
-            <a:extLst>
-              <a:ext uri="{FF2B5EF4-FFF2-40B4-BE49-F238E27FC236}">
-                <a16:creationId xmlns:a16="http://schemas.microsoft.com/office/drawing/2014/main" id="{2AA5983E-DC96-4040-8099-B781A74A14AF}"/>
-              </a:ext>
-            </a:extLst>
-          </p:cNvPr>
-          <p:cNvSpPr>
-            <a:spLocks noGrp="1"/>
-          </p:cNvSpPr>
-          <p:nvPr>
-            <p:ph type="title"/>
-          </p:nvPr>
-        </p:nvSpPr>
-        <p:spPr/>
-        <p:txBody>
-          <a:bodyPr/>
-          <a:lstStyle/>
-          <a:p>
-            <a:r>
-              <a:rPr lang="es-AR" dirty="0" err="1"/>
-              <a:t>Deepstack</a:t>
-            </a:r>
-            <a:endParaRPr lang="es-AR" dirty="0"/>
-          </a:p>
-        </p:txBody>
-      </p:sp>
-      <p:sp>
-        <p:nvSpPr>
-          <p:cNvPr id="3" name="Marcador de contenido 2">
-            <a:extLst>
-              <a:ext uri="{FF2B5EF4-FFF2-40B4-BE49-F238E27FC236}">
-                <a16:creationId xmlns:a16="http://schemas.microsoft.com/office/drawing/2014/main" id="{B7FE105A-E1E0-4713-B1A5-A8941FE5B997}"/>
-              </a:ext>
-            </a:extLst>
-          </p:cNvPr>
-          <p:cNvSpPr>
-            <a:spLocks noGrp="1"/>
-          </p:cNvSpPr>
-          <p:nvPr>
-            <p:ph idx="1"/>
-          </p:nvPr>
-        </p:nvSpPr>
-        <p:spPr/>
-        <p:txBody>
-          <a:bodyPr>
-            <a:normAutofit fontScale="92500"/>
-          </a:bodyPr>
-          <a:lstStyle/>
-          <a:p>
-            <a:r>
-              <a:rPr lang="en-US" dirty="0"/>
-              <a:t>The </a:t>
-            </a:r>
-            <a:r>
-              <a:rPr lang="en-US" dirty="0" err="1"/>
-              <a:t>DeepStack</a:t>
-            </a:r>
-            <a:r>
-              <a:rPr lang="en-US" dirty="0"/>
-              <a:t> algorithm (Fig. 2) is composed of three ingredients: a sound local strategy computation for the current public state, depth-limited lookahead using a learned value function to avoid reasoning to the end of the game, and a restricted set of lookahead actions. At a conceptual level these three ingredients describe heuristic search, which is responsible for many of AI’s successes in perfect information games.</a:t>
-            </a:r>
-          </a:p>
-          <a:p>
-            <a:endParaRPr lang="en-US" dirty="0"/>
-          </a:p>
-          <a:p>
-            <a:r>
-              <a:rPr lang="en-US" dirty="0" err="1"/>
-              <a:t>DeepStack</a:t>
-            </a:r>
-            <a:r>
-              <a:rPr lang="en-US" dirty="0"/>
-              <a:t> uses a standard feedforward network with seven fully connected hidden layers each with 500 nodes and parametric rectified linear units (32) for the output.</a:t>
-            </a:r>
-          </a:p>
-          <a:p>
-            <a:r>
-              <a:rPr lang="en-US" dirty="0"/>
-              <a:t>. The network’s inputs are the pot size as a fraction of the players’ total stacks and an encoding of the players’ ranges as a function of the public cards. The ranges are encoded by clustering hands into 1,000 buckets, as in traditional abstraction methods (27, 28, 33), and input as a vector of probabilities over the buckets </a:t>
-            </a:r>
-            <a:endParaRPr lang="es-AR" dirty="0"/>
-          </a:p>
-        </p:txBody>
-      </p:sp>
-    </p:spTree>
-    <p:extLst>
-      <p:ext uri="{BB962C8B-B14F-4D97-AF65-F5344CB8AC3E}">
-        <p14:creationId xmlns:p14="http://schemas.microsoft.com/office/powerpoint/2010/main" val="2777734968"/>
       </p:ext>
     </p:extLst>
   </p:cSld>
@@ -15760,94 +16295,6 @@
       </p:grpSpPr>
       <p:sp>
         <p:nvSpPr>
-          <p:cNvPr id="4" name="Título 3">
-            <a:extLst>
-              <a:ext uri="{FF2B5EF4-FFF2-40B4-BE49-F238E27FC236}">
-                <a16:creationId xmlns:a16="http://schemas.microsoft.com/office/drawing/2014/main" id="{6608FDAC-5D8A-419D-83A5-AB72738CF6AC}"/>
-              </a:ext>
-            </a:extLst>
-          </p:cNvPr>
-          <p:cNvSpPr>
-            <a:spLocks noGrp="1"/>
-          </p:cNvSpPr>
-          <p:nvPr>
-            <p:ph type="ctrTitle"/>
-          </p:nvPr>
-        </p:nvSpPr>
-        <p:spPr/>
-        <p:txBody>
-          <a:bodyPr/>
-          <a:lstStyle/>
-          <a:p>
-            <a:r>
-              <a:rPr lang="es-AR" dirty="0"/>
-              <a:t>Ideas </a:t>
-            </a:r>
-            <a:r>
-              <a:rPr lang="es-AR" dirty="0" err="1"/>
-              <a:t>mias</a:t>
-            </a:r>
-            <a:endParaRPr lang="en-US" dirty="0"/>
-          </a:p>
-        </p:txBody>
-      </p:sp>
-      <p:sp>
-        <p:nvSpPr>
-          <p:cNvPr id="5" name="Subtítulo 4">
-            <a:extLst>
-              <a:ext uri="{FF2B5EF4-FFF2-40B4-BE49-F238E27FC236}">
-                <a16:creationId xmlns:a16="http://schemas.microsoft.com/office/drawing/2014/main" id="{9966B9BB-FB3E-48CC-BA6C-EE833E26026D}"/>
-              </a:ext>
-            </a:extLst>
-          </p:cNvPr>
-          <p:cNvSpPr>
-            <a:spLocks noGrp="1"/>
-          </p:cNvSpPr>
-          <p:nvPr>
-            <p:ph type="subTitle" idx="1"/>
-          </p:nvPr>
-        </p:nvSpPr>
-        <p:spPr/>
-        <p:txBody>
-          <a:bodyPr/>
-          <a:lstStyle/>
-          <a:p>
-            <a:endParaRPr lang="en-US"/>
-          </a:p>
-        </p:txBody>
-      </p:sp>
-    </p:spTree>
-    <p:extLst>
-      <p:ext uri="{BB962C8B-B14F-4D97-AF65-F5344CB8AC3E}">
-        <p14:creationId xmlns:p14="http://schemas.microsoft.com/office/powerpoint/2010/main" val="2119756742"/>
-      </p:ext>
-    </p:extLst>
-  </p:cSld>
-  <p:clrMapOvr>
-    <a:masterClrMapping/>
-  </p:clrMapOvr>
-</p:sld>
-</file>
-
-<file path=ppt/slides/slide31.xml><?xml version="1.0" encoding="utf-8"?>
-<p:sld xmlns:a="http://schemas.openxmlformats.org/drawingml/2006/main" xmlns:r="http://schemas.openxmlformats.org/officeDocument/2006/relationships" xmlns:p="http://schemas.openxmlformats.org/presentationml/2006/main">
-  <p:cSld>
-    <p:spTree>
-      <p:nvGrpSpPr>
-        <p:cNvPr id="1" name=""/>
-        <p:cNvGrpSpPr/>
-        <p:nvPr/>
-      </p:nvGrpSpPr>
-      <p:grpSpPr>
-        <a:xfrm>
-          <a:off x="0" y="0"/>
-          <a:ext cx="0" cy="0"/>
-          <a:chOff x="0" y="0"/>
-          <a:chExt cx="0" cy="0"/>
-        </a:xfrm>
-      </p:grpSpPr>
-      <p:sp>
-        <p:nvSpPr>
           <p:cNvPr id="2" name="Título 1">
             <a:extLst>
               <a:ext uri="{FF2B5EF4-FFF2-40B4-BE49-F238E27FC236}">
@@ -16013,7 +16460,7 @@
 </p:sld>
 </file>
 
-<file path=ppt/slides/slide32.xml><?xml version="1.0" encoding="utf-8"?>
+<file path=ppt/slides/slide31.xml><?xml version="1.0" encoding="utf-8"?>
 <p:sld xmlns:a="http://schemas.openxmlformats.org/drawingml/2006/main" xmlns:r="http://schemas.openxmlformats.org/officeDocument/2006/relationships" xmlns:p="http://schemas.openxmlformats.org/presentationml/2006/main">
   <p:cSld>
     <p:spTree>
@@ -16173,7 +16620,7 @@
 </p:sld>
 </file>
 
-<file path=ppt/slides/slide33.xml><?xml version="1.0" encoding="utf-8"?>
+<file path=ppt/slides/slide32.xml><?xml version="1.0" encoding="utf-8"?>
 <p:sld xmlns:a="http://schemas.openxmlformats.org/drawingml/2006/main" xmlns:r="http://schemas.openxmlformats.org/officeDocument/2006/relationships" xmlns:p="http://schemas.openxmlformats.org/presentationml/2006/main">
   <p:cSld>
     <p:spTree>
@@ -16260,7 +16707,7 @@
 </p:sld>
 </file>
 
-<file path=ppt/slides/slide34.xml><?xml version="1.0" encoding="utf-8"?>
+<file path=ppt/slides/slide33.xml><?xml version="1.0" encoding="utf-8"?>
 <p:sld xmlns:a="http://schemas.openxmlformats.org/drawingml/2006/main" xmlns:r="http://schemas.openxmlformats.org/officeDocument/2006/relationships" xmlns:p="http://schemas.openxmlformats.org/presentationml/2006/main">
   <p:cSld>
     <p:spTree>
@@ -16348,7 +16795,7 @@
 </p:sld>
 </file>
 
-<file path=ppt/slides/slide35.xml><?xml version="1.0" encoding="utf-8"?>
+<file path=ppt/slides/slide34.xml><?xml version="1.0" encoding="utf-8"?>
 <p:sld xmlns:a="http://schemas.openxmlformats.org/drawingml/2006/main" xmlns:r="http://schemas.openxmlformats.org/officeDocument/2006/relationships" xmlns:p="http://schemas.openxmlformats.org/presentationml/2006/main">
   <p:cSld>
     <p:spTree>
@@ -16612,7 +17059,7 @@
 </p:sld>
 </file>
 
-<file path=ppt/slides/slide36.xml><?xml version="1.0" encoding="utf-8"?>
+<file path=ppt/slides/slide35.xml><?xml version="1.0" encoding="utf-8"?>
 <p:sld xmlns:a="http://schemas.openxmlformats.org/drawingml/2006/main" xmlns:r="http://schemas.openxmlformats.org/officeDocument/2006/relationships" xmlns:p="http://schemas.openxmlformats.org/presentationml/2006/main">
   <p:cSld>
     <p:spTree>
@@ -16764,7 +17211,7 @@
 </p:sld>
 </file>
 
-<file path=ppt/slides/slide37.xml><?xml version="1.0" encoding="utf-8"?>
+<file path=ppt/slides/slide36.xml><?xml version="1.0" encoding="utf-8"?>
 <p:sld xmlns:a="http://schemas.openxmlformats.org/drawingml/2006/main" xmlns:r="http://schemas.openxmlformats.org/officeDocument/2006/relationships" xmlns:p="http://schemas.openxmlformats.org/presentationml/2006/main">
   <p:cSld>
     <p:spTree>
@@ -17084,7 +17531,7 @@
 </p:sld>
 </file>
 
-<file path=ppt/slides/slide38.xml><?xml version="1.0" encoding="utf-8"?>
+<file path=ppt/slides/slide37.xml><?xml version="1.0" encoding="utf-8"?>
 <p:sld xmlns:a="http://schemas.openxmlformats.org/drawingml/2006/main" xmlns:r="http://schemas.openxmlformats.org/officeDocument/2006/relationships" xmlns:p="http://schemas.openxmlformats.org/presentationml/2006/main">
   <p:cSld>
     <p:spTree>
@@ -17651,7 +18098,7 @@
 </p:sld>
 </file>
 
-<file path=ppt/slides/slide39.xml><?xml version="1.0" encoding="utf-8"?>
+<file path=ppt/slides/slide38.xml><?xml version="1.0" encoding="utf-8"?>
 <p:sld xmlns:a="http://schemas.openxmlformats.org/drawingml/2006/main" xmlns:r="http://schemas.openxmlformats.org/officeDocument/2006/relationships" xmlns:p="http://schemas.openxmlformats.org/presentationml/2006/main">
   <p:cSld>
     <p:spTree>
@@ -17730,6 +18177,374 @@
     <p:extLst>
       <p:ext uri="{BB962C8B-B14F-4D97-AF65-F5344CB8AC3E}">
         <p14:creationId xmlns:p14="http://schemas.microsoft.com/office/powerpoint/2010/main" val="1740517991"/>
+      </p:ext>
+    </p:extLst>
+  </p:cSld>
+  <p:clrMapOvr>
+    <a:masterClrMapping/>
+  </p:clrMapOvr>
+</p:sld>
+</file>
+
+<file path=ppt/slides/slide39.xml><?xml version="1.0" encoding="utf-8"?>
+<p:sld xmlns:a="http://schemas.openxmlformats.org/drawingml/2006/main" xmlns:r="http://schemas.openxmlformats.org/officeDocument/2006/relationships" xmlns:p="http://schemas.openxmlformats.org/presentationml/2006/main">
+  <p:cSld>
+    <p:spTree>
+      <p:nvGrpSpPr>
+        <p:cNvPr id="1" name=""/>
+        <p:cNvGrpSpPr/>
+        <p:nvPr/>
+      </p:nvGrpSpPr>
+      <p:grpSpPr>
+        <a:xfrm>
+          <a:off x="0" y="0"/>
+          <a:ext cx="0" cy="0"/>
+          <a:chOff x="0" y="0"/>
+          <a:chExt cx="0" cy="0"/>
+        </a:xfrm>
+      </p:grpSpPr>
+      <p:sp>
+        <p:nvSpPr>
+          <p:cNvPr id="4" name="Título 3">
+            <a:extLst>
+              <a:ext uri="{FF2B5EF4-FFF2-40B4-BE49-F238E27FC236}">
+                <a16:creationId xmlns:a16="http://schemas.microsoft.com/office/drawing/2014/main" id="{5FF341AE-1E65-4A32-AD77-5F57B1A5CCF4}"/>
+              </a:ext>
+            </a:extLst>
+          </p:cNvPr>
+          <p:cNvSpPr>
+            <a:spLocks noGrp="1"/>
+          </p:cNvSpPr>
+          <p:nvPr>
+            <p:ph type="title"/>
+          </p:nvPr>
+        </p:nvSpPr>
+        <p:spPr/>
+        <p:txBody>
+          <a:bodyPr/>
+          <a:lstStyle/>
+          <a:p>
+            <a:r>
+              <a:rPr lang="es-AR" dirty="0"/>
+              <a:t>¿Qué quiere decir optimizar en un juego? </a:t>
+            </a:r>
+            <a:endParaRPr lang="en-US" dirty="0"/>
+          </a:p>
+        </p:txBody>
+      </p:sp>
+      <p:sp>
+        <p:nvSpPr>
+          <p:cNvPr id="5" name="Marcador de contenido 4">
+            <a:extLst>
+              <a:ext uri="{FF2B5EF4-FFF2-40B4-BE49-F238E27FC236}">
+                <a16:creationId xmlns:a16="http://schemas.microsoft.com/office/drawing/2014/main" id="{198E63BD-7A7E-4E1B-B294-A484052B4D09}"/>
+              </a:ext>
+            </a:extLst>
+          </p:cNvPr>
+          <p:cNvSpPr>
+            <a:spLocks noGrp="1"/>
+          </p:cNvSpPr>
+          <p:nvPr>
+            <p:ph idx="1"/>
+          </p:nvPr>
+        </p:nvSpPr>
+        <p:spPr>
+          <a:xfrm>
+            <a:off x="88490" y="1828801"/>
+            <a:ext cx="8725145" cy="4351337"/>
+          </a:xfrm>
+        </p:spPr>
+        <p:txBody>
+          <a:bodyPr>
+            <a:normAutofit/>
+          </a:bodyPr>
+          <a:lstStyle/>
+          <a:p>
+            <a:r>
+              <a:rPr lang="es-AR" sz="1800" dirty="0">
+                <a:latin typeface="Calibri" panose="020F0502020204030204" pitchFamily="34" charset="0"/>
+                <a:cs typeface="Calibri" panose="020F0502020204030204" pitchFamily="34" charset="0"/>
+              </a:rPr>
+              <a:t>Que es una estrategia de juego optima para un jugador </a:t>
+            </a:r>
+            <a:r>
+              <a:rPr lang="el-GR" sz="1800" b="1" dirty="0">
+                <a:latin typeface="Calibri" panose="020F0502020204030204" pitchFamily="34" charset="0"/>
+                <a:cs typeface="Calibri" panose="020F0502020204030204" pitchFamily="34" charset="0"/>
+              </a:rPr>
+              <a:t>π</a:t>
+            </a:r>
+            <a:r>
+              <a:rPr lang="es-AR" sz="1800" b="1" baseline="30000" dirty="0">
+                <a:latin typeface="Calibri" panose="020F0502020204030204" pitchFamily="34" charset="0"/>
+                <a:cs typeface="Calibri" panose="020F0502020204030204" pitchFamily="34" charset="0"/>
+              </a:rPr>
+              <a:t>i</a:t>
+            </a:r>
+            <a:r>
+              <a:rPr lang="es-AR" sz="1800" dirty="0">
+                <a:latin typeface="Calibri" panose="020F0502020204030204" pitchFamily="34" charset="0"/>
+                <a:cs typeface="Calibri" panose="020F0502020204030204" pitchFamily="34" charset="0"/>
+              </a:rPr>
+              <a:t>?</a:t>
+            </a:r>
+          </a:p>
+          <a:p>
+            <a:r>
+              <a:rPr lang="es-AR" sz="1800" dirty="0">
+                <a:latin typeface="Calibri" panose="020F0502020204030204" pitchFamily="34" charset="0"/>
+                <a:cs typeface="Calibri" panose="020F0502020204030204" pitchFamily="34" charset="0"/>
+              </a:rPr>
+              <a:t>Si todos los jugadores fijan su estrategia..</a:t>
+            </a:r>
+          </a:p>
+          <a:p>
+            <a:r>
+              <a:rPr lang="es-AR" sz="1800" dirty="0">
+                <a:latin typeface="Calibri" panose="020F0502020204030204" pitchFamily="34" charset="0"/>
+                <a:cs typeface="Calibri" panose="020F0502020204030204" pitchFamily="34" charset="0"/>
+              </a:rPr>
+              <a:t>Entonces tendríamos una </a:t>
+            </a:r>
+            <a:r>
+              <a:rPr lang="es-AR" sz="1800" b="1" dirty="0" err="1">
+                <a:latin typeface="Calibri" panose="020F0502020204030204" pitchFamily="34" charset="0"/>
+                <a:cs typeface="Calibri" panose="020F0502020204030204" pitchFamily="34" charset="0"/>
+              </a:rPr>
+              <a:t>Best</a:t>
+            </a:r>
+            <a:r>
+              <a:rPr lang="es-AR" sz="1800" b="1" dirty="0">
+                <a:latin typeface="Calibri" panose="020F0502020204030204" pitchFamily="34" charset="0"/>
+                <a:cs typeface="Calibri" panose="020F0502020204030204" pitchFamily="34" charset="0"/>
+              </a:rPr>
+              <a:t> Response </a:t>
+            </a:r>
+            <a:r>
+              <a:rPr lang="es-AR" sz="1800" dirty="0">
+                <a:latin typeface="Calibri" panose="020F0502020204030204" pitchFamily="34" charset="0"/>
+                <a:cs typeface="Calibri" panose="020F0502020204030204" pitchFamily="34" charset="0"/>
+              </a:rPr>
+              <a:t>optima contra ellas: 	</a:t>
+            </a:r>
+            <a:r>
+              <a:rPr lang="el-GR" sz="1800" b="1" dirty="0">
+                <a:latin typeface="Calibri" panose="020F0502020204030204" pitchFamily="34" charset="0"/>
+                <a:cs typeface="Calibri" panose="020F0502020204030204" pitchFamily="34" charset="0"/>
+              </a:rPr>
+              <a:t>π</a:t>
+            </a:r>
+            <a:r>
+              <a:rPr lang="es-AR" sz="1800" b="1" baseline="-25000" dirty="0">
+                <a:latin typeface="Calibri" panose="020F0502020204030204" pitchFamily="34" charset="0"/>
+                <a:cs typeface="Calibri" panose="020F0502020204030204" pitchFamily="34" charset="0"/>
+              </a:rPr>
+              <a:t>*</a:t>
+            </a:r>
+            <a:r>
+              <a:rPr lang="es-AR" sz="1800" b="1" baseline="30000" dirty="0">
+                <a:latin typeface="Calibri" panose="020F0502020204030204" pitchFamily="34" charset="0"/>
+                <a:cs typeface="Calibri" panose="020F0502020204030204" pitchFamily="34" charset="0"/>
+              </a:rPr>
+              <a:t>i  </a:t>
+            </a:r>
+            <a:r>
+              <a:rPr lang="es-AR" sz="1800" dirty="0">
+                <a:latin typeface="Calibri" panose="020F0502020204030204" pitchFamily="34" charset="0"/>
+                <a:cs typeface="Calibri" panose="020F0502020204030204" pitchFamily="34" charset="0"/>
+              </a:rPr>
+              <a:t>(</a:t>
+            </a:r>
+            <a:r>
+              <a:rPr lang="el-GR" sz="1800" b="1" dirty="0">
+                <a:latin typeface="Calibri" panose="020F0502020204030204" pitchFamily="34" charset="0"/>
+                <a:cs typeface="Calibri" panose="020F0502020204030204" pitchFamily="34" charset="0"/>
+              </a:rPr>
+              <a:t>π</a:t>
+            </a:r>
+            <a:r>
+              <a:rPr lang="es-AR" sz="1800" b="1" baseline="30000" dirty="0">
+                <a:latin typeface="Calibri" panose="020F0502020204030204" pitchFamily="34" charset="0"/>
+                <a:cs typeface="Calibri" panose="020F0502020204030204" pitchFamily="34" charset="0"/>
+              </a:rPr>
+              <a:t>-i </a:t>
+            </a:r>
+            <a:r>
+              <a:rPr lang="es-AR" sz="1800" dirty="0">
+                <a:latin typeface="Calibri" panose="020F0502020204030204" pitchFamily="34" charset="0"/>
+                <a:cs typeface="Calibri" panose="020F0502020204030204" pitchFamily="34" charset="0"/>
+              </a:rPr>
+              <a:t>)</a:t>
+            </a:r>
+          </a:p>
+          <a:p>
+            <a:endParaRPr lang="es-AR" sz="1800" dirty="0">
+              <a:latin typeface="Calibri" panose="020F0502020204030204" pitchFamily="34" charset="0"/>
+              <a:cs typeface="Calibri" panose="020F0502020204030204" pitchFamily="34" charset="0"/>
+            </a:endParaRPr>
+          </a:p>
+          <a:p>
+            <a:r>
+              <a:rPr lang="es-AR" sz="1800" dirty="0">
+                <a:latin typeface="Calibri" panose="020F0502020204030204" pitchFamily="34" charset="0"/>
+                <a:cs typeface="Calibri" panose="020F0502020204030204" pitchFamily="34" charset="0"/>
+              </a:rPr>
+              <a:t>Un equilibrio de Nash es una </a:t>
+            </a:r>
+            <a:r>
+              <a:rPr lang="es-AR" sz="1800" dirty="0" err="1">
+                <a:latin typeface="Calibri" panose="020F0502020204030204" pitchFamily="34" charset="0"/>
+                <a:cs typeface="Calibri" panose="020F0502020204030204" pitchFamily="34" charset="0"/>
+              </a:rPr>
+              <a:t>Joint</a:t>
+            </a:r>
+            <a:r>
+              <a:rPr lang="es-AR" sz="1800" dirty="0">
+                <a:latin typeface="Calibri" panose="020F0502020204030204" pitchFamily="34" charset="0"/>
+                <a:cs typeface="Calibri" panose="020F0502020204030204" pitchFamily="34" charset="0"/>
+              </a:rPr>
+              <a:t> </a:t>
+            </a:r>
+            <a:r>
+              <a:rPr lang="es-AR" sz="1800" dirty="0" err="1">
+                <a:latin typeface="Calibri" panose="020F0502020204030204" pitchFamily="34" charset="0"/>
+                <a:cs typeface="Calibri" panose="020F0502020204030204" pitchFamily="34" charset="0"/>
+              </a:rPr>
+              <a:t>Policy</a:t>
+            </a:r>
+            <a:r>
+              <a:rPr lang="es-AR" sz="1800" dirty="0">
+                <a:latin typeface="Calibri" panose="020F0502020204030204" pitchFamily="34" charset="0"/>
+                <a:cs typeface="Calibri" panose="020F0502020204030204" pitchFamily="34" charset="0"/>
+              </a:rPr>
+              <a:t> para todos los jugadores:</a:t>
+            </a:r>
+          </a:p>
+          <a:p>
+            <a:pPr marL="0" indent="0">
+              <a:buNone/>
+            </a:pPr>
+            <a:r>
+              <a:rPr lang="es-AR" sz="2400" b="1" dirty="0">
+                <a:latin typeface="Calibri" panose="020F0502020204030204" pitchFamily="34" charset="0"/>
+                <a:cs typeface="Calibri" panose="020F0502020204030204" pitchFamily="34" charset="0"/>
+              </a:rPr>
+              <a:t>				</a:t>
+            </a:r>
+            <a:r>
+              <a:rPr lang="el-GR" sz="2400" b="1" dirty="0">
+                <a:latin typeface="Calibri" panose="020F0502020204030204" pitchFamily="34" charset="0"/>
+                <a:cs typeface="Calibri" panose="020F0502020204030204" pitchFamily="34" charset="0"/>
+              </a:rPr>
+              <a:t> π</a:t>
+            </a:r>
+            <a:r>
+              <a:rPr lang="es-AR" sz="2400" b="1" baseline="30000" dirty="0">
+                <a:latin typeface="Calibri" panose="020F0502020204030204" pitchFamily="34" charset="0"/>
+                <a:cs typeface="Calibri" panose="020F0502020204030204" pitchFamily="34" charset="0"/>
+              </a:rPr>
+              <a:t>i  </a:t>
+            </a:r>
+            <a:r>
+              <a:rPr lang="es-AR" sz="2400" b="1" dirty="0">
+                <a:latin typeface="Calibri" panose="020F0502020204030204" pitchFamily="34" charset="0"/>
+                <a:cs typeface="Calibri" panose="020F0502020204030204" pitchFamily="34" charset="0"/>
+              </a:rPr>
+              <a:t>=</a:t>
+            </a:r>
+            <a:r>
+              <a:rPr lang="el-GR" sz="2400" b="1" dirty="0">
+                <a:latin typeface="Calibri" panose="020F0502020204030204" pitchFamily="34" charset="0"/>
+                <a:cs typeface="Calibri" panose="020F0502020204030204" pitchFamily="34" charset="0"/>
+              </a:rPr>
+              <a:t> </a:t>
+            </a:r>
+            <a:r>
+              <a:rPr lang="es-AR" sz="2400" b="1" dirty="0">
+                <a:latin typeface="Calibri" panose="020F0502020204030204" pitchFamily="34" charset="0"/>
+                <a:cs typeface="Calibri" panose="020F0502020204030204" pitchFamily="34" charset="0"/>
+              </a:rPr>
+              <a:t> </a:t>
+            </a:r>
+            <a:r>
+              <a:rPr lang="el-GR" sz="2400" b="1" dirty="0">
+                <a:latin typeface="Calibri" panose="020F0502020204030204" pitchFamily="34" charset="0"/>
+                <a:cs typeface="Calibri" panose="020F0502020204030204" pitchFamily="34" charset="0"/>
+              </a:rPr>
+              <a:t>π </a:t>
+            </a:r>
+            <a:r>
+              <a:rPr lang="es-AR" sz="2400" b="1" baseline="-25000" dirty="0">
+                <a:latin typeface="Calibri" panose="020F0502020204030204" pitchFamily="34" charset="0"/>
+                <a:cs typeface="Calibri" panose="020F0502020204030204" pitchFamily="34" charset="0"/>
+              </a:rPr>
+              <a:t>*</a:t>
+            </a:r>
+            <a:r>
+              <a:rPr lang="es-AR" sz="2400" b="1" baseline="30000" dirty="0">
+                <a:latin typeface="Calibri" panose="020F0502020204030204" pitchFamily="34" charset="0"/>
+                <a:cs typeface="Calibri" panose="020F0502020204030204" pitchFamily="34" charset="0"/>
+              </a:rPr>
+              <a:t>i   </a:t>
+            </a:r>
+            <a:r>
+              <a:rPr lang="es-AR" sz="2400" dirty="0">
+                <a:latin typeface="Calibri" panose="020F0502020204030204" pitchFamily="34" charset="0"/>
+                <a:cs typeface="Calibri" panose="020F0502020204030204" pitchFamily="34" charset="0"/>
+              </a:rPr>
+              <a:t>(</a:t>
+            </a:r>
+            <a:r>
+              <a:rPr lang="el-GR" sz="2400" b="1" dirty="0">
+                <a:latin typeface="Calibri" panose="020F0502020204030204" pitchFamily="34" charset="0"/>
+                <a:cs typeface="Calibri" panose="020F0502020204030204" pitchFamily="34" charset="0"/>
+              </a:rPr>
+              <a:t>π</a:t>
+            </a:r>
+            <a:r>
+              <a:rPr lang="es-AR" sz="2400" b="1" baseline="30000" dirty="0">
+                <a:latin typeface="Calibri" panose="020F0502020204030204" pitchFamily="34" charset="0"/>
+                <a:cs typeface="Calibri" panose="020F0502020204030204" pitchFamily="34" charset="0"/>
+              </a:rPr>
+              <a:t>-i </a:t>
+            </a:r>
+            <a:r>
+              <a:rPr lang="es-AR" sz="2400" dirty="0">
+                <a:latin typeface="Calibri" panose="020F0502020204030204" pitchFamily="34" charset="0"/>
+                <a:cs typeface="Calibri" panose="020F0502020204030204" pitchFamily="34" charset="0"/>
+              </a:rPr>
+              <a:t>)</a:t>
+            </a:r>
+          </a:p>
+          <a:p>
+            <a:endParaRPr lang="es-AR" dirty="0">
+              <a:latin typeface="Calibri" panose="020F0502020204030204" pitchFamily="34" charset="0"/>
+              <a:cs typeface="Calibri" panose="020F0502020204030204" pitchFamily="34" charset="0"/>
+            </a:endParaRPr>
+          </a:p>
+          <a:p>
+            <a:r>
+              <a:rPr lang="es-AR" sz="1800" dirty="0" err="1">
+                <a:latin typeface="Calibri" panose="020F0502020204030204" pitchFamily="34" charset="0"/>
+                <a:cs typeface="Calibri" panose="020F0502020204030204" pitchFamily="34" charset="0"/>
+              </a:rPr>
+              <a:t>Ie</a:t>
+            </a:r>
+            <a:r>
+              <a:rPr lang="es-AR" sz="1800" dirty="0">
+                <a:latin typeface="Calibri" panose="020F0502020204030204" pitchFamily="34" charset="0"/>
+                <a:cs typeface="Calibri" panose="020F0502020204030204" pitchFamily="34" charset="0"/>
+              </a:rPr>
+              <a:t>: Ningún Jugador elegiría desviarse de Nash</a:t>
+            </a:r>
+            <a:endParaRPr lang="es-AR" sz="1800" dirty="0"/>
+          </a:p>
+        </p:txBody>
+      </p:sp>
+    </p:spTree>
+    <p:extLst>
+      <p:ext uri="{BB962C8B-B14F-4D97-AF65-F5344CB8AC3E}">
+        <p14:creationId xmlns:p14="http://schemas.microsoft.com/office/powerpoint/2010/main" val="4185243142"/>
       </p:ext>
     </p:extLst>
   </p:cSld>
@@ -17856,14 +18671,27 @@
             <p:ph type="title"/>
           </p:nvPr>
         </p:nvSpPr>
-        <p:spPr/>
+        <p:spPr>
+          <a:xfrm>
+            <a:off x="0" y="0"/>
+            <a:ext cx="7886700" cy="1325562"/>
+          </a:xfrm>
+        </p:spPr>
         <p:txBody>
           <a:bodyPr/>
           <a:lstStyle/>
           <a:p>
             <a:r>
               <a:rPr lang="es-AR" dirty="0"/>
-              <a:t>¿Qué quiere decir optimizar en un juego? </a:t>
+              <a:t>Ejemplo: </a:t>
+            </a:r>
+            <a:r>
+              <a:rPr lang="es-AR" dirty="0" err="1"/>
+              <a:t>Minmax</a:t>
+            </a:r>
+            <a:r>
+              <a:rPr lang="es-AR" dirty="0"/>
+              <a:t> </a:t>
             </a:r>
             <a:endParaRPr lang="en-US" dirty="0"/>
           </a:p>
@@ -17887,301 +18715,80 @@
         </p:nvSpPr>
         <p:spPr>
           <a:xfrm>
-            <a:off x="88490" y="1828801"/>
-            <a:ext cx="8725145" cy="4351337"/>
+            <a:off x="633845" y="5718615"/>
+            <a:ext cx="7886700" cy="949464"/>
           </a:xfrm>
         </p:spPr>
         <p:txBody>
           <a:bodyPr>
-            <a:normAutofit/>
+            <a:normAutofit fontScale="92500" lnSpcReduction="10000"/>
           </a:bodyPr>
           <a:lstStyle/>
           <a:p>
             <a:r>
-              <a:rPr lang="es-AR" sz="1800" dirty="0">
-                <a:latin typeface="Calibri" panose="020F0502020204030204" pitchFamily="34" charset="0"/>
-                <a:cs typeface="Calibri" panose="020F0502020204030204" pitchFamily="34" charset="0"/>
-              </a:rPr>
-              <a:t>Que es una estrategia de juego optima para un jugador </a:t>
-            </a:r>
-            <a:r>
-              <a:rPr lang="el-GR" sz="1800" b="1" dirty="0">
-                <a:latin typeface="Calibri" panose="020F0502020204030204" pitchFamily="34" charset="0"/>
-                <a:cs typeface="Calibri" panose="020F0502020204030204" pitchFamily="34" charset="0"/>
-              </a:rPr>
-              <a:t>π</a:t>
-            </a:r>
-            <a:r>
-              <a:rPr lang="es-AR" sz="1800" b="1" baseline="30000" dirty="0">
-                <a:latin typeface="Calibri" panose="020F0502020204030204" pitchFamily="34" charset="0"/>
-                <a:cs typeface="Calibri" panose="020F0502020204030204" pitchFamily="34" charset="0"/>
-              </a:rPr>
-              <a:t>i</a:t>
-            </a:r>
-            <a:r>
-              <a:rPr lang="es-AR" sz="1800" dirty="0">
-                <a:latin typeface="Calibri" panose="020F0502020204030204" pitchFamily="34" charset="0"/>
-                <a:cs typeface="Calibri" panose="020F0502020204030204" pitchFamily="34" charset="0"/>
-              </a:rPr>
-              <a:t>?</a:t>
-            </a:r>
-          </a:p>
-          <a:p>
-            <a:r>
-              <a:rPr lang="es-AR" sz="1800" dirty="0">
-                <a:latin typeface="Calibri" panose="020F0502020204030204" pitchFamily="34" charset="0"/>
-                <a:cs typeface="Calibri" panose="020F0502020204030204" pitchFamily="34" charset="0"/>
-              </a:rPr>
-              <a:t>Si todos los jugadores fijan su estrategia..</a:t>
-            </a:r>
-          </a:p>
-          <a:p>
-            <a:r>
-              <a:rPr lang="es-AR" sz="1800" dirty="0">
-                <a:latin typeface="Calibri" panose="020F0502020204030204" pitchFamily="34" charset="0"/>
-                <a:cs typeface="Calibri" panose="020F0502020204030204" pitchFamily="34" charset="0"/>
-              </a:rPr>
-              <a:t>Entonces tendríamos una </a:t>
-            </a:r>
-            <a:r>
-              <a:rPr lang="es-AR" sz="1800" b="1" dirty="0" err="1">
-                <a:latin typeface="Calibri" panose="020F0502020204030204" pitchFamily="34" charset="0"/>
-                <a:cs typeface="Calibri" panose="020F0502020204030204" pitchFamily="34" charset="0"/>
-              </a:rPr>
-              <a:t>Best</a:t>
-            </a:r>
-            <a:r>
-              <a:rPr lang="es-AR" sz="1800" b="1" dirty="0">
-                <a:latin typeface="Calibri" panose="020F0502020204030204" pitchFamily="34" charset="0"/>
-                <a:cs typeface="Calibri" panose="020F0502020204030204" pitchFamily="34" charset="0"/>
-              </a:rPr>
-              <a:t> Response </a:t>
-            </a:r>
-            <a:r>
-              <a:rPr lang="es-AR" sz="1800" dirty="0">
-                <a:latin typeface="Calibri" panose="020F0502020204030204" pitchFamily="34" charset="0"/>
-                <a:cs typeface="Calibri" panose="020F0502020204030204" pitchFamily="34" charset="0"/>
-              </a:rPr>
-              <a:t>optima contra ellas: 	</a:t>
-            </a:r>
-            <a:r>
-              <a:rPr lang="el-GR" sz="1800" b="1" dirty="0">
-                <a:latin typeface="Calibri" panose="020F0502020204030204" pitchFamily="34" charset="0"/>
-                <a:cs typeface="Calibri" panose="020F0502020204030204" pitchFamily="34" charset="0"/>
-              </a:rPr>
-              <a:t>π</a:t>
-            </a:r>
-            <a:r>
-              <a:rPr lang="es-AR" sz="1800" b="1" baseline="-25000" dirty="0">
-                <a:latin typeface="Calibri" panose="020F0502020204030204" pitchFamily="34" charset="0"/>
-                <a:cs typeface="Calibri" panose="020F0502020204030204" pitchFamily="34" charset="0"/>
-              </a:rPr>
-              <a:t>*</a:t>
-            </a:r>
-            <a:r>
-              <a:rPr lang="es-AR" sz="1800" b="1" baseline="30000" dirty="0">
-                <a:latin typeface="Calibri" panose="020F0502020204030204" pitchFamily="34" charset="0"/>
-                <a:cs typeface="Calibri" panose="020F0502020204030204" pitchFamily="34" charset="0"/>
-              </a:rPr>
-              <a:t>i  </a:t>
-            </a:r>
-            <a:r>
-              <a:rPr lang="es-AR" sz="1800" dirty="0">
-                <a:latin typeface="Calibri" panose="020F0502020204030204" pitchFamily="34" charset="0"/>
-                <a:cs typeface="Calibri" panose="020F0502020204030204" pitchFamily="34" charset="0"/>
-              </a:rPr>
-              <a:t>(</a:t>
-            </a:r>
-            <a:r>
-              <a:rPr lang="el-GR" sz="1800" b="1" dirty="0">
-                <a:latin typeface="Calibri" panose="020F0502020204030204" pitchFamily="34" charset="0"/>
-                <a:cs typeface="Calibri" panose="020F0502020204030204" pitchFamily="34" charset="0"/>
-              </a:rPr>
-              <a:t>π</a:t>
-            </a:r>
-            <a:r>
-              <a:rPr lang="es-AR" sz="1800" b="1" baseline="30000" dirty="0">
-                <a:latin typeface="Calibri" panose="020F0502020204030204" pitchFamily="34" charset="0"/>
-                <a:cs typeface="Calibri" panose="020F0502020204030204" pitchFamily="34" charset="0"/>
-              </a:rPr>
-              <a:t>-i </a:t>
-            </a:r>
-            <a:r>
-              <a:rPr lang="es-AR" sz="1800" dirty="0">
-                <a:latin typeface="Calibri" panose="020F0502020204030204" pitchFamily="34" charset="0"/>
-                <a:cs typeface="Calibri" panose="020F0502020204030204" pitchFamily="34" charset="0"/>
-              </a:rPr>
-              <a:t>)</a:t>
-            </a:r>
-          </a:p>
-          <a:p>
-            <a:endParaRPr lang="es-AR" sz="1800" dirty="0">
-              <a:latin typeface="Calibri" panose="020F0502020204030204" pitchFamily="34" charset="0"/>
-              <a:cs typeface="Calibri" panose="020F0502020204030204" pitchFamily="34" charset="0"/>
-            </a:endParaRPr>
-          </a:p>
-          <a:p>
-            <a:r>
-              <a:rPr lang="es-AR" sz="1800" dirty="0">
-                <a:latin typeface="Calibri" panose="020F0502020204030204" pitchFamily="34" charset="0"/>
-                <a:cs typeface="Calibri" panose="020F0502020204030204" pitchFamily="34" charset="0"/>
-              </a:rPr>
-              <a:t>Un equilibrio de Nash es una </a:t>
-            </a:r>
-            <a:r>
-              <a:rPr lang="es-AR" sz="1800" dirty="0" err="1">
-                <a:latin typeface="Calibri" panose="020F0502020204030204" pitchFamily="34" charset="0"/>
-                <a:cs typeface="Calibri" panose="020F0502020204030204" pitchFamily="34" charset="0"/>
-              </a:rPr>
-              <a:t>Joint</a:t>
-            </a:r>
-            <a:r>
-              <a:rPr lang="es-AR" sz="1800" dirty="0">
-                <a:latin typeface="Calibri" panose="020F0502020204030204" pitchFamily="34" charset="0"/>
-                <a:cs typeface="Calibri" panose="020F0502020204030204" pitchFamily="34" charset="0"/>
-              </a:rPr>
-              <a:t> </a:t>
-            </a:r>
-            <a:r>
-              <a:rPr lang="es-AR" sz="1800" dirty="0" err="1">
-                <a:latin typeface="Calibri" panose="020F0502020204030204" pitchFamily="34" charset="0"/>
-                <a:cs typeface="Calibri" panose="020F0502020204030204" pitchFamily="34" charset="0"/>
-              </a:rPr>
-              <a:t>Policy</a:t>
-            </a:r>
-            <a:r>
-              <a:rPr lang="es-AR" sz="1800" dirty="0">
-                <a:latin typeface="Calibri" panose="020F0502020204030204" pitchFamily="34" charset="0"/>
-                <a:cs typeface="Calibri" panose="020F0502020204030204" pitchFamily="34" charset="0"/>
-              </a:rPr>
-              <a:t> para todos los jugadores:</a:t>
-            </a:r>
-          </a:p>
-          <a:p>
-            <a:pPr marL="0" indent="0">
-              <a:buNone/>
-            </a:pPr>
-            <a:r>
-              <a:rPr lang="es-AR" sz="2400" b="1" dirty="0">
-                <a:latin typeface="Calibri" panose="020F0502020204030204" pitchFamily="34" charset="0"/>
-                <a:cs typeface="Calibri" panose="020F0502020204030204" pitchFamily="34" charset="0"/>
-              </a:rPr>
-              <a:t>				</a:t>
-            </a:r>
-            <a:r>
-              <a:rPr lang="el-GR" sz="2400" b="1" dirty="0">
-                <a:latin typeface="Calibri" panose="020F0502020204030204" pitchFamily="34" charset="0"/>
-                <a:cs typeface="Calibri" panose="020F0502020204030204" pitchFamily="34" charset="0"/>
-              </a:rPr>
-              <a:t> π</a:t>
-            </a:r>
-            <a:r>
-              <a:rPr lang="es-AR" sz="2400" b="1" baseline="30000" dirty="0">
-                <a:latin typeface="Calibri" panose="020F0502020204030204" pitchFamily="34" charset="0"/>
-                <a:cs typeface="Calibri" panose="020F0502020204030204" pitchFamily="34" charset="0"/>
-              </a:rPr>
-              <a:t>i  </a:t>
-            </a:r>
-            <a:r>
-              <a:rPr lang="es-AR" sz="2400" b="1" dirty="0">
-                <a:latin typeface="Calibri" panose="020F0502020204030204" pitchFamily="34" charset="0"/>
-                <a:cs typeface="Calibri" panose="020F0502020204030204" pitchFamily="34" charset="0"/>
-              </a:rPr>
-              <a:t>=</a:t>
-            </a:r>
-            <a:r>
-              <a:rPr lang="el-GR" sz="2400" b="1" dirty="0">
-                <a:latin typeface="Calibri" panose="020F0502020204030204" pitchFamily="34" charset="0"/>
-                <a:cs typeface="Calibri" panose="020F0502020204030204" pitchFamily="34" charset="0"/>
-              </a:rPr>
-              <a:t> </a:t>
-            </a:r>
-            <a:r>
-              <a:rPr lang="es-AR" sz="2400" b="1" dirty="0">
-                <a:latin typeface="Calibri" panose="020F0502020204030204" pitchFamily="34" charset="0"/>
-                <a:cs typeface="Calibri" panose="020F0502020204030204" pitchFamily="34" charset="0"/>
-              </a:rPr>
-              <a:t> </a:t>
-            </a:r>
-            <a:r>
-              <a:rPr lang="el-GR" sz="2400" b="1" dirty="0">
-                <a:latin typeface="Calibri" panose="020F0502020204030204" pitchFamily="34" charset="0"/>
-                <a:cs typeface="Calibri" panose="020F0502020204030204" pitchFamily="34" charset="0"/>
-              </a:rPr>
-              <a:t>π </a:t>
-            </a:r>
-            <a:r>
-              <a:rPr lang="es-AR" sz="2400" b="1" baseline="-25000" dirty="0">
-                <a:latin typeface="Calibri" panose="020F0502020204030204" pitchFamily="34" charset="0"/>
-                <a:cs typeface="Calibri" panose="020F0502020204030204" pitchFamily="34" charset="0"/>
-              </a:rPr>
-              <a:t>*</a:t>
-            </a:r>
-            <a:r>
-              <a:rPr lang="es-AR" sz="2400" b="1" baseline="30000" dirty="0">
-                <a:latin typeface="Calibri" panose="020F0502020204030204" pitchFamily="34" charset="0"/>
-                <a:cs typeface="Calibri" panose="020F0502020204030204" pitchFamily="34" charset="0"/>
-              </a:rPr>
-              <a:t>i   </a:t>
-            </a:r>
-            <a:r>
-              <a:rPr lang="es-AR" sz="2400" dirty="0">
-                <a:latin typeface="Calibri" panose="020F0502020204030204" pitchFamily="34" charset="0"/>
-                <a:cs typeface="Calibri" panose="020F0502020204030204" pitchFamily="34" charset="0"/>
-              </a:rPr>
-              <a:t>(</a:t>
-            </a:r>
-            <a:r>
-              <a:rPr lang="el-GR" sz="2400" b="1" dirty="0">
-                <a:latin typeface="Calibri" panose="020F0502020204030204" pitchFamily="34" charset="0"/>
-                <a:cs typeface="Calibri" panose="020F0502020204030204" pitchFamily="34" charset="0"/>
-              </a:rPr>
-              <a:t>π</a:t>
-            </a:r>
-            <a:r>
-              <a:rPr lang="es-AR" sz="2400" b="1" baseline="30000" dirty="0">
-                <a:latin typeface="Calibri" panose="020F0502020204030204" pitchFamily="34" charset="0"/>
-                <a:cs typeface="Calibri" panose="020F0502020204030204" pitchFamily="34" charset="0"/>
-              </a:rPr>
-              <a:t>-i </a:t>
-            </a:r>
-            <a:r>
-              <a:rPr lang="es-AR" sz="2400" dirty="0">
-                <a:latin typeface="Calibri" panose="020F0502020204030204" pitchFamily="34" charset="0"/>
-                <a:cs typeface="Calibri" panose="020F0502020204030204" pitchFamily="34" charset="0"/>
-              </a:rPr>
-              <a:t>)</a:t>
-            </a:r>
-          </a:p>
-          <a:p>
-            <a:endParaRPr lang="es-AR" dirty="0">
-              <a:latin typeface="Calibri" panose="020F0502020204030204" pitchFamily="34" charset="0"/>
-              <a:cs typeface="Calibri" panose="020F0502020204030204" pitchFamily="34" charset="0"/>
-            </a:endParaRPr>
-          </a:p>
-          <a:p>
-            <a:r>
-              <a:rPr lang="es-AR" sz="1800" dirty="0" err="1">
-                <a:latin typeface="Calibri" panose="020F0502020204030204" pitchFamily="34" charset="0"/>
-                <a:cs typeface="Calibri" panose="020F0502020204030204" pitchFamily="34" charset="0"/>
-              </a:rPr>
-              <a:t>Ie</a:t>
-            </a:r>
-            <a:r>
-              <a:rPr lang="es-AR" sz="1800" dirty="0">
-                <a:latin typeface="Calibri" panose="020F0502020204030204" pitchFamily="34" charset="0"/>
-                <a:cs typeface="Calibri" panose="020F0502020204030204" pitchFamily="34" charset="0"/>
-              </a:rPr>
-              <a:t>: Ningún Jugador elegiría desviarse de Nash</a:t>
-            </a:r>
-            <a:endParaRPr lang="es-AR" sz="1800" dirty="0"/>
+              <a:rPr lang="es-AR" dirty="0"/>
+              <a:t>Me paro en estado y mira los valores que tengo por delante para elegir.</a:t>
+            </a:r>
+          </a:p>
+          <a:p>
+            <a:r>
+              <a:rPr lang="es-AR" dirty="0"/>
+              <a:t>Uno elige los máximos y otro elige los mínimos (uno tiene </a:t>
+            </a:r>
+            <a:r>
+              <a:rPr lang="es-AR" dirty="0" err="1"/>
+              <a:t>max</a:t>
+            </a:r>
+            <a:r>
+              <a:rPr lang="es-AR" dirty="0"/>
+              <a:t> de </a:t>
+            </a:r>
+            <a:r>
+              <a:rPr lang="es-AR" dirty="0" err="1"/>
+              <a:t>policy</a:t>
+            </a:r>
+            <a:r>
+              <a:rPr lang="es-AR" dirty="0"/>
+              <a:t> y el otro tiene min)</a:t>
+            </a:r>
+            <a:endParaRPr lang="en-US" dirty="0"/>
           </a:p>
         </p:txBody>
       </p:sp>
+      <p:pic>
+        <p:nvPicPr>
+          <p:cNvPr id="3" name="Imagen 2">
+            <a:extLst>
+              <a:ext uri="{FF2B5EF4-FFF2-40B4-BE49-F238E27FC236}">
+                <a16:creationId xmlns:a16="http://schemas.microsoft.com/office/drawing/2014/main" id="{47CFAC9C-B1F2-49C1-8ECD-A9DE2B783B17}"/>
+              </a:ext>
+            </a:extLst>
+          </p:cNvPr>
+          <p:cNvPicPr>
+            <a:picLocks noChangeAspect="1"/>
+          </p:cNvPicPr>
+          <p:nvPr/>
+        </p:nvPicPr>
+        <p:blipFill>
+          <a:blip r:embed="rId2"/>
+          <a:stretch>
+            <a:fillRect/>
+          </a:stretch>
+        </p:blipFill>
+        <p:spPr>
+          <a:xfrm>
+            <a:off x="945572" y="1139385"/>
+            <a:ext cx="7252855" cy="4212790"/>
+          </a:xfrm>
+          <a:prstGeom prst="rect">
+            <a:avLst/>
+          </a:prstGeom>
+        </p:spPr>
+      </p:pic>
     </p:spTree>
     <p:extLst>
       <p:ext uri="{BB962C8B-B14F-4D97-AF65-F5344CB8AC3E}">
-        <p14:creationId xmlns:p14="http://schemas.microsoft.com/office/powerpoint/2010/main" val="4185243142"/>
+        <p14:creationId xmlns:p14="http://schemas.microsoft.com/office/powerpoint/2010/main" val="3639191788"/>
       </p:ext>
     </p:extLst>
   </p:cSld>
@@ -18235,166 +18842,6 @@
           <a:lstStyle/>
           <a:p>
             <a:r>
-              <a:rPr lang="es-AR" dirty="0"/>
-              <a:t>Ejemplo: </a:t>
-            </a:r>
-            <a:r>
-              <a:rPr lang="es-AR" dirty="0" err="1"/>
-              <a:t>Minmax</a:t>
-            </a:r>
-            <a:r>
-              <a:rPr lang="es-AR" dirty="0"/>
-              <a:t> </a:t>
-            </a:r>
-            <a:endParaRPr lang="en-US" dirty="0"/>
-          </a:p>
-        </p:txBody>
-      </p:sp>
-      <p:sp>
-        <p:nvSpPr>
-          <p:cNvPr id="5" name="Marcador de contenido 4">
-            <a:extLst>
-              <a:ext uri="{FF2B5EF4-FFF2-40B4-BE49-F238E27FC236}">
-                <a16:creationId xmlns:a16="http://schemas.microsoft.com/office/drawing/2014/main" id="{198E63BD-7A7E-4E1B-B294-A484052B4D09}"/>
-              </a:ext>
-            </a:extLst>
-          </p:cNvPr>
-          <p:cNvSpPr>
-            <a:spLocks noGrp="1"/>
-          </p:cNvSpPr>
-          <p:nvPr>
-            <p:ph idx="1"/>
-          </p:nvPr>
-        </p:nvSpPr>
-        <p:spPr>
-          <a:xfrm>
-            <a:off x="633845" y="5718615"/>
-            <a:ext cx="7886700" cy="949464"/>
-          </a:xfrm>
-        </p:spPr>
-        <p:txBody>
-          <a:bodyPr>
-            <a:normAutofit fontScale="92500" lnSpcReduction="10000"/>
-          </a:bodyPr>
-          <a:lstStyle/>
-          <a:p>
-            <a:r>
-              <a:rPr lang="es-AR" dirty="0"/>
-              <a:t>Me paro en estado y mira los valores que tengo por delante para elegir.</a:t>
-            </a:r>
-          </a:p>
-          <a:p>
-            <a:r>
-              <a:rPr lang="es-AR" dirty="0"/>
-              <a:t>Uno elige los máximos y otro elige los mínimos (uno tiene </a:t>
-            </a:r>
-            <a:r>
-              <a:rPr lang="es-AR" dirty="0" err="1"/>
-              <a:t>max</a:t>
-            </a:r>
-            <a:r>
-              <a:rPr lang="es-AR" dirty="0"/>
-              <a:t> de </a:t>
-            </a:r>
-            <a:r>
-              <a:rPr lang="es-AR" dirty="0" err="1"/>
-              <a:t>policy</a:t>
-            </a:r>
-            <a:r>
-              <a:rPr lang="es-AR" dirty="0"/>
-              <a:t> y el otro tiene min)</a:t>
-            </a:r>
-            <a:endParaRPr lang="en-US" dirty="0"/>
-          </a:p>
-        </p:txBody>
-      </p:sp>
-      <p:pic>
-        <p:nvPicPr>
-          <p:cNvPr id="3" name="Imagen 2">
-            <a:extLst>
-              <a:ext uri="{FF2B5EF4-FFF2-40B4-BE49-F238E27FC236}">
-                <a16:creationId xmlns:a16="http://schemas.microsoft.com/office/drawing/2014/main" id="{47CFAC9C-B1F2-49C1-8ECD-A9DE2B783B17}"/>
-              </a:ext>
-            </a:extLst>
-          </p:cNvPr>
-          <p:cNvPicPr>
-            <a:picLocks noChangeAspect="1"/>
-          </p:cNvPicPr>
-          <p:nvPr/>
-        </p:nvPicPr>
-        <p:blipFill>
-          <a:blip r:embed="rId2"/>
-          <a:stretch>
-            <a:fillRect/>
-          </a:stretch>
-        </p:blipFill>
-        <p:spPr>
-          <a:xfrm>
-            <a:off x="945572" y="1139385"/>
-            <a:ext cx="7252855" cy="4212790"/>
-          </a:xfrm>
-          <a:prstGeom prst="rect">
-            <a:avLst/>
-          </a:prstGeom>
-        </p:spPr>
-      </p:pic>
-    </p:spTree>
-    <p:extLst>
-      <p:ext uri="{BB962C8B-B14F-4D97-AF65-F5344CB8AC3E}">
-        <p14:creationId xmlns:p14="http://schemas.microsoft.com/office/powerpoint/2010/main" val="3639191788"/>
-      </p:ext>
-    </p:extLst>
-  </p:cSld>
-  <p:clrMapOvr>
-    <a:masterClrMapping/>
-  </p:clrMapOvr>
-</p:sld>
-</file>
-
-<file path=ppt/slides/slide42.xml><?xml version="1.0" encoding="utf-8"?>
-<p:sld xmlns:a="http://schemas.openxmlformats.org/drawingml/2006/main" xmlns:r="http://schemas.openxmlformats.org/officeDocument/2006/relationships" xmlns:p="http://schemas.openxmlformats.org/presentationml/2006/main">
-  <p:cSld>
-    <p:spTree>
-      <p:nvGrpSpPr>
-        <p:cNvPr id="1" name=""/>
-        <p:cNvGrpSpPr/>
-        <p:nvPr/>
-      </p:nvGrpSpPr>
-      <p:grpSpPr>
-        <a:xfrm>
-          <a:off x="0" y="0"/>
-          <a:ext cx="0" cy="0"/>
-          <a:chOff x="0" y="0"/>
-          <a:chExt cx="0" cy="0"/>
-        </a:xfrm>
-      </p:grpSpPr>
-      <p:sp>
-        <p:nvSpPr>
-          <p:cNvPr id="4" name="Título 3">
-            <a:extLst>
-              <a:ext uri="{FF2B5EF4-FFF2-40B4-BE49-F238E27FC236}">
-                <a16:creationId xmlns:a16="http://schemas.microsoft.com/office/drawing/2014/main" id="{5FF341AE-1E65-4A32-AD77-5F57B1A5CCF4}"/>
-              </a:ext>
-            </a:extLst>
-          </p:cNvPr>
-          <p:cNvSpPr>
-            <a:spLocks noGrp="1"/>
-          </p:cNvSpPr>
-          <p:nvPr>
-            <p:ph type="title"/>
-          </p:nvPr>
-        </p:nvSpPr>
-        <p:spPr>
-          <a:xfrm>
-            <a:off x="0" y="0"/>
-            <a:ext cx="7886700" cy="1325562"/>
-          </a:xfrm>
-        </p:spPr>
-        <p:txBody>
-          <a:bodyPr/>
-          <a:lstStyle/>
-          <a:p>
-            <a:r>
               <a:rPr lang="es-AR" dirty="0" err="1"/>
               <a:t>Minmax</a:t>
             </a:r>
@@ -18596,7 +19043,7 @@
 </p:sld>
 </file>
 
-<file path=ppt/slides/slide43.xml><?xml version="1.0" encoding="utf-8"?>
+<file path=ppt/slides/slide42.xml><?xml version="1.0" encoding="utf-8"?>
 <p:sld xmlns:a="http://schemas.openxmlformats.org/drawingml/2006/main" xmlns:r="http://schemas.openxmlformats.org/officeDocument/2006/relationships" xmlns:p="http://schemas.openxmlformats.org/presentationml/2006/main">
   <p:cSld>
     <p:spTree>
@@ -18680,7 +19127,7 @@
 </p:sld>
 </file>
 
-<file path=ppt/slides/slide44.xml><?xml version="1.0" encoding="utf-8"?>
+<file path=ppt/slides/slide43.xml><?xml version="1.0" encoding="utf-8"?>
 <p:sld xmlns:a="http://schemas.openxmlformats.org/drawingml/2006/main" xmlns:r="http://schemas.openxmlformats.org/officeDocument/2006/relationships" xmlns:p="http://schemas.openxmlformats.org/presentationml/2006/main">
   <p:cSld>
     <p:spTree>
@@ -18945,7 +19392,7 @@
 </p:sld>
 </file>
 
-<file path=ppt/slides/slide45.xml><?xml version="1.0" encoding="utf-8"?>
+<file path=ppt/slides/slide44.xml><?xml version="1.0" encoding="utf-8"?>
 <p:sld xmlns:a="http://schemas.openxmlformats.org/drawingml/2006/main" xmlns:r="http://schemas.openxmlformats.org/officeDocument/2006/relationships" xmlns:p="http://schemas.openxmlformats.org/presentationml/2006/main">
   <p:cSld>
     <p:spTree>
@@ -19286,7 +19733,7 @@
 </p:sld>
 </file>
 
-<file path=ppt/slides/slide46.xml><?xml version="1.0" encoding="utf-8"?>
+<file path=ppt/slides/slide45.xml><?xml version="1.0" encoding="utf-8"?>
 <p:sld xmlns:a="http://schemas.openxmlformats.org/drawingml/2006/main" xmlns:r="http://schemas.openxmlformats.org/officeDocument/2006/relationships" xmlns:p="http://schemas.openxmlformats.org/presentationml/2006/main">
   <p:cSld>
     <p:spTree>
@@ -19441,7 +19888,7 @@
 </p:sld>
 </file>
 
-<file path=ppt/slides/slide47.xml><?xml version="1.0" encoding="utf-8"?>
+<file path=ppt/slides/slide46.xml><?xml version="1.0" encoding="utf-8"?>
 <p:sld xmlns:a="http://schemas.openxmlformats.org/drawingml/2006/main" xmlns:r="http://schemas.openxmlformats.org/officeDocument/2006/relationships" xmlns:p="http://schemas.openxmlformats.org/presentationml/2006/main">
   <p:cSld>
     <p:spTree>
@@ -19630,7 +20077,7 @@
 </p:sld>
 </file>
 
-<file path=ppt/slides/slide48.xml><?xml version="1.0" encoding="utf-8"?>
+<file path=ppt/slides/slide47.xml><?xml version="1.0" encoding="utf-8"?>
 <p:sld xmlns:a="http://schemas.openxmlformats.org/drawingml/2006/main" xmlns:r="http://schemas.openxmlformats.org/officeDocument/2006/relationships" xmlns:p="http://schemas.openxmlformats.org/presentationml/2006/main">
   <p:cSld>
     <p:spTree>
@@ -19770,7 +20217,7 @@
 </p:sld>
 </file>
 
-<file path=ppt/slides/slide49.xml><?xml version="1.0" encoding="utf-8"?>
+<file path=ppt/slides/slide48.xml><?xml version="1.0" encoding="utf-8"?>
 <p:sld xmlns:a="http://schemas.openxmlformats.org/drawingml/2006/main" xmlns:r="http://schemas.openxmlformats.org/officeDocument/2006/relationships" xmlns:p="http://schemas.openxmlformats.org/presentationml/2006/main">
   <p:cSld>
     <p:spTree>
@@ -19863,585 +20310,7 @@
 </p:sld>
 </file>
 
-<file path=ppt/slides/slide5.xml><?xml version="1.0" encoding="utf-8"?>
-<p:sld xmlns:a="http://schemas.openxmlformats.org/drawingml/2006/main" xmlns:r="http://schemas.openxmlformats.org/officeDocument/2006/relationships" xmlns:p="http://schemas.openxmlformats.org/presentationml/2006/main">
-  <p:cSld>
-    <p:spTree>
-      <p:nvGrpSpPr>
-        <p:cNvPr id="1" name=""/>
-        <p:cNvGrpSpPr/>
-        <p:nvPr/>
-      </p:nvGrpSpPr>
-      <p:grpSpPr>
-        <a:xfrm>
-          <a:off x="0" y="0"/>
-          <a:ext cx="0" cy="0"/>
-          <a:chOff x="0" y="0"/>
-          <a:chExt cx="0" cy="0"/>
-        </a:xfrm>
-      </p:grpSpPr>
-      <p:sp>
-        <p:nvSpPr>
-          <p:cNvPr id="2" name="Título 1">
-            <a:extLst>
-              <a:ext uri="{FF2B5EF4-FFF2-40B4-BE49-F238E27FC236}">
-                <a16:creationId xmlns:a16="http://schemas.microsoft.com/office/drawing/2014/main" id="{7758A651-C5B9-4AEB-AB9D-245420AF6D76}"/>
-              </a:ext>
-            </a:extLst>
-          </p:cNvPr>
-          <p:cNvSpPr>
-            <a:spLocks noGrp="1"/>
-          </p:cNvSpPr>
-          <p:nvPr>
-            <p:ph type="title"/>
-          </p:nvPr>
-        </p:nvSpPr>
-        <p:spPr>
-          <a:xfrm>
-            <a:off x="155275" y="365760"/>
-            <a:ext cx="8365270" cy="1325562"/>
-          </a:xfrm>
-        </p:spPr>
-        <p:txBody>
-          <a:bodyPr/>
-          <a:lstStyle/>
-          <a:p>
-            <a:r>
-              <a:rPr lang="es-AR" dirty="0"/>
-              <a:t>Elementos Centrales de </a:t>
-            </a:r>
-            <a:r>
-              <a:rPr lang="es-AR" dirty="0" err="1"/>
-              <a:t>Reinforcement</a:t>
-            </a:r>
-            <a:r>
-              <a:rPr lang="es-AR" dirty="0"/>
-              <a:t> </a:t>
-            </a:r>
-            <a:r>
-              <a:rPr lang="es-AR" dirty="0" err="1"/>
-              <a:t>Learning</a:t>
-            </a:r>
-            <a:br>
-              <a:rPr lang="es-AR" dirty="0"/>
-            </a:br>
-            <a:r>
-              <a:rPr lang="es-AR" sz="2000" dirty="0"/>
-              <a:t>(breve repaso)</a:t>
-            </a:r>
-            <a:endParaRPr lang="en-US" dirty="0"/>
-          </a:p>
-        </p:txBody>
-      </p:sp>
-      <p:sp>
-        <p:nvSpPr>
-          <p:cNvPr id="6" name="Marcador de contenido 2">
-            <a:extLst>
-              <a:ext uri="{FF2B5EF4-FFF2-40B4-BE49-F238E27FC236}">
-                <a16:creationId xmlns:a16="http://schemas.microsoft.com/office/drawing/2014/main" id="{7DD9AB01-A9DB-4482-AAD2-BDC5D15FF783}"/>
-              </a:ext>
-            </a:extLst>
-          </p:cNvPr>
-          <p:cNvSpPr>
-            <a:spLocks noGrp="1"/>
-          </p:cNvSpPr>
-          <p:nvPr>
-            <p:ph idx="1"/>
-          </p:nvPr>
-        </p:nvSpPr>
-        <p:spPr>
-          <a:xfrm>
-            <a:off x="221673" y="1828801"/>
-            <a:ext cx="8645236" cy="4876799"/>
-          </a:xfrm>
-        </p:spPr>
-        <p:txBody>
-          <a:bodyPr>
-            <a:normAutofit fontScale="92500" lnSpcReduction="10000"/>
-          </a:bodyPr>
-          <a:lstStyle/>
-          <a:p>
-            <a:pPr marL="179388" indent="0">
-              <a:buFont typeface="Wingdings" panose="05000000000000000000" pitchFamily="2" charset="2"/>
-              <a:buChar char="q"/>
-            </a:pPr>
-            <a:r>
-              <a:rPr lang="es-AR" sz="1800" b="1" dirty="0" err="1">
-                <a:latin typeface="Calibri" panose="020F0502020204030204" pitchFamily="34" charset="0"/>
-                <a:cs typeface="Calibri" panose="020F0502020204030204" pitchFamily="34" charset="0"/>
-              </a:rPr>
-              <a:t>State</a:t>
-            </a:r>
-            <a:r>
-              <a:rPr lang="es-AR" sz="1800" dirty="0">
-                <a:latin typeface="Calibri" panose="020F0502020204030204" pitchFamily="34" charset="0"/>
-                <a:cs typeface="Calibri" panose="020F0502020204030204" pitchFamily="34" charset="0"/>
-              </a:rPr>
-              <a:t>: el estado, lo que tu agente </a:t>
-            </a:r>
-            <a:r>
-              <a:rPr lang="es-AR" sz="1800" dirty="0" err="1">
-                <a:latin typeface="Calibri" panose="020F0502020204030204" pitchFamily="34" charset="0"/>
-                <a:cs typeface="Calibri" panose="020F0502020204030204" pitchFamily="34" charset="0"/>
-              </a:rPr>
-              <a:t>sensa</a:t>
-            </a:r>
-            <a:r>
-              <a:rPr lang="es-AR" sz="1800" dirty="0">
-                <a:latin typeface="Calibri" panose="020F0502020204030204" pitchFamily="34" charset="0"/>
-                <a:cs typeface="Calibri" panose="020F0502020204030204" pitchFamily="34" charset="0"/>
-              </a:rPr>
-              <a:t> del entorno, puede ser información perfecta o no (cartas vs tablero) </a:t>
-            </a:r>
-          </a:p>
-          <a:p>
-            <a:pPr marL="179388" indent="0">
-              <a:buFont typeface="Wingdings" panose="05000000000000000000" pitchFamily="2" charset="2"/>
-              <a:buChar char="q"/>
-            </a:pPr>
-            <a:r>
-              <a:rPr lang="es-AR" sz="1800" b="1" dirty="0">
-                <a:latin typeface="Calibri" panose="020F0502020204030204" pitchFamily="34" charset="0"/>
-                <a:cs typeface="Calibri" panose="020F0502020204030204" pitchFamily="34" charset="0"/>
-              </a:rPr>
-              <a:t>Episodio</a:t>
-            </a:r>
-            <a:r>
-              <a:rPr lang="es-AR" sz="1800" dirty="0">
-                <a:latin typeface="Calibri" panose="020F0502020204030204" pitchFamily="34" charset="0"/>
-                <a:cs typeface="Calibri" panose="020F0502020204030204" pitchFamily="34" charset="0"/>
-              </a:rPr>
-              <a:t>: Una partida completa, desde un estado inicial a un estado terminal.</a:t>
-            </a:r>
-          </a:p>
-          <a:p>
-            <a:pPr marL="179388" indent="0">
-              <a:buFont typeface="Wingdings" panose="05000000000000000000" pitchFamily="2" charset="2"/>
-              <a:buChar char="q"/>
-            </a:pPr>
-            <a:r>
-              <a:rPr lang="es-AR" sz="1800" b="1" dirty="0">
-                <a:latin typeface="Calibri" panose="020F0502020204030204" pitchFamily="34" charset="0"/>
-                <a:cs typeface="Calibri" panose="020F0502020204030204" pitchFamily="34" charset="0"/>
-              </a:rPr>
-              <a:t>Acción</a:t>
-            </a:r>
-            <a:r>
-              <a:rPr lang="es-AR" sz="1800" dirty="0">
-                <a:latin typeface="Calibri" panose="020F0502020204030204" pitchFamily="34" charset="0"/>
-                <a:cs typeface="Calibri" panose="020F0502020204030204" pitchFamily="34" charset="0"/>
-              </a:rPr>
-              <a:t>: predefinidas, pueden ser determinística o probabilística, o sea, no garantizar un resultado (a veces el modelo debe incorporar </a:t>
-            </a:r>
-            <a:r>
-              <a:rPr lang="es-AR" sz="1800" dirty="0" err="1">
-                <a:latin typeface="Calibri" panose="020F0502020204030204" pitchFamily="34" charset="0"/>
-                <a:cs typeface="Calibri" panose="020F0502020204030204" pitchFamily="34" charset="0"/>
-              </a:rPr>
-              <a:t>state</a:t>
-            </a:r>
-            <a:r>
-              <a:rPr lang="es-AR" sz="1800" dirty="0">
-                <a:latin typeface="Calibri" panose="020F0502020204030204" pitchFamily="34" charset="0"/>
-                <a:cs typeface="Calibri" panose="020F0502020204030204" pitchFamily="34" charset="0"/>
-              </a:rPr>
-              <a:t> </a:t>
-            </a:r>
-            <a:r>
-              <a:rPr lang="es-AR" sz="1800" dirty="0" err="1">
-                <a:latin typeface="Calibri" panose="020F0502020204030204" pitchFamily="34" charset="0"/>
-                <a:cs typeface="Calibri" panose="020F0502020204030204" pitchFamily="34" charset="0"/>
-              </a:rPr>
-              <a:t>transition</a:t>
-            </a:r>
-            <a:r>
-              <a:rPr lang="es-AR" sz="1800" dirty="0">
-                <a:latin typeface="Calibri" panose="020F0502020204030204" pitchFamily="34" charset="0"/>
-                <a:cs typeface="Calibri" panose="020F0502020204030204" pitchFamily="34" charset="0"/>
-              </a:rPr>
-              <a:t> </a:t>
-            </a:r>
-            <a:r>
-              <a:rPr lang="es-AR" sz="1800" dirty="0" err="1">
-                <a:latin typeface="Calibri" panose="020F0502020204030204" pitchFamily="34" charset="0"/>
-                <a:cs typeface="Calibri" panose="020F0502020204030204" pitchFamily="34" charset="0"/>
-              </a:rPr>
-              <a:t>probabilities</a:t>
-            </a:r>
-            <a:r>
-              <a:rPr lang="es-AR" sz="1800" dirty="0">
-                <a:latin typeface="Calibri" panose="020F0502020204030204" pitchFamily="34" charset="0"/>
-                <a:cs typeface="Calibri" panose="020F0502020204030204" pitchFamily="34" charset="0"/>
-              </a:rPr>
-              <a:t>)</a:t>
-            </a:r>
-          </a:p>
-          <a:p>
-            <a:pPr marL="179388" indent="0">
-              <a:buFont typeface="Wingdings" panose="05000000000000000000" pitchFamily="2" charset="2"/>
-              <a:buChar char="q"/>
-            </a:pPr>
-            <a:r>
-              <a:rPr lang="es-AR" sz="1800" b="1" dirty="0" err="1">
-                <a:latin typeface="Calibri" panose="020F0502020204030204" pitchFamily="34" charset="0"/>
-                <a:cs typeface="Calibri" panose="020F0502020204030204" pitchFamily="34" charset="0"/>
-              </a:rPr>
-              <a:t>Policy</a:t>
-            </a:r>
-            <a:r>
-              <a:rPr lang="es-AR" sz="1800" b="1" dirty="0">
-                <a:latin typeface="Calibri" panose="020F0502020204030204" pitchFamily="34" charset="0"/>
-                <a:cs typeface="Calibri" panose="020F0502020204030204" pitchFamily="34" charset="0"/>
-              </a:rPr>
-              <a:t> </a:t>
-            </a:r>
-            <a:r>
-              <a:rPr lang="el-GR" sz="2400" b="1" dirty="0">
-                <a:latin typeface="Calibri" panose="020F0502020204030204" pitchFamily="34" charset="0"/>
-                <a:cs typeface="Calibri" panose="020F0502020204030204" pitchFamily="34" charset="0"/>
-              </a:rPr>
-              <a:t>π</a:t>
-            </a:r>
-            <a:r>
-              <a:rPr lang="es-AR" sz="1800" dirty="0">
-                <a:latin typeface="Calibri" panose="020F0502020204030204" pitchFamily="34" charset="0"/>
-                <a:cs typeface="Calibri" panose="020F0502020204030204" pitchFamily="34" charset="0"/>
-              </a:rPr>
-              <a:t>: La función que tiene como entrada un estado y me devuelve la acción a tomar. Existen muchos enfoques, pero destacamos que no me garantiza el estado en el que vamos a caer.</a:t>
-            </a:r>
-          </a:p>
-          <a:p>
-            <a:pPr marL="179388" indent="0">
-              <a:buFont typeface="Wingdings" panose="05000000000000000000" pitchFamily="2" charset="2"/>
-              <a:buChar char="q"/>
-            </a:pPr>
-            <a:r>
-              <a:rPr lang="es-AR" sz="1800" b="1" dirty="0">
-                <a:latin typeface="Calibri" panose="020F0502020204030204" pitchFamily="34" charset="0"/>
-                <a:cs typeface="Calibri" panose="020F0502020204030204" pitchFamily="34" charset="0"/>
-              </a:rPr>
-              <a:t>Recompensa</a:t>
-            </a:r>
-            <a:r>
-              <a:rPr lang="es-AR" sz="1800" dirty="0">
-                <a:latin typeface="Calibri" panose="020F0502020204030204" pitchFamily="34" charset="0"/>
-                <a:cs typeface="Calibri" panose="020F0502020204030204" pitchFamily="34" charset="0"/>
-              </a:rPr>
-              <a:t>: El resultado de tomar una acción. Cuidado con cero (</a:t>
-            </a:r>
-            <a:r>
-              <a:rPr lang="es-AR" sz="1800" dirty="0" err="1">
-                <a:latin typeface="Calibri" panose="020F0502020204030204" pitchFamily="34" charset="0"/>
-                <a:cs typeface="Calibri" panose="020F0502020204030204" pitchFamily="34" charset="0"/>
-              </a:rPr>
-              <a:t>ej</a:t>
-            </a:r>
-            <a:r>
-              <a:rPr lang="es-AR" sz="1800" dirty="0">
-                <a:latin typeface="Calibri" panose="020F0502020204030204" pitchFamily="34" charset="0"/>
-                <a:cs typeface="Calibri" panose="020F0502020204030204" pitchFamily="34" charset="0"/>
-              </a:rPr>
-              <a:t>: laberinto). </a:t>
-            </a:r>
-            <a:r>
-              <a:rPr lang="es-AR" sz="1800" dirty="0" err="1">
-                <a:latin typeface="Calibri" panose="020F0502020204030204" pitchFamily="34" charset="0"/>
-                <a:cs typeface="Calibri" panose="020F0502020204030204" pitchFamily="34" charset="0"/>
-              </a:rPr>
-              <a:t>Zerosum</a:t>
-            </a:r>
-            <a:r>
-              <a:rPr lang="es-AR" sz="1800" dirty="0">
-                <a:latin typeface="Calibri" panose="020F0502020204030204" pitchFamily="34" charset="0"/>
-                <a:cs typeface="Calibri" panose="020F0502020204030204" pitchFamily="34" charset="0"/>
-              </a:rPr>
-              <a:t> es R1 + R2 = 0</a:t>
-            </a:r>
-          </a:p>
-          <a:p>
-            <a:pPr marL="179388" indent="0">
-              <a:buFont typeface="Wingdings" panose="05000000000000000000" pitchFamily="2" charset="2"/>
-              <a:buChar char="q"/>
-            </a:pPr>
-            <a:r>
-              <a:rPr lang="es-AR" sz="1800" b="1" dirty="0" err="1">
-                <a:latin typeface="Calibri" panose="020F0502020204030204" pitchFamily="34" charset="0"/>
-                <a:cs typeface="Calibri" panose="020F0502020204030204" pitchFamily="34" charset="0"/>
-              </a:rPr>
-              <a:t>Value</a:t>
-            </a:r>
-            <a:r>
-              <a:rPr lang="es-AR" sz="1800" b="1" dirty="0">
-                <a:latin typeface="Calibri" panose="020F0502020204030204" pitchFamily="34" charset="0"/>
-                <a:cs typeface="Calibri" panose="020F0502020204030204" pitchFamily="34" charset="0"/>
-              </a:rPr>
-              <a:t> </a:t>
-            </a:r>
-            <a:r>
-              <a:rPr lang="es-AR" sz="1800" b="1" dirty="0" err="1">
-                <a:latin typeface="Calibri" panose="020F0502020204030204" pitchFamily="34" charset="0"/>
-                <a:cs typeface="Calibri" panose="020F0502020204030204" pitchFamily="34" charset="0"/>
-              </a:rPr>
-              <a:t>Function</a:t>
-            </a:r>
-            <a:r>
-              <a:rPr lang="es-AR" sz="1800" b="1" dirty="0">
-                <a:latin typeface="Calibri" panose="020F0502020204030204" pitchFamily="34" charset="0"/>
-                <a:cs typeface="Calibri" panose="020F0502020204030204" pitchFamily="34" charset="0"/>
-              </a:rPr>
-              <a:t> V(s): </a:t>
-            </a:r>
-            <a:r>
-              <a:rPr lang="es-AR" sz="1800" dirty="0">
-                <a:latin typeface="Calibri" panose="020F0502020204030204" pitchFamily="34" charset="0"/>
-                <a:cs typeface="Calibri" panose="020F0502020204030204" pitchFamily="34" charset="0"/>
-              </a:rPr>
-              <a:t>la medida de valor de un estado incluyendo todas las futuras Recompensas</a:t>
-            </a:r>
-          </a:p>
-          <a:p>
-            <a:pPr marL="179388" indent="0">
-              <a:buFont typeface="Wingdings" panose="05000000000000000000" pitchFamily="2" charset="2"/>
-              <a:buChar char="q"/>
-            </a:pPr>
-            <a:r>
-              <a:rPr lang="es-AR" sz="1800" b="1" dirty="0">
-                <a:latin typeface="Calibri" panose="020F0502020204030204" pitchFamily="34" charset="0"/>
-                <a:cs typeface="Calibri" panose="020F0502020204030204" pitchFamily="34" charset="0"/>
-              </a:rPr>
-              <a:t>Q(</a:t>
-            </a:r>
-            <a:r>
-              <a:rPr lang="es-AR" sz="1800" b="1" dirty="0" err="1">
-                <a:latin typeface="Calibri" panose="020F0502020204030204" pitchFamily="34" charset="0"/>
-                <a:cs typeface="Calibri" panose="020F0502020204030204" pitchFamily="34" charset="0"/>
-              </a:rPr>
-              <a:t>s,a</a:t>
-            </a:r>
-            <a:r>
-              <a:rPr lang="es-AR" sz="1800" b="1" dirty="0">
-                <a:latin typeface="Calibri" panose="020F0502020204030204" pitchFamily="34" charset="0"/>
-                <a:cs typeface="Calibri" panose="020F0502020204030204" pitchFamily="34" charset="0"/>
-              </a:rPr>
-              <a:t>): </a:t>
-            </a:r>
-            <a:r>
-              <a:rPr lang="es-AR" sz="1800" dirty="0">
-                <a:latin typeface="Calibri" panose="020F0502020204030204" pitchFamily="34" charset="0"/>
-                <a:cs typeface="Calibri" panose="020F0502020204030204" pitchFamily="34" charset="0"/>
-              </a:rPr>
-              <a:t>similar a la </a:t>
-            </a:r>
-            <a:r>
-              <a:rPr lang="es-AR" sz="1800" dirty="0" err="1">
-                <a:latin typeface="Calibri" panose="020F0502020204030204" pitchFamily="34" charset="0"/>
-                <a:cs typeface="Calibri" panose="020F0502020204030204" pitchFamily="34" charset="0"/>
-              </a:rPr>
-              <a:t>Value</a:t>
-            </a:r>
-            <a:r>
-              <a:rPr lang="es-AR" sz="1800" dirty="0">
-                <a:latin typeface="Calibri" panose="020F0502020204030204" pitchFamily="34" charset="0"/>
-                <a:cs typeface="Calibri" panose="020F0502020204030204" pitchFamily="34" charset="0"/>
-              </a:rPr>
-              <a:t> </a:t>
-            </a:r>
-            <a:r>
-              <a:rPr lang="es-AR" sz="1800" dirty="0" err="1">
-                <a:latin typeface="Calibri" panose="020F0502020204030204" pitchFamily="34" charset="0"/>
-                <a:cs typeface="Calibri" panose="020F0502020204030204" pitchFamily="34" charset="0"/>
-              </a:rPr>
-              <a:t>Function</a:t>
-            </a:r>
-            <a:r>
-              <a:rPr lang="es-AR" sz="1800" dirty="0">
-                <a:latin typeface="Calibri" panose="020F0502020204030204" pitchFamily="34" charset="0"/>
-                <a:cs typeface="Calibri" panose="020F0502020204030204" pitchFamily="34" charset="0"/>
-              </a:rPr>
-              <a:t> pero asocia estado y acción, típicamente se usa cuando se quiere </a:t>
-            </a:r>
-            <a:r>
-              <a:rPr lang="es-AR" sz="1800" dirty="0" err="1">
-                <a:latin typeface="Calibri" panose="020F0502020204030204" pitchFamily="34" charset="0"/>
-                <a:cs typeface="Calibri" panose="020F0502020204030204" pitchFamily="34" charset="0"/>
-              </a:rPr>
-              <a:t>hayar</a:t>
-            </a:r>
-            <a:r>
-              <a:rPr lang="es-AR" sz="1800" dirty="0">
-                <a:latin typeface="Calibri" panose="020F0502020204030204" pitchFamily="34" charset="0"/>
-                <a:cs typeface="Calibri" panose="020F0502020204030204" pitchFamily="34" charset="0"/>
-              </a:rPr>
-              <a:t> la </a:t>
-            </a:r>
-            <a:r>
-              <a:rPr lang="es-AR" sz="1800" dirty="0" err="1">
-                <a:latin typeface="Calibri" panose="020F0502020204030204" pitchFamily="34" charset="0"/>
-                <a:cs typeface="Calibri" panose="020F0502020204030204" pitchFamily="34" charset="0"/>
-              </a:rPr>
-              <a:t>policy</a:t>
-            </a:r>
-            <a:r>
-              <a:rPr lang="es-AR" sz="1800" dirty="0">
-                <a:latin typeface="Calibri" panose="020F0502020204030204" pitchFamily="34" charset="0"/>
-                <a:cs typeface="Calibri" panose="020F0502020204030204" pitchFamily="34" charset="0"/>
-              </a:rPr>
-              <a:t> optima (Control </a:t>
-            </a:r>
-            <a:r>
-              <a:rPr lang="es-AR" sz="1800" dirty="0" err="1">
-                <a:latin typeface="Calibri" panose="020F0502020204030204" pitchFamily="34" charset="0"/>
-                <a:cs typeface="Calibri" panose="020F0502020204030204" pitchFamily="34" charset="0"/>
-              </a:rPr>
-              <a:t>Problem</a:t>
-            </a:r>
-            <a:r>
-              <a:rPr lang="es-AR" sz="1800" dirty="0">
-                <a:latin typeface="Calibri" panose="020F0502020204030204" pitchFamily="34" charset="0"/>
-                <a:cs typeface="Calibri" panose="020F0502020204030204" pitchFamily="34" charset="0"/>
-              </a:rPr>
-              <a:t>) porque esta indexado por acción.</a:t>
-            </a:r>
-          </a:p>
-          <a:p>
-            <a:pPr marL="179388" indent="0">
-              <a:buFont typeface="Wingdings" panose="05000000000000000000" pitchFamily="2" charset="2"/>
-              <a:buChar char="q"/>
-            </a:pPr>
-            <a:r>
-              <a:rPr lang="es-AR" sz="1800" b="1" dirty="0">
-                <a:latin typeface="Calibri" panose="020F0502020204030204" pitchFamily="34" charset="0"/>
-                <a:cs typeface="Calibri" panose="020F0502020204030204" pitchFamily="34" charset="0"/>
-              </a:rPr>
-              <a:t>Exploración vs Explotación</a:t>
-            </a:r>
-            <a:r>
-              <a:rPr lang="es-AR" sz="1800" dirty="0">
-                <a:latin typeface="Calibri" panose="020F0502020204030204" pitchFamily="34" charset="0"/>
-                <a:cs typeface="Calibri" panose="020F0502020204030204" pitchFamily="34" charset="0"/>
-              </a:rPr>
-              <a:t>: </a:t>
-            </a:r>
-            <a:r>
-              <a:rPr lang="es-AR" sz="1800" dirty="0" err="1">
-                <a:latin typeface="Calibri" panose="020F0502020204030204" pitchFamily="34" charset="0"/>
-                <a:cs typeface="Calibri" panose="020F0502020204030204" pitchFamily="34" charset="0"/>
-              </a:rPr>
-              <a:t>Epsilon-greedy</a:t>
-            </a:r>
-            <a:r>
-              <a:rPr lang="es-AR" sz="1800" dirty="0">
-                <a:latin typeface="Calibri" panose="020F0502020204030204" pitchFamily="34" charset="0"/>
-                <a:cs typeface="Calibri" panose="020F0502020204030204" pitchFamily="34" charset="0"/>
-              </a:rPr>
-              <a:t>, OIV, </a:t>
-            </a:r>
-            <a:r>
-              <a:rPr lang="es-AR" sz="1800" dirty="0" err="1">
-                <a:latin typeface="Calibri" panose="020F0502020204030204" pitchFamily="34" charset="0"/>
-                <a:cs typeface="Calibri" panose="020F0502020204030204" pitchFamily="34" charset="0"/>
-              </a:rPr>
-              <a:t>Bayesian</a:t>
-            </a:r>
-            <a:r>
-              <a:rPr lang="es-AR" sz="1800" dirty="0">
-                <a:latin typeface="Calibri" panose="020F0502020204030204" pitchFamily="34" charset="0"/>
-                <a:cs typeface="Calibri" panose="020F0502020204030204" pitchFamily="34" charset="0"/>
-              </a:rPr>
-              <a:t> Thompson, </a:t>
-            </a:r>
-            <a:r>
-              <a:rPr lang="es-AR" sz="1800" dirty="0" err="1">
-                <a:latin typeface="Calibri" panose="020F0502020204030204" pitchFamily="34" charset="0"/>
-                <a:cs typeface="Calibri" panose="020F0502020204030204" pitchFamily="34" charset="0"/>
-              </a:rPr>
-              <a:t>etc</a:t>
-            </a:r>
-            <a:endParaRPr lang="es-AR" sz="1800" dirty="0">
-              <a:latin typeface="Calibri" panose="020F0502020204030204" pitchFamily="34" charset="0"/>
-              <a:cs typeface="Calibri" panose="020F0502020204030204" pitchFamily="34" charset="0"/>
-            </a:endParaRPr>
-          </a:p>
-          <a:p>
-            <a:pPr marL="179388" indent="0">
-              <a:buFont typeface="Wingdings" panose="05000000000000000000" pitchFamily="2" charset="2"/>
-              <a:buChar char="q"/>
-            </a:pPr>
-            <a:r>
-              <a:rPr lang="es-AR" sz="1800" b="1" dirty="0" err="1">
-                <a:latin typeface="Calibri" panose="020F0502020204030204" pitchFamily="34" charset="0"/>
-                <a:cs typeface="Calibri" panose="020F0502020204030204" pitchFamily="34" charset="0"/>
-              </a:rPr>
-              <a:t>Discount</a:t>
-            </a:r>
-            <a:r>
-              <a:rPr lang="es-AR" sz="1800" b="1" dirty="0">
-                <a:latin typeface="Calibri" panose="020F0502020204030204" pitchFamily="34" charset="0"/>
-                <a:cs typeface="Calibri" panose="020F0502020204030204" pitchFamily="34" charset="0"/>
-              </a:rPr>
-              <a:t> </a:t>
-            </a:r>
-            <a:r>
-              <a:rPr lang="es-AR" sz="1800" b="1" dirty="0" err="1">
-                <a:latin typeface="Calibri" panose="020F0502020204030204" pitchFamily="34" charset="0"/>
-                <a:cs typeface="Calibri" panose="020F0502020204030204" pitchFamily="34" charset="0"/>
-              </a:rPr>
-              <a:t>Factors</a:t>
-            </a:r>
-            <a:r>
-              <a:rPr lang="es-AR" sz="1800" dirty="0">
-                <a:latin typeface="Calibri" panose="020F0502020204030204" pitchFamily="34" charset="0"/>
-                <a:cs typeface="Calibri" panose="020F0502020204030204" pitchFamily="34" charset="0"/>
-              </a:rPr>
-              <a:t>: factor de ajuste para propagación del valor</a:t>
-            </a:r>
-          </a:p>
-          <a:p>
-            <a:pPr marL="179388" indent="0">
-              <a:buFont typeface="Wingdings" panose="05000000000000000000" pitchFamily="2" charset="2"/>
-              <a:buChar char="q"/>
-            </a:pPr>
-            <a:r>
-              <a:rPr lang="es-AR" sz="1800" b="1" dirty="0" err="1">
-                <a:latin typeface="Calibri" panose="020F0502020204030204" pitchFamily="34" charset="0"/>
-                <a:cs typeface="Calibri" panose="020F0502020204030204" pitchFamily="34" charset="0"/>
-              </a:rPr>
-              <a:t>Learning</a:t>
-            </a:r>
-            <a:r>
-              <a:rPr lang="es-AR" sz="1800" b="1" dirty="0">
-                <a:latin typeface="Calibri" panose="020F0502020204030204" pitchFamily="34" charset="0"/>
-                <a:cs typeface="Calibri" panose="020F0502020204030204" pitchFamily="34" charset="0"/>
-              </a:rPr>
-              <a:t> Rates</a:t>
-            </a:r>
-            <a:r>
-              <a:rPr lang="es-AR" sz="1800" dirty="0">
-                <a:latin typeface="Calibri" panose="020F0502020204030204" pitchFamily="34" charset="0"/>
-                <a:cs typeface="Calibri" panose="020F0502020204030204" pitchFamily="34" charset="0"/>
-              </a:rPr>
-              <a:t>: a que velocidad aprendo</a:t>
-            </a:r>
-          </a:p>
-          <a:p>
-            <a:endParaRPr lang="es-AR" sz="1800" dirty="0"/>
-          </a:p>
-        </p:txBody>
-      </p:sp>
-    </p:spTree>
-    <p:extLst>
-      <p:ext uri="{BB962C8B-B14F-4D97-AF65-F5344CB8AC3E}">
-        <p14:creationId xmlns:p14="http://schemas.microsoft.com/office/powerpoint/2010/main" val="1473911384"/>
-      </p:ext>
-    </p:extLst>
-  </p:cSld>
-  <p:clrMapOvr>
-    <a:masterClrMapping/>
-  </p:clrMapOvr>
-</p:sld>
-</file>
-
-<file path=ppt/slides/slide50.xml><?xml version="1.0" encoding="utf-8"?>
+<file path=ppt/slides/slide49.xml><?xml version="1.0" encoding="utf-8"?>
 <p:sld xmlns:a="http://schemas.openxmlformats.org/drawingml/2006/main" xmlns:r="http://schemas.openxmlformats.org/officeDocument/2006/relationships" xmlns:p="http://schemas.openxmlformats.org/presentationml/2006/main">
   <p:cSld>
     <p:spTree>
@@ -20765,7 +20634,585 @@
 </p:sld>
 </file>
 
-<file path=ppt/slides/slide51.xml><?xml version="1.0" encoding="utf-8"?>
+<file path=ppt/slides/slide5.xml><?xml version="1.0" encoding="utf-8"?>
+<p:sld xmlns:a="http://schemas.openxmlformats.org/drawingml/2006/main" xmlns:r="http://schemas.openxmlformats.org/officeDocument/2006/relationships" xmlns:p="http://schemas.openxmlformats.org/presentationml/2006/main">
+  <p:cSld>
+    <p:spTree>
+      <p:nvGrpSpPr>
+        <p:cNvPr id="1" name=""/>
+        <p:cNvGrpSpPr/>
+        <p:nvPr/>
+      </p:nvGrpSpPr>
+      <p:grpSpPr>
+        <a:xfrm>
+          <a:off x="0" y="0"/>
+          <a:ext cx="0" cy="0"/>
+          <a:chOff x="0" y="0"/>
+          <a:chExt cx="0" cy="0"/>
+        </a:xfrm>
+      </p:grpSpPr>
+      <p:sp>
+        <p:nvSpPr>
+          <p:cNvPr id="2" name="Título 1">
+            <a:extLst>
+              <a:ext uri="{FF2B5EF4-FFF2-40B4-BE49-F238E27FC236}">
+                <a16:creationId xmlns:a16="http://schemas.microsoft.com/office/drawing/2014/main" id="{7758A651-C5B9-4AEB-AB9D-245420AF6D76}"/>
+              </a:ext>
+            </a:extLst>
+          </p:cNvPr>
+          <p:cNvSpPr>
+            <a:spLocks noGrp="1"/>
+          </p:cNvSpPr>
+          <p:nvPr>
+            <p:ph type="title"/>
+          </p:nvPr>
+        </p:nvSpPr>
+        <p:spPr>
+          <a:xfrm>
+            <a:off x="155275" y="365760"/>
+            <a:ext cx="8365270" cy="1325562"/>
+          </a:xfrm>
+        </p:spPr>
+        <p:txBody>
+          <a:bodyPr/>
+          <a:lstStyle/>
+          <a:p>
+            <a:r>
+              <a:rPr lang="es-AR" dirty="0"/>
+              <a:t>Elementos Centrales de </a:t>
+            </a:r>
+            <a:r>
+              <a:rPr lang="es-AR" dirty="0" err="1"/>
+              <a:t>Reinforcement</a:t>
+            </a:r>
+            <a:r>
+              <a:rPr lang="es-AR" dirty="0"/>
+              <a:t> </a:t>
+            </a:r>
+            <a:r>
+              <a:rPr lang="es-AR" dirty="0" err="1"/>
+              <a:t>Learning</a:t>
+            </a:r>
+            <a:br>
+              <a:rPr lang="es-AR" dirty="0"/>
+            </a:br>
+            <a:r>
+              <a:rPr lang="es-AR" sz="2000" dirty="0"/>
+              <a:t>(breve repaso)</a:t>
+            </a:r>
+            <a:endParaRPr lang="en-US" dirty="0"/>
+          </a:p>
+        </p:txBody>
+      </p:sp>
+      <p:sp>
+        <p:nvSpPr>
+          <p:cNvPr id="6" name="Marcador de contenido 2">
+            <a:extLst>
+              <a:ext uri="{FF2B5EF4-FFF2-40B4-BE49-F238E27FC236}">
+                <a16:creationId xmlns:a16="http://schemas.microsoft.com/office/drawing/2014/main" id="{7DD9AB01-A9DB-4482-AAD2-BDC5D15FF783}"/>
+              </a:ext>
+            </a:extLst>
+          </p:cNvPr>
+          <p:cNvSpPr>
+            <a:spLocks noGrp="1"/>
+          </p:cNvSpPr>
+          <p:nvPr>
+            <p:ph idx="1"/>
+          </p:nvPr>
+        </p:nvSpPr>
+        <p:spPr>
+          <a:xfrm>
+            <a:off x="221673" y="1828801"/>
+            <a:ext cx="8645236" cy="4876799"/>
+          </a:xfrm>
+        </p:spPr>
+        <p:txBody>
+          <a:bodyPr>
+            <a:normAutofit fontScale="92500" lnSpcReduction="10000"/>
+          </a:bodyPr>
+          <a:lstStyle/>
+          <a:p>
+            <a:pPr marL="179388" indent="0">
+              <a:buFont typeface="Wingdings" panose="05000000000000000000" pitchFamily="2" charset="2"/>
+              <a:buChar char="q"/>
+            </a:pPr>
+            <a:r>
+              <a:rPr lang="es-AR" sz="1800" b="1" dirty="0" err="1">
+                <a:latin typeface="Calibri" panose="020F0502020204030204" pitchFamily="34" charset="0"/>
+                <a:cs typeface="Calibri" panose="020F0502020204030204" pitchFamily="34" charset="0"/>
+              </a:rPr>
+              <a:t>State</a:t>
+            </a:r>
+            <a:r>
+              <a:rPr lang="es-AR" sz="1800" dirty="0">
+                <a:latin typeface="Calibri" panose="020F0502020204030204" pitchFamily="34" charset="0"/>
+                <a:cs typeface="Calibri" panose="020F0502020204030204" pitchFamily="34" charset="0"/>
+              </a:rPr>
+              <a:t>: el estado, lo que tu agente </a:t>
+            </a:r>
+            <a:r>
+              <a:rPr lang="es-AR" sz="1800" dirty="0" err="1">
+                <a:latin typeface="Calibri" panose="020F0502020204030204" pitchFamily="34" charset="0"/>
+                <a:cs typeface="Calibri" panose="020F0502020204030204" pitchFamily="34" charset="0"/>
+              </a:rPr>
+              <a:t>sensa</a:t>
+            </a:r>
+            <a:r>
+              <a:rPr lang="es-AR" sz="1800" dirty="0">
+                <a:latin typeface="Calibri" panose="020F0502020204030204" pitchFamily="34" charset="0"/>
+                <a:cs typeface="Calibri" panose="020F0502020204030204" pitchFamily="34" charset="0"/>
+              </a:rPr>
+              <a:t> del entorno, puede ser información perfecta o no (cartas vs tablero) </a:t>
+            </a:r>
+          </a:p>
+          <a:p>
+            <a:pPr marL="179388" indent="0">
+              <a:buFont typeface="Wingdings" panose="05000000000000000000" pitchFamily="2" charset="2"/>
+              <a:buChar char="q"/>
+            </a:pPr>
+            <a:r>
+              <a:rPr lang="es-AR" sz="1800" b="1" dirty="0">
+                <a:latin typeface="Calibri" panose="020F0502020204030204" pitchFamily="34" charset="0"/>
+                <a:cs typeface="Calibri" panose="020F0502020204030204" pitchFamily="34" charset="0"/>
+              </a:rPr>
+              <a:t>Episodio</a:t>
+            </a:r>
+            <a:r>
+              <a:rPr lang="es-AR" sz="1800" dirty="0">
+                <a:latin typeface="Calibri" panose="020F0502020204030204" pitchFamily="34" charset="0"/>
+                <a:cs typeface="Calibri" panose="020F0502020204030204" pitchFamily="34" charset="0"/>
+              </a:rPr>
+              <a:t>: Una partida completa, desde un estado inicial a un estado terminal.</a:t>
+            </a:r>
+          </a:p>
+          <a:p>
+            <a:pPr marL="179388" indent="0">
+              <a:buFont typeface="Wingdings" panose="05000000000000000000" pitchFamily="2" charset="2"/>
+              <a:buChar char="q"/>
+            </a:pPr>
+            <a:r>
+              <a:rPr lang="es-AR" sz="1800" b="1" dirty="0">
+                <a:latin typeface="Calibri" panose="020F0502020204030204" pitchFamily="34" charset="0"/>
+                <a:cs typeface="Calibri" panose="020F0502020204030204" pitchFamily="34" charset="0"/>
+              </a:rPr>
+              <a:t>Acción</a:t>
+            </a:r>
+            <a:r>
+              <a:rPr lang="es-AR" sz="1800" dirty="0">
+                <a:latin typeface="Calibri" panose="020F0502020204030204" pitchFamily="34" charset="0"/>
+                <a:cs typeface="Calibri" panose="020F0502020204030204" pitchFamily="34" charset="0"/>
+              </a:rPr>
+              <a:t>: predefinidas, pueden ser determinística o probabilística, o sea, no garantizar un resultado (a veces el modelo debe incorporar </a:t>
+            </a:r>
+            <a:r>
+              <a:rPr lang="es-AR" sz="1800" dirty="0" err="1">
+                <a:latin typeface="Calibri" panose="020F0502020204030204" pitchFamily="34" charset="0"/>
+                <a:cs typeface="Calibri" panose="020F0502020204030204" pitchFamily="34" charset="0"/>
+              </a:rPr>
+              <a:t>state</a:t>
+            </a:r>
+            <a:r>
+              <a:rPr lang="es-AR" sz="1800" dirty="0">
+                <a:latin typeface="Calibri" panose="020F0502020204030204" pitchFamily="34" charset="0"/>
+                <a:cs typeface="Calibri" panose="020F0502020204030204" pitchFamily="34" charset="0"/>
+              </a:rPr>
+              <a:t> </a:t>
+            </a:r>
+            <a:r>
+              <a:rPr lang="es-AR" sz="1800" dirty="0" err="1">
+                <a:latin typeface="Calibri" panose="020F0502020204030204" pitchFamily="34" charset="0"/>
+                <a:cs typeface="Calibri" panose="020F0502020204030204" pitchFamily="34" charset="0"/>
+              </a:rPr>
+              <a:t>transition</a:t>
+            </a:r>
+            <a:r>
+              <a:rPr lang="es-AR" sz="1800" dirty="0">
+                <a:latin typeface="Calibri" panose="020F0502020204030204" pitchFamily="34" charset="0"/>
+                <a:cs typeface="Calibri" panose="020F0502020204030204" pitchFamily="34" charset="0"/>
+              </a:rPr>
+              <a:t> </a:t>
+            </a:r>
+            <a:r>
+              <a:rPr lang="es-AR" sz="1800" dirty="0" err="1">
+                <a:latin typeface="Calibri" panose="020F0502020204030204" pitchFamily="34" charset="0"/>
+                <a:cs typeface="Calibri" panose="020F0502020204030204" pitchFamily="34" charset="0"/>
+              </a:rPr>
+              <a:t>probabilities</a:t>
+            </a:r>
+            <a:r>
+              <a:rPr lang="es-AR" sz="1800" dirty="0">
+                <a:latin typeface="Calibri" panose="020F0502020204030204" pitchFamily="34" charset="0"/>
+                <a:cs typeface="Calibri" panose="020F0502020204030204" pitchFamily="34" charset="0"/>
+              </a:rPr>
+              <a:t>)</a:t>
+            </a:r>
+          </a:p>
+          <a:p>
+            <a:pPr marL="179388" indent="0">
+              <a:buFont typeface="Wingdings" panose="05000000000000000000" pitchFamily="2" charset="2"/>
+              <a:buChar char="q"/>
+            </a:pPr>
+            <a:r>
+              <a:rPr lang="es-AR" sz="1800" b="1" dirty="0" err="1">
+                <a:latin typeface="Calibri" panose="020F0502020204030204" pitchFamily="34" charset="0"/>
+                <a:cs typeface="Calibri" panose="020F0502020204030204" pitchFamily="34" charset="0"/>
+              </a:rPr>
+              <a:t>Policy</a:t>
+            </a:r>
+            <a:r>
+              <a:rPr lang="es-AR" sz="1800" b="1" dirty="0">
+                <a:latin typeface="Calibri" panose="020F0502020204030204" pitchFamily="34" charset="0"/>
+                <a:cs typeface="Calibri" panose="020F0502020204030204" pitchFamily="34" charset="0"/>
+              </a:rPr>
+              <a:t> </a:t>
+            </a:r>
+            <a:r>
+              <a:rPr lang="el-GR" sz="2400" b="1" dirty="0">
+                <a:latin typeface="Calibri" panose="020F0502020204030204" pitchFamily="34" charset="0"/>
+                <a:cs typeface="Calibri" panose="020F0502020204030204" pitchFamily="34" charset="0"/>
+              </a:rPr>
+              <a:t>π</a:t>
+            </a:r>
+            <a:r>
+              <a:rPr lang="es-AR" sz="1800" dirty="0">
+                <a:latin typeface="Calibri" panose="020F0502020204030204" pitchFamily="34" charset="0"/>
+                <a:cs typeface="Calibri" panose="020F0502020204030204" pitchFamily="34" charset="0"/>
+              </a:rPr>
+              <a:t>: La función que tiene como entrada un estado y me devuelve la acción a tomar. Existen muchos enfoques, pero destacamos que no me garantiza el estado en el que vamos a caer.</a:t>
+            </a:r>
+          </a:p>
+          <a:p>
+            <a:pPr marL="179388" indent="0">
+              <a:buFont typeface="Wingdings" panose="05000000000000000000" pitchFamily="2" charset="2"/>
+              <a:buChar char="q"/>
+            </a:pPr>
+            <a:r>
+              <a:rPr lang="es-AR" sz="1800" b="1" dirty="0">
+                <a:latin typeface="Calibri" panose="020F0502020204030204" pitchFamily="34" charset="0"/>
+                <a:cs typeface="Calibri" panose="020F0502020204030204" pitchFamily="34" charset="0"/>
+              </a:rPr>
+              <a:t>Recompensa</a:t>
+            </a:r>
+            <a:r>
+              <a:rPr lang="es-AR" sz="1800" dirty="0">
+                <a:latin typeface="Calibri" panose="020F0502020204030204" pitchFamily="34" charset="0"/>
+                <a:cs typeface="Calibri" panose="020F0502020204030204" pitchFamily="34" charset="0"/>
+              </a:rPr>
+              <a:t>: El resultado de tomar una acción. Cuidado con cero (</a:t>
+            </a:r>
+            <a:r>
+              <a:rPr lang="es-AR" sz="1800" dirty="0" err="1">
+                <a:latin typeface="Calibri" panose="020F0502020204030204" pitchFamily="34" charset="0"/>
+                <a:cs typeface="Calibri" panose="020F0502020204030204" pitchFamily="34" charset="0"/>
+              </a:rPr>
+              <a:t>ej</a:t>
+            </a:r>
+            <a:r>
+              <a:rPr lang="es-AR" sz="1800" dirty="0">
+                <a:latin typeface="Calibri" panose="020F0502020204030204" pitchFamily="34" charset="0"/>
+                <a:cs typeface="Calibri" panose="020F0502020204030204" pitchFamily="34" charset="0"/>
+              </a:rPr>
+              <a:t>: laberinto). </a:t>
+            </a:r>
+            <a:r>
+              <a:rPr lang="es-AR" sz="1800" dirty="0" err="1">
+                <a:latin typeface="Calibri" panose="020F0502020204030204" pitchFamily="34" charset="0"/>
+                <a:cs typeface="Calibri" panose="020F0502020204030204" pitchFamily="34" charset="0"/>
+              </a:rPr>
+              <a:t>Zerosum</a:t>
+            </a:r>
+            <a:r>
+              <a:rPr lang="es-AR" sz="1800" dirty="0">
+                <a:latin typeface="Calibri" panose="020F0502020204030204" pitchFamily="34" charset="0"/>
+                <a:cs typeface="Calibri" panose="020F0502020204030204" pitchFamily="34" charset="0"/>
+              </a:rPr>
+              <a:t> es R1 + R2 = 0</a:t>
+            </a:r>
+          </a:p>
+          <a:p>
+            <a:pPr marL="179388" indent="0">
+              <a:buFont typeface="Wingdings" panose="05000000000000000000" pitchFamily="2" charset="2"/>
+              <a:buChar char="q"/>
+            </a:pPr>
+            <a:r>
+              <a:rPr lang="es-AR" sz="1800" b="1" dirty="0" err="1">
+                <a:latin typeface="Calibri" panose="020F0502020204030204" pitchFamily="34" charset="0"/>
+                <a:cs typeface="Calibri" panose="020F0502020204030204" pitchFamily="34" charset="0"/>
+              </a:rPr>
+              <a:t>Value</a:t>
+            </a:r>
+            <a:r>
+              <a:rPr lang="es-AR" sz="1800" b="1" dirty="0">
+                <a:latin typeface="Calibri" panose="020F0502020204030204" pitchFamily="34" charset="0"/>
+                <a:cs typeface="Calibri" panose="020F0502020204030204" pitchFamily="34" charset="0"/>
+              </a:rPr>
+              <a:t> </a:t>
+            </a:r>
+            <a:r>
+              <a:rPr lang="es-AR" sz="1800" b="1" dirty="0" err="1">
+                <a:latin typeface="Calibri" panose="020F0502020204030204" pitchFamily="34" charset="0"/>
+                <a:cs typeface="Calibri" panose="020F0502020204030204" pitchFamily="34" charset="0"/>
+              </a:rPr>
+              <a:t>Function</a:t>
+            </a:r>
+            <a:r>
+              <a:rPr lang="es-AR" sz="1800" b="1" dirty="0">
+                <a:latin typeface="Calibri" panose="020F0502020204030204" pitchFamily="34" charset="0"/>
+                <a:cs typeface="Calibri" panose="020F0502020204030204" pitchFamily="34" charset="0"/>
+              </a:rPr>
+              <a:t> V(s): </a:t>
+            </a:r>
+            <a:r>
+              <a:rPr lang="es-AR" sz="1800" dirty="0">
+                <a:latin typeface="Calibri" panose="020F0502020204030204" pitchFamily="34" charset="0"/>
+                <a:cs typeface="Calibri" panose="020F0502020204030204" pitchFamily="34" charset="0"/>
+              </a:rPr>
+              <a:t>la medida de valor de un estado incluyendo todas las futuras Recompensas</a:t>
+            </a:r>
+          </a:p>
+          <a:p>
+            <a:pPr marL="179388" indent="0">
+              <a:buFont typeface="Wingdings" panose="05000000000000000000" pitchFamily="2" charset="2"/>
+              <a:buChar char="q"/>
+            </a:pPr>
+            <a:r>
+              <a:rPr lang="es-AR" sz="1800" b="1" dirty="0">
+                <a:latin typeface="Calibri" panose="020F0502020204030204" pitchFamily="34" charset="0"/>
+                <a:cs typeface="Calibri" panose="020F0502020204030204" pitchFamily="34" charset="0"/>
+              </a:rPr>
+              <a:t>Q(</a:t>
+            </a:r>
+            <a:r>
+              <a:rPr lang="es-AR" sz="1800" b="1" dirty="0" err="1">
+                <a:latin typeface="Calibri" panose="020F0502020204030204" pitchFamily="34" charset="0"/>
+                <a:cs typeface="Calibri" panose="020F0502020204030204" pitchFamily="34" charset="0"/>
+              </a:rPr>
+              <a:t>s,a</a:t>
+            </a:r>
+            <a:r>
+              <a:rPr lang="es-AR" sz="1800" b="1" dirty="0">
+                <a:latin typeface="Calibri" panose="020F0502020204030204" pitchFamily="34" charset="0"/>
+                <a:cs typeface="Calibri" panose="020F0502020204030204" pitchFamily="34" charset="0"/>
+              </a:rPr>
+              <a:t>): </a:t>
+            </a:r>
+            <a:r>
+              <a:rPr lang="es-AR" sz="1800" dirty="0">
+                <a:latin typeface="Calibri" panose="020F0502020204030204" pitchFamily="34" charset="0"/>
+                <a:cs typeface="Calibri" panose="020F0502020204030204" pitchFamily="34" charset="0"/>
+              </a:rPr>
+              <a:t>similar a la </a:t>
+            </a:r>
+            <a:r>
+              <a:rPr lang="es-AR" sz="1800" dirty="0" err="1">
+                <a:latin typeface="Calibri" panose="020F0502020204030204" pitchFamily="34" charset="0"/>
+                <a:cs typeface="Calibri" panose="020F0502020204030204" pitchFamily="34" charset="0"/>
+              </a:rPr>
+              <a:t>Value</a:t>
+            </a:r>
+            <a:r>
+              <a:rPr lang="es-AR" sz="1800" dirty="0">
+                <a:latin typeface="Calibri" panose="020F0502020204030204" pitchFamily="34" charset="0"/>
+                <a:cs typeface="Calibri" panose="020F0502020204030204" pitchFamily="34" charset="0"/>
+              </a:rPr>
+              <a:t> </a:t>
+            </a:r>
+            <a:r>
+              <a:rPr lang="es-AR" sz="1800" dirty="0" err="1">
+                <a:latin typeface="Calibri" panose="020F0502020204030204" pitchFamily="34" charset="0"/>
+                <a:cs typeface="Calibri" panose="020F0502020204030204" pitchFamily="34" charset="0"/>
+              </a:rPr>
+              <a:t>Function</a:t>
+            </a:r>
+            <a:r>
+              <a:rPr lang="es-AR" sz="1800" dirty="0">
+                <a:latin typeface="Calibri" panose="020F0502020204030204" pitchFamily="34" charset="0"/>
+                <a:cs typeface="Calibri" panose="020F0502020204030204" pitchFamily="34" charset="0"/>
+              </a:rPr>
+              <a:t> pero asocia estado y acción, típicamente se usa cuando se quiere </a:t>
+            </a:r>
+            <a:r>
+              <a:rPr lang="es-AR" sz="1800" dirty="0" err="1">
+                <a:latin typeface="Calibri" panose="020F0502020204030204" pitchFamily="34" charset="0"/>
+                <a:cs typeface="Calibri" panose="020F0502020204030204" pitchFamily="34" charset="0"/>
+              </a:rPr>
+              <a:t>hayar</a:t>
+            </a:r>
+            <a:r>
+              <a:rPr lang="es-AR" sz="1800" dirty="0">
+                <a:latin typeface="Calibri" panose="020F0502020204030204" pitchFamily="34" charset="0"/>
+                <a:cs typeface="Calibri" panose="020F0502020204030204" pitchFamily="34" charset="0"/>
+              </a:rPr>
+              <a:t> la </a:t>
+            </a:r>
+            <a:r>
+              <a:rPr lang="es-AR" sz="1800" dirty="0" err="1">
+                <a:latin typeface="Calibri" panose="020F0502020204030204" pitchFamily="34" charset="0"/>
+                <a:cs typeface="Calibri" panose="020F0502020204030204" pitchFamily="34" charset="0"/>
+              </a:rPr>
+              <a:t>policy</a:t>
+            </a:r>
+            <a:r>
+              <a:rPr lang="es-AR" sz="1800" dirty="0">
+                <a:latin typeface="Calibri" panose="020F0502020204030204" pitchFamily="34" charset="0"/>
+                <a:cs typeface="Calibri" panose="020F0502020204030204" pitchFamily="34" charset="0"/>
+              </a:rPr>
+              <a:t> optima (Control </a:t>
+            </a:r>
+            <a:r>
+              <a:rPr lang="es-AR" sz="1800" dirty="0" err="1">
+                <a:latin typeface="Calibri" panose="020F0502020204030204" pitchFamily="34" charset="0"/>
+                <a:cs typeface="Calibri" panose="020F0502020204030204" pitchFamily="34" charset="0"/>
+              </a:rPr>
+              <a:t>Problem</a:t>
+            </a:r>
+            <a:r>
+              <a:rPr lang="es-AR" sz="1800" dirty="0">
+                <a:latin typeface="Calibri" panose="020F0502020204030204" pitchFamily="34" charset="0"/>
+                <a:cs typeface="Calibri" panose="020F0502020204030204" pitchFamily="34" charset="0"/>
+              </a:rPr>
+              <a:t>) porque esta indexado por acción.</a:t>
+            </a:r>
+          </a:p>
+          <a:p>
+            <a:pPr marL="179388" indent="0">
+              <a:buFont typeface="Wingdings" panose="05000000000000000000" pitchFamily="2" charset="2"/>
+              <a:buChar char="q"/>
+            </a:pPr>
+            <a:r>
+              <a:rPr lang="es-AR" sz="1800" b="1" dirty="0">
+                <a:latin typeface="Calibri" panose="020F0502020204030204" pitchFamily="34" charset="0"/>
+                <a:cs typeface="Calibri" panose="020F0502020204030204" pitchFamily="34" charset="0"/>
+              </a:rPr>
+              <a:t>Exploración vs Explotación</a:t>
+            </a:r>
+            <a:r>
+              <a:rPr lang="es-AR" sz="1800" dirty="0">
+                <a:latin typeface="Calibri" panose="020F0502020204030204" pitchFamily="34" charset="0"/>
+                <a:cs typeface="Calibri" panose="020F0502020204030204" pitchFamily="34" charset="0"/>
+              </a:rPr>
+              <a:t>: </a:t>
+            </a:r>
+            <a:r>
+              <a:rPr lang="es-AR" sz="1800" dirty="0" err="1">
+                <a:latin typeface="Calibri" panose="020F0502020204030204" pitchFamily="34" charset="0"/>
+                <a:cs typeface="Calibri" panose="020F0502020204030204" pitchFamily="34" charset="0"/>
+              </a:rPr>
+              <a:t>Epsilon-greedy</a:t>
+            </a:r>
+            <a:r>
+              <a:rPr lang="es-AR" sz="1800" dirty="0">
+                <a:latin typeface="Calibri" panose="020F0502020204030204" pitchFamily="34" charset="0"/>
+                <a:cs typeface="Calibri" panose="020F0502020204030204" pitchFamily="34" charset="0"/>
+              </a:rPr>
+              <a:t>, OIV, </a:t>
+            </a:r>
+            <a:r>
+              <a:rPr lang="es-AR" sz="1800" dirty="0" err="1">
+                <a:latin typeface="Calibri" panose="020F0502020204030204" pitchFamily="34" charset="0"/>
+                <a:cs typeface="Calibri" panose="020F0502020204030204" pitchFamily="34" charset="0"/>
+              </a:rPr>
+              <a:t>Bayesian</a:t>
+            </a:r>
+            <a:r>
+              <a:rPr lang="es-AR" sz="1800" dirty="0">
+                <a:latin typeface="Calibri" panose="020F0502020204030204" pitchFamily="34" charset="0"/>
+                <a:cs typeface="Calibri" panose="020F0502020204030204" pitchFamily="34" charset="0"/>
+              </a:rPr>
+              <a:t> Thompson, </a:t>
+            </a:r>
+            <a:r>
+              <a:rPr lang="es-AR" sz="1800" dirty="0" err="1">
+                <a:latin typeface="Calibri" panose="020F0502020204030204" pitchFamily="34" charset="0"/>
+                <a:cs typeface="Calibri" panose="020F0502020204030204" pitchFamily="34" charset="0"/>
+              </a:rPr>
+              <a:t>etc</a:t>
+            </a:r>
+            <a:endParaRPr lang="es-AR" sz="1800" dirty="0">
+              <a:latin typeface="Calibri" panose="020F0502020204030204" pitchFamily="34" charset="0"/>
+              <a:cs typeface="Calibri" panose="020F0502020204030204" pitchFamily="34" charset="0"/>
+            </a:endParaRPr>
+          </a:p>
+          <a:p>
+            <a:pPr marL="179388" indent="0">
+              <a:buFont typeface="Wingdings" panose="05000000000000000000" pitchFamily="2" charset="2"/>
+              <a:buChar char="q"/>
+            </a:pPr>
+            <a:r>
+              <a:rPr lang="es-AR" sz="1800" b="1" dirty="0" err="1">
+                <a:latin typeface="Calibri" panose="020F0502020204030204" pitchFamily="34" charset="0"/>
+                <a:cs typeface="Calibri" panose="020F0502020204030204" pitchFamily="34" charset="0"/>
+              </a:rPr>
+              <a:t>Discount</a:t>
+            </a:r>
+            <a:r>
+              <a:rPr lang="es-AR" sz="1800" b="1" dirty="0">
+                <a:latin typeface="Calibri" panose="020F0502020204030204" pitchFamily="34" charset="0"/>
+                <a:cs typeface="Calibri" panose="020F0502020204030204" pitchFamily="34" charset="0"/>
+              </a:rPr>
+              <a:t> </a:t>
+            </a:r>
+            <a:r>
+              <a:rPr lang="es-AR" sz="1800" b="1" dirty="0" err="1">
+                <a:latin typeface="Calibri" panose="020F0502020204030204" pitchFamily="34" charset="0"/>
+                <a:cs typeface="Calibri" panose="020F0502020204030204" pitchFamily="34" charset="0"/>
+              </a:rPr>
+              <a:t>Factors</a:t>
+            </a:r>
+            <a:r>
+              <a:rPr lang="es-AR" sz="1800" dirty="0">
+                <a:latin typeface="Calibri" panose="020F0502020204030204" pitchFamily="34" charset="0"/>
+                <a:cs typeface="Calibri" panose="020F0502020204030204" pitchFamily="34" charset="0"/>
+              </a:rPr>
+              <a:t>: factor de ajuste para propagación del valor</a:t>
+            </a:r>
+          </a:p>
+          <a:p>
+            <a:pPr marL="179388" indent="0">
+              <a:buFont typeface="Wingdings" panose="05000000000000000000" pitchFamily="2" charset="2"/>
+              <a:buChar char="q"/>
+            </a:pPr>
+            <a:r>
+              <a:rPr lang="es-AR" sz="1800" b="1" dirty="0" err="1">
+                <a:latin typeface="Calibri" panose="020F0502020204030204" pitchFamily="34" charset="0"/>
+                <a:cs typeface="Calibri" panose="020F0502020204030204" pitchFamily="34" charset="0"/>
+              </a:rPr>
+              <a:t>Learning</a:t>
+            </a:r>
+            <a:r>
+              <a:rPr lang="es-AR" sz="1800" b="1" dirty="0">
+                <a:latin typeface="Calibri" panose="020F0502020204030204" pitchFamily="34" charset="0"/>
+                <a:cs typeface="Calibri" panose="020F0502020204030204" pitchFamily="34" charset="0"/>
+              </a:rPr>
+              <a:t> Rates</a:t>
+            </a:r>
+            <a:r>
+              <a:rPr lang="es-AR" sz="1800" dirty="0">
+                <a:latin typeface="Calibri" panose="020F0502020204030204" pitchFamily="34" charset="0"/>
+                <a:cs typeface="Calibri" panose="020F0502020204030204" pitchFamily="34" charset="0"/>
+              </a:rPr>
+              <a:t>: a que velocidad aprendo</a:t>
+            </a:r>
+          </a:p>
+          <a:p>
+            <a:endParaRPr lang="es-AR" sz="1800" dirty="0"/>
+          </a:p>
+        </p:txBody>
+      </p:sp>
+    </p:spTree>
+    <p:extLst>
+      <p:ext uri="{BB962C8B-B14F-4D97-AF65-F5344CB8AC3E}">
+        <p14:creationId xmlns:p14="http://schemas.microsoft.com/office/powerpoint/2010/main" val="1473911384"/>
+      </p:ext>
+    </p:extLst>
+  </p:cSld>
+  <p:clrMapOvr>
+    <a:masterClrMapping/>
+  </p:clrMapOvr>
+</p:sld>
+</file>
+
+<file path=ppt/slides/slide50.xml><?xml version="1.0" encoding="utf-8"?>
 <p:sld xmlns:a="http://schemas.openxmlformats.org/drawingml/2006/main" xmlns:r="http://schemas.openxmlformats.org/officeDocument/2006/relationships" xmlns:p="http://schemas.openxmlformats.org/presentationml/2006/main">
   <p:cSld>
     <p:spTree>
@@ -21044,7 +21491,7 @@
 </p:sld>
 </file>
 
-<file path=ppt/slides/slide52.xml><?xml version="1.0" encoding="utf-8"?>
+<file path=ppt/slides/slide51.xml><?xml version="1.0" encoding="utf-8"?>
 <p:sld xmlns:a="http://schemas.openxmlformats.org/drawingml/2006/main" xmlns:r="http://schemas.openxmlformats.org/officeDocument/2006/relationships" xmlns:p="http://schemas.openxmlformats.org/presentationml/2006/main">
   <p:cSld>
     <p:spTree>
@@ -21457,7 +21904,7 @@
 </p:sld>
 </file>
 
-<file path=ppt/slides/slide53.xml><?xml version="1.0" encoding="utf-8"?>
+<file path=ppt/slides/slide52.xml><?xml version="1.0" encoding="utf-8"?>
 <p:sld xmlns:a="http://schemas.openxmlformats.org/drawingml/2006/main" xmlns:r="http://schemas.openxmlformats.org/officeDocument/2006/relationships" xmlns:p="http://schemas.openxmlformats.org/presentationml/2006/main">
   <p:cSld>
     <p:spTree>
@@ -21722,7 +22169,7 @@
         <p:spPr/>
         <p:txBody>
           <a:bodyPr>
-            <a:normAutofit fontScale="85000" lnSpcReduction="20000"/>
+            <a:normAutofit fontScale="77500" lnSpcReduction="20000"/>
           </a:bodyPr>
           <a:lstStyle/>
           <a:p>
@@ -21950,6 +22397,28 @@
             <a:r>
               <a:rPr lang="es-AR" b="1" dirty="0"/>
               <a:t>):</a:t>
+            </a:r>
+          </a:p>
+          <a:p>
+            <a:pPr lvl="1"/>
+            <a:r>
+              <a:rPr lang="es-ES" dirty="0" err="1"/>
+              <a:t>Libratum</a:t>
+            </a:r>
+            <a:r>
+              <a:rPr lang="es-ES" dirty="0"/>
+              <a:t> - Enero 2017 (Carnegie Mellon)</a:t>
+            </a:r>
+          </a:p>
+          <a:p>
+            <a:pPr lvl="1"/>
+            <a:r>
+              <a:rPr lang="es-ES" dirty="0" err="1"/>
+              <a:t>DeepStack</a:t>
+            </a:r>
+            <a:r>
+              <a:rPr lang="es-ES" dirty="0"/>
+              <a:t> – Diciembre 2016 (Universidad de Alberta)</a:t>
             </a:r>
           </a:p>
           <a:p>
